--- a/Document/Charts & UI.pptx
+++ b/Document/Charts & UI.pptx
@@ -5,12 +5,19 @@
     <p:sldMasterId id="2147483648" r:id="rId1"/>
   </p:sldMasterIdLst>
   <p:sldIdLst>
-    <p:sldId id="256" r:id="rId2"/>
-    <p:sldId id="257" r:id="rId3"/>
-    <p:sldId id="259" r:id="rId4"/>
-    <p:sldId id="260" r:id="rId5"/>
-    <p:sldId id="261" r:id="rId6"/>
-    <p:sldId id="258" r:id="rId7"/>
+    <p:sldId id="268" r:id="rId2"/>
+    <p:sldId id="256" r:id="rId3"/>
+    <p:sldId id="257" r:id="rId4"/>
+    <p:sldId id="259" r:id="rId5"/>
+    <p:sldId id="260" r:id="rId6"/>
+    <p:sldId id="261" r:id="rId7"/>
+    <p:sldId id="258" r:id="rId8"/>
+    <p:sldId id="262" r:id="rId9"/>
+    <p:sldId id="263" r:id="rId10"/>
+    <p:sldId id="264" r:id="rId11"/>
+    <p:sldId id="265" r:id="rId12"/>
+    <p:sldId id="266" r:id="rId13"/>
+    <p:sldId id="267" r:id="rId14"/>
   </p:sldIdLst>
   <p:sldSz cx="12192000" cy="6858000"/>
   <p:notesSz cx="6858000" cy="9144000"/>
@@ -109,6 +116,11 @@
       </a:defRPr>
     </a:lvl9pPr>
   </p:defaultTextStyle>
+  <p:extLst>
+    <p:ext uri="{EFAFB233-063F-42B5-8137-9DF3F51BA10A}">
+      <p15:sldGuideLst xmlns:p15="http://schemas.microsoft.com/office/powerpoint/2012/main"/>
+    </p:ext>
+  </p:extLst>
 </p:presentation>
 </file>
 
@@ -138,7 +150,7 @@
           <p:cNvPr id="2" name="Title 1">
             <a:extLst>
               <a:ext uri="{FF2B5EF4-FFF2-40B4-BE49-F238E27FC236}">
-                <a16:creationId xmlns:a16="http://schemas.microsoft.com/office/drawing/2014/main" id="{25B57550-B46B-457E-A8E4-526712C52AC8}"/>
+                <a16:creationId xmlns:a16="http://schemas.microsoft.com/office/drawing/2014/main" xmlns="" id="{25B57550-B46B-457E-A8E4-526712C52AC8}"/>
               </a:ext>
             </a:extLst>
           </p:cNvPr>
@@ -176,7 +188,7 @@
           <p:cNvPr id="3" name="Subtitle 2">
             <a:extLst>
               <a:ext uri="{FF2B5EF4-FFF2-40B4-BE49-F238E27FC236}">
-                <a16:creationId xmlns:a16="http://schemas.microsoft.com/office/drawing/2014/main" id="{02C73448-EBA3-4EAF-87AD-11C81D7DF5C7}"/>
+                <a16:creationId xmlns:a16="http://schemas.microsoft.com/office/drawing/2014/main" xmlns="" id="{02C73448-EBA3-4EAF-87AD-11C81D7DF5C7}"/>
               </a:ext>
             </a:extLst>
           </p:cNvPr>
@@ -247,7 +259,7 @@
           <p:cNvPr id="4" name="Date Placeholder 3">
             <a:extLst>
               <a:ext uri="{FF2B5EF4-FFF2-40B4-BE49-F238E27FC236}">
-                <a16:creationId xmlns:a16="http://schemas.microsoft.com/office/drawing/2014/main" id="{62031350-1E90-4E81-9573-EE689826AF9C}"/>
+                <a16:creationId xmlns:a16="http://schemas.microsoft.com/office/drawing/2014/main" xmlns="" id="{62031350-1E90-4E81-9573-EE689826AF9C}"/>
               </a:ext>
             </a:extLst>
           </p:cNvPr>
@@ -265,7 +277,7 @@
           <a:p>
             <a:fld id="{708C70FD-292D-4289-895E-DD2F6C24B704}" type="datetimeFigureOut">
               <a:rPr lang="id-ID" smtClean="0"/>
-              <a:t>12/01/2018</a:t>
+              <a:t>10/04/2018</a:t>
             </a:fld>
             <a:endParaRPr lang="id-ID"/>
           </a:p>
@@ -276,7 +288,7 @@
           <p:cNvPr id="5" name="Footer Placeholder 4">
             <a:extLst>
               <a:ext uri="{FF2B5EF4-FFF2-40B4-BE49-F238E27FC236}">
-                <a16:creationId xmlns:a16="http://schemas.microsoft.com/office/drawing/2014/main" id="{14AE7860-B7D2-462F-868D-AF1F27C8ABE3}"/>
+                <a16:creationId xmlns:a16="http://schemas.microsoft.com/office/drawing/2014/main" xmlns="" id="{14AE7860-B7D2-462F-868D-AF1F27C8ABE3}"/>
               </a:ext>
             </a:extLst>
           </p:cNvPr>
@@ -301,7 +313,7 @@
           <p:cNvPr id="6" name="Slide Number Placeholder 5">
             <a:extLst>
               <a:ext uri="{FF2B5EF4-FFF2-40B4-BE49-F238E27FC236}">
-                <a16:creationId xmlns:a16="http://schemas.microsoft.com/office/drawing/2014/main" id="{332D0B5B-5827-4C86-BAAF-7E13DFE14D87}"/>
+                <a16:creationId xmlns:a16="http://schemas.microsoft.com/office/drawing/2014/main" xmlns="" id="{332D0B5B-5827-4C86-BAAF-7E13DFE14D87}"/>
               </a:ext>
             </a:extLst>
           </p:cNvPr>
@@ -360,7 +372,7 @@
           <p:cNvPr id="2" name="Title 1">
             <a:extLst>
               <a:ext uri="{FF2B5EF4-FFF2-40B4-BE49-F238E27FC236}">
-                <a16:creationId xmlns:a16="http://schemas.microsoft.com/office/drawing/2014/main" id="{23221017-1965-4A37-9958-CC96CB301957}"/>
+                <a16:creationId xmlns:a16="http://schemas.microsoft.com/office/drawing/2014/main" xmlns="" id="{23221017-1965-4A37-9958-CC96CB301957}"/>
               </a:ext>
             </a:extLst>
           </p:cNvPr>
@@ -389,7 +401,7 @@
           <p:cNvPr id="3" name="Vertical Text Placeholder 2">
             <a:extLst>
               <a:ext uri="{FF2B5EF4-FFF2-40B4-BE49-F238E27FC236}">
-                <a16:creationId xmlns:a16="http://schemas.microsoft.com/office/drawing/2014/main" id="{9C0850FA-9791-4FB5-B135-9E5DD63A7F2E}"/>
+                <a16:creationId xmlns:a16="http://schemas.microsoft.com/office/drawing/2014/main" xmlns="" id="{9C0850FA-9791-4FB5-B135-9E5DD63A7F2E}"/>
               </a:ext>
             </a:extLst>
           </p:cNvPr>
@@ -447,7 +459,7 @@
           <p:cNvPr id="4" name="Date Placeholder 3">
             <a:extLst>
               <a:ext uri="{FF2B5EF4-FFF2-40B4-BE49-F238E27FC236}">
-                <a16:creationId xmlns:a16="http://schemas.microsoft.com/office/drawing/2014/main" id="{4C16BB4B-09F1-4F45-B63B-F826CC56605A}"/>
+                <a16:creationId xmlns:a16="http://schemas.microsoft.com/office/drawing/2014/main" xmlns="" id="{4C16BB4B-09F1-4F45-B63B-F826CC56605A}"/>
               </a:ext>
             </a:extLst>
           </p:cNvPr>
@@ -465,7 +477,7 @@
           <a:p>
             <a:fld id="{708C70FD-292D-4289-895E-DD2F6C24B704}" type="datetimeFigureOut">
               <a:rPr lang="id-ID" smtClean="0"/>
-              <a:t>12/01/2018</a:t>
+              <a:t>10/04/2018</a:t>
             </a:fld>
             <a:endParaRPr lang="id-ID"/>
           </a:p>
@@ -476,7 +488,7 @@
           <p:cNvPr id="5" name="Footer Placeholder 4">
             <a:extLst>
               <a:ext uri="{FF2B5EF4-FFF2-40B4-BE49-F238E27FC236}">
-                <a16:creationId xmlns:a16="http://schemas.microsoft.com/office/drawing/2014/main" id="{165D773A-B26E-4307-8F2D-A6FB4F4BA7E2}"/>
+                <a16:creationId xmlns:a16="http://schemas.microsoft.com/office/drawing/2014/main" xmlns="" id="{165D773A-B26E-4307-8F2D-A6FB4F4BA7E2}"/>
               </a:ext>
             </a:extLst>
           </p:cNvPr>
@@ -501,7 +513,7 @@
           <p:cNvPr id="6" name="Slide Number Placeholder 5">
             <a:extLst>
               <a:ext uri="{FF2B5EF4-FFF2-40B4-BE49-F238E27FC236}">
-                <a16:creationId xmlns:a16="http://schemas.microsoft.com/office/drawing/2014/main" id="{F3FCC440-E427-4632-BCE8-5CE6DA72223B}"/>
+                <a16:creationId xmlns:a16="http://schemas.microsoft.com/office/drawing/2014/main" xmlns="" id="{F3FCC440-E427-4632-BCE8-5CE6DA72223B}"/>
               </a:ext>
             </a:extLst>
           </p:cNvPr>
@@ -560,7 +572,7 @@
           <p:cNvPr id="2" name="Vertical Title 1">
             <a:extLst>
               <a:ext uri="{FF2B5EF4-FFF2-40B4-BE49-F238E27FC236}">
-                <a16:creationId xmlns:a16="http://schemas.microsoft.com/office/drawing/2014/main" id="{8C36BAA8-A79E-4B61-A49E-D2FA06ADB587}"/>
+                <a16:creationId xmlns:a16="http://schemas.microsoft.com/office/drawing/2014/main" xmlns="" id="{8C36BAA8-A79E-4B61-A49E-D2FA06ADB587}"/>
               </a:ext>
             </a:extLst>
           </p:cNvPr>
@@ -594,7 +606,7 @@
           <p:cNvPr id="3" name="Vertical Text Placeholder 2">
             <a:extLst>
               <a:ext uri="{FF2B5EF4-FFF2-40B4-BE49-F238E27FC236}">
-                <a16:creationId xmlns:a16="http://schemas.microsoft.com/office/drawing/2014/main" id="{422FD569-709C-4DC6-A37E-C7FC89B64CB7}"/>
+                <a16:creationId xmlns:a16="http://schemas.microsoft.com/office/drawing/2014/main" xmlns="" id="{422FD569-709C-4DC6-A37E-C7FC89B64CB7}"/>
               </a:ext>
             </a:extLst>
           </p:cNvPr>
@@ -657,7 +669,7 @@
           <p:cNvPr id="4" name="Date Placeholder 3">
             <a:extLst>
               <a:ext uri="{FF2B5EF4-FFF2-40B4-BE49-F238E27FC236}">
-                <a16:creationId xmlns:a16="http://schemas.microsoft.com/office/drawing/2014/main" id="{F154501E-F159-4719-8138-752A169B0F3F}"/>
+                <a16:creationId xmlns:a16="http://schemas.microsoft.com/office/drawing/2014/main" xmlns="" id="{F154501E-F159-4719-8138-752A169B0F3F}"/>
               </a:ext>
             </a:extLst>
           </p:cNvPr>
@@ -675,7 +687,7 @@
           <a:p>
             <a:fld id="{708C70FD-292D-4289-895E-DD2F6C24B704}" type="datetimeFigureOut">
               <a:rPr lang="id-ID" smtClean="0"/>
-              <a:t>12/01/2018</a:t>
+              <a:t>10/04/2018</a:t>
             </a:fld>
             <a:endParaRPr lang="id-ID"/>
           </a:p>
@@ -686,7 +698,7 @@
           <p:cNvPr id="5" name="Footer Placeholder 4">
             <a:extLst>
               <a:ext uri="{FF2B5EF4-FFF2-40B4-BE49-F238E27FC236}">
-                <a16:creationId xmlns:a16="http://schemas.microsoft.com/office/drawing/2014/main" id="{C3869C03-8FBD-4C04-8284-09D89DBCD3AB}"/>
+                <a16:creationId xmlns:a16="http://schemas.microsoft.com/office/drawing/2014/main" xmlns="" id="{C3869C03-8FBD-4C04-8284-09D89DBCD3AB}"/>
               </a:ext>
             </a:extLst>
           </p:cNvPr>
@@ -711,7 +723,7 @@
           <p:cNvPr id="6" name="Slide Number Placeholder 5">
             <a:extLst>
               <a:ext uri="{FF2B5EF4-FFF2-40B4-BE49-F238E27FC236}">
-                <a16:creationId xmlns:a16="http://schemas.microsoft.com/office/drawing/2014/main" id="{FED2EC9D-2C31-46A0-ABEE-23B4E0102C5B}"/>
+                <a16:creationId xmlns:a16="http://schemas.microsoft.com/office/drawing/2014/main" xmlns="" id="{FED2EC9D-2C31-46A0-ABEE-23B4E0102C5B}"/>
               </a:ext>
             </a:extLst>
           </p:cNvPr>
@@ -770,7 +782,7 @@
           <p:cNvPr id="2" name="Title 1">
             <a:extLst>
               <a:ext uri="{FF2B5EF4-FFF2-40B4-BE49-F238E27FC236}">
-                <a16:creationId xmlns:a16="http://schemas.microsoft.com/office/drawing/2014/main" id="{81DB6B5D-0219-4887-8A77-14EDE916D5BB}"/>
+                <a16:creationId xmlns:a16="http://schemas.microsoft.com/office/drawing/2014/main" xmlns="" id="{81DB6B5D-0219-4887-8A77-14EDE916D5BB}"/>
               </a:ext>
             </a:extLst>
           </p:cNvPr>
@@ -799,7 +811,7 @@
           <p:cNvPr id="3" name="Content Placeholder 2">
             <a:extLst>
               <a:ext uri="{FF2B5EF4-FFF2-40B4-BE49-F238E27FC236}">
-                <a16:creationId xmlns:a16="http://schemas.microsoft.com/office/drawing/2014/main" id="{67FF5529-0DC0-4CE5-BBA5-84A2355FA323}"/>
+                <a16:creationId xmlns:a16="http://schemas.microsoft.com/office/drawing/2014/main" xmlns="" id="{67FF5529-0DC0-4CE5-BBA5-84A2355FA323}"/>
               </a:ext>
             </a:extLst>
           </p:cNvPr>
@@ -857,7 +869,7 @@
           <p:cNvPr id="4" name="Date Placeholder 3">
             <a:extLst>
               <a:ext uri="{FF2B5EF4-FFF2-40B4-BE49-F238E27FC236}">
-                <a16:creationId xmlns:a16="http://schemas.microsoft.com/office/drawing/2014/main" id="{A0F124B7-CF80-434E-A766-790F1B1B0A30}"/>
+                <a16:creationId xmlns:a16="http://schemas.microsoft.com/office/drawing/2014/main" xmlns="" id="{A0F124B7-CF80-434E-A766-790F1B1B0A30}"/>
               </a:ext>
             </a:extLst>
           </p:cNvPr>
@@ -875,7 +887,7 @@
           <a:p>
             <a:fld id="{708C70FD-292D-4289-895E-DD2F6C24B704}" type="datetimeFigureOut">
               <a:rPr lang="id-ID" smtClean="0"/>
-              <a:t>12/01/2018</a:t>
+              <a:t>10/04/2018</a:t>
             </a:fld>
             <a:endParaRPr lang="id-ID"/>
           </a:p>
@@ -886,7 +898,7 @@
           <p:cNvPr id="5" name="Footer Placeholder 4">
             <a:extLst>
               <a:ext uri="{FF2B5EF4-FFF2-40B4-BE49-F238E27FC236}">
-                <a16:creationId xmlns:a16="http://schemas.microsoft.com/office/drawing/2014/main" id="{2B625126-FEF3-47D4-8947-5D7FF3014F59}"/>
+                <a16:creationId xmlns:a16="http://schemas.microsoft.com/office/drawing/2014/main" xmlns="" id="{2B625126-FEF3-47D4-8947-5D7FF3014F59}"/>
               </a:ext>
             </a:extLst>
           </p:cNvPr>
@@ -911,7 +923,7 @@
           <p:cNvPr id="6" name="Slide Number Placeholder 5">
             <a:extLst>
               <a:ext uri="{FF2B5EF4-FFF2-40B4-BE49-F238E27FC236}">
-                <a16:creationId xmlns:a16="http://schemas.microsoft.com/office/drawing/2014/main" id="{0481208B-D23B-4F18-8FC9-55BC08C8A9B8}"/>
+                <a16:creationId xmlns:a16="http://schemas.microsoft.com/office/drawing/2014/main" xmlns="" id="{0481208B-D23B-4F18-8FC9-55BC08C8A9B8}"/>
               </a:ext>
             </a:extLst>
           </p:cNvPr>
@@ -970,7 +982,7 @@
           <p:cNvPr id="2" name="Title 1">
             <a:extLst>
               <a:ext uri="{FF2B5EF4-FFF2-40B4-BE49-F238E27FC236}">
-                <a16:creationId xmlns:a16="http://schemas.microsoft.com/office/drawing/2014/main" id="{DEB3FA57-A59A-4937-AF72-F7AD54C817AA}"/>
+                <a16:creationId xmlns:a16="http://schemas.microsoft.com/office/drawing/2014/main" xmlns="" id="{DEB3FA57-A59A-4937-AF72-F7AD54C817AA}"/>
               </a:ext>
             </a:extLst>
           </p:cNvPr>
@@ -1008,7 +1020,7 @@
           <p:cNvPr id="3" name="Text Placeholder 2">
             <a:extLst>
               <a:ext uri="{FF2B5EF4-FFF2-40B4-BE49-F238E27FC236}">
-                <a16:creationId xmlns:a16="http://schemas.microsoft.com/office/drawing/2014/main" id="{3F823062-5853-436D-B9AA-22B4CC39B147}"/>
+                <a16:creationId xmlns:a16="http://schemas.microsoft.com/office/drawing/2014/main" xmlns="" id="{3F823062-5853-436D-B9AA-22B4CC39B147}"/>
               </a:ext>
             </a:extLst>
           </p:cNvPr>
@@ -1133,7 +1145,7 @@
           <p:cNvPr id="4" name="Date Placeholder 3">
             <a:extLst>
               <a:ext uri="{FF2B5EF4-FFF2-40B4-BE49-F238E27FC236}">
-                <a16:creationId xmlns:a16="http://schemas.microsoft.com/office/drawing/2014/main" id="{83DE67BE-58FF-4D28-80DE-5030542A8BE2}"/>
+                <a16:creationId xmlns:a16="http://schemas.microsoft.com/office/drawing/2014/main" xmlns="" id="{83DE67BE-58FF-4D28-80DE-5030542A8BE2}"/>
               </a:ext>
             </a:extLst>
           </p:cNvPr>
@@ -1151,7 +1163,7 @@
           <a:p>
             <a:fld id="{708C70FD-292D-4289-895E-DD2F6C24B704}" type="datetimeFigureOut">
               <a:rPr lang="id-ID" smtClean="0"/>
-              <a:t>12/01/2018</a:t>
+              <a:t>10/04/2018</a:t>
             </a:fld>
             <a:endParaRPr lang="id-ID"/>
           </a:p>
@@ -1162,7 +1174,7 @@
           <p:cNvPr id="5" name="Footer Placeholder 4">
             <a:extLst>
               <a:ext uri="{FF2B5EF4-FFF2-40B4-BE49-F238E27FC236}">
-                <a16:creationId xmlns:a16="http://schemas.microsoft.com/office/drawing/2014/main" id="{D7F97AD9-9E71-4575-9623-7A09AF6317C4}"/>
+                <a16:creationId xmlns:a16="http://schemas.microsoft.com/office/drawing/2014/main" xmlns="" id="{D7F97AD9-9E71-4575-9623-7A09AF6317C4}"/>
               </a:ext>
             </a:extLst>
           </p:cNvPr>
@@ -1187,7 +1199,7 @@
           <p:cNvPr id="6" name="Slide Number Placeholder 5">
             <a:extLst>
               <a:ext uri="{FF2B5EF4-FFF2-40B4-BE49-F238E27FC236}">
-                <a16:creationId xmlns:a16="http://schemas.microsoft.com/office/drawing/2014/main" id="{6854602C-5C7B-4294-88C8-412377245B16}"/>
+                <a16:creationId xmlns:a16="http://schemas.microsoft.com/office/drawing/2014/main" xmlns="" id="{6854602C-5C7B-4294-88C8-412377245B16}"/>
               </a:ext>
             </a:extLst>
           </p:cNvPr>
@@ -1246,7 +1258,7 @@
           <p:cNvPr id="2" name="Title 1">
             <a:extLst>
               <a:ext uri="{FF2B5EF4-FFF2-40B4-BE49-F238E27FC236}">
-                <a16:creationId xmlns:a16="http://schemas.microsoft.com/office/drawing/2014/main" id="{2F3672E0-C370-4EBF-8867-914EF7218086}"/>
+                <a16:creationId xmlns:a16="http://schemas.microsoft.com/office/drawing/2014/main" xmlns="" id="{2F3672E0-C370-4EBF-8867-914EF7218086}"/>
               </a:ext>
             </a:extLst>
           </p:cNvPr>
@@ -1275,7 +1287,7 @@
           <p:cNvPr id="3" name="Content Placeholder 2">
             <a:extLst>
               <a:ext uri="{FF2B5EF4-FFF2-40B4-BE49-F238E27FC236}">
-                <a16:creationId xmlns:a16="http://schemas.microsoft.com/office/drawing/2014/main" id="{C8CDC5B9-D3D4-4596-9C27-977EB895162B}"/>
+                <a16:creationId xmlns:a16="http://schemas.microsoft.com/office/drawing/2014/main" xmlns="" id="{C8CDC5B9-D3D4-4596-9C27-977EB895162B}"/>
               </a:ext>
             </a:extLst>
           </p:cNvPr>
@@ -1338,7 +1350,7 @@
           <p:cNvPr id="4" name="Content Placeholder 3">
             <a:extLst>
               <a:ext uri="{FF2B5EF4-FFF2-40B4-BE49-F238E27FC236}">
-                <a16:creationId xmlns:a16="http://schemas.microsoft.com/office/drawing/2014/main" id="{0A06AB26-3659-453D-A82A-405B53E95CC2}"/>
+                <a16:creationId xmlns:a16="http://schemas.microsoft.com/office/drawing/2014/main" xmlns="" id="{0A06AB26-3659-453D-A82A-405B53E95CC2}"/>
               </a:ext>
             </a:extLst>
           </p:cNvPr>
@@ -1401,7 +1413,7 @@
           <p:cNvPr id="5" name="Date Placeholder 4">
             <a:extLst>
               <a:ext uri="{FF2B5EF4-FFF2-40B4-BE49-F238E27FC236}">
-                <a16:creationId xmlns:a16="http://schemas.microsoft.com/office/drawing/2014/main" id="{8942BF8A-792D-4069-8CFE-BEABCEEC917E}"/>
+                <a16:creationId xmlns:a16="http://schemas.microsoft.com/office/drawing/2014/main" xmlns="" id="{8942BF8A-792D-4069-8CFE-BEABCEEC917E}"/>
               </a:ext>
             </a:extLst>
           </p:cNvPr>
@@ -1419,7 +1431,7 @@
           <a:p>
             <a:fld id="{708C70FD-292D-4289-895E-DD2F6C24B704}" type="datetimeFigureOut">
               <a:rPr lang="id-ID" smtClean="0"/>
-              <a:t>12/01/2018</a:t>
+              <a:t>10/04/2018</a:t>
             </a:fld>
             <a:endParaRPr lang="id-ID"/>
           </a:p>
@@ -1430,7 +1442,7 @@
           <p:cNvPr id="6" name="Footer Placeholder 5">
             <a:extLst>
               <a:ext uri="{FF2B5EF4-FFF2-40B4-BE49-F238E27FC236}">
-                <a16:creationId xmlns:a16="http://schemas.microsoft.com/office/drawing/2014/main" id="{53BA80CB-15B5-491F-BE38-EC8421A7F8D5}"/>
+                <a16:creationId xmlns:a16="http://schemas.microsoft.com/office/drawing/2014/main" xmlns="" id="{53BA80CB-15B5-491F-BE38-EC8421A7F8D5}"/>
               </a:ext>
             </a:extLst>
           </p:cNvPr>
@@ -1455,7 +1467,7 @@
           <p:cNvPr id="7" name="Slide Number Placeholder 6">
             <a:extLst>
               <a:ext uri="{FF2B5EF4-FFF2-40B4-BE49-F238E27FC236}">
-                <a16:creationId xmlns:a16="http://schemas.microsoft.com/office/drawing/2014/main" id="{CD7574D9-BEDB-4CED-ABE2-B88CE8D65296}"/>
+                <a16:creationId xmlns:a16="http://schemas.microsoft.com/office/drawing/2014/main" xmlns="" id="{CD7574D9-BEDB-4CED-ABE2-B88CE8D65296}"/>
               </a:ext>
             </a:extLst>
           </p:cNvPr>
@@ -1514,7 +1526,7 @@
           <p:cNvPr id="2" name="Title 1">
             <a:extLst>
               <a:ext uri="{FF2B5EF4-FFF2-40B4-BE49-F238E27FC236}">
-                <a16:creationId xmlns:a16="http://schemas.microsoft.com/office/drawing/2014/main" id="{6C22FFE2-4084-4579-B724-1853EF242950}"/>
+                <a16:creationId xmlns:a16="http://schemas.microsoft.com/office/drawing/2014/main" xmlns="" id="{6C22FFE2-4084-4579-B724-1853EF242950}"/>
               </a:ext>
             </a:extLst>
           </p:cNvPr>
@@ -1548,7 +1560,7 @@
           <p:cNvPr id="3" name="Text Placeholder 2">
             <a:extLst>
               <a:ext uri="{FF2B5EF4-FFF2-40B4-BE49-F238E27FC236}">
-                <a16:creationId xmlns:a16="http://schemas.microsoft.com/office/drawing/2014/main" id="{3DB9791F-E6EA-41A5-8CEA-6C0FAE0FE2AB}"/>
+                <a16:creationId xmlns:a16="http://schemas.microsoft.com/office/drawing/2014/main" xmlns="" id="{3DB9791F-E6EA-41A5-8CEA-6C0FAE0FE2AB}"/>
               </a:ext>
             </a:extLst>
           </p:cNvPr>
@@ -1619,7 +1631,7 @@
           <p:cNvPr id="4" name="Content Placeholder 3">
             <a:extLst>
               <a:ext uri="{FF2B5EF4-FFF2-40B4-BE49-F238E27FC236}">
-                <a16:creationId xmlns:a16="http://schemas.microsoft.com/office/drawing/2014/main" id="{0B57400F-F25E-41C2-B586-21648614F0A4}"/>
+                <a16:creationId xmlns:a16="http://schemas.microsoft.com/office/drawing/2014/main" xmlns="" id="{0B57400F-F25E-41C2-B586-21648614F0A4}"/>
               </a:ext>
             </a:extLst>
           </p:cNvPr>
@@ -1682,7 +1694,7 @@
           <p:cNvPr id="5" name="Text Placeholder 4">
             <a:extLst>
               <a:ext uri="{FF2B5EF4-FFF2-40B4-BE49-F238E27FC236}">
-                <a16:creationId xmlns:a16="http://schemas.microsoft.com/office/drawing/2014/main" id="{18BF6560-EA84-44CA-A042-2090C12DEBF1}"/>
+                <a16:creationId xmlns:a16="http://schemas.microsoft.com/office/drawing/2014/main" xmlns="" id="{18BF6560-EA84-44CA-A042-2090C12DEBF1}"/>
               </a:ext>
             </a:extLst>
           </p:cNvPr>
@@ -1753,7 +1765,7 @@
           <p:cNvPr id="6" name="Content Placeholder 5">
             <a:extLst>
               <a:ext uri="{FF2B5EF4-FFF2-40B4-BE49-F238E27FC236}">
-                <a16:creationId xmlns:a16="http://schemas.microsoft.com/office/drawing/2014/main" id="{7DF9D7A3-B661-43C1-8FD3-F82A2A79E492}"/>
+                <a16:creationId xmlns:a16="http://schemas.microsoft.com/office/drawing/2014/main" xmlns="" id="{7DF9D7A3-B661-43C1-8FD3-F82A2A79E492}"/>
               </a:ext>
             </a:extLst>
           </p:cNvPr>
@@ -1816,7 +1828,7 @@
           <p:cNvPr id="7" name="Date Placeholder 6">
             <a:extLst>
               <a:ext uri="{FF2B5EF4-FFF2-40B4-BE49-F238E27FC236}">
-                <a16:creationId xmlns:a16="http://schemas.microsoft.com/office/drawing/2014/main" id="{74F0F2D9-8D3E-4896-9DEC-D8902DB4A47D}"/>
+                <a16:creationId xmlns:a16="http://schemas.microsoft.com/office/drawing/2014/main" xmlns="" id="{74F0F2D9-8D3E-4896-9DEC-D8902DB4A47D}"/>
               </a:ext>
             </a:extLst>
           </p:cNvPr>
@@ -1834,7 +1846,7 @@
           <a:p>
             <a:fld id="{708C70FD-292D-4289-895E-DD2F6C24B704}" type="datetimeFigureOut">
               <a:rPr lang="id-ID" smtClean="0"/>
-              <a:t>12/01/2018</a:t>
+              <a:t>10/04/2018</a:t>
             </a:fld>
             <a:endParaRPr lang="id-ID"/>
           </a:p>
@@ -1845,7 +1857,7 @@
           <p:cNvPr id="8" name="Footer Placeholder 7">
             <a:extLst>
               <a:ext uri="{FF2B5EF4-FFF2-40B4-BE49-F238E27FC236}">
-                <a16:creationId xmlns:a16="http://schemas.microsoft.com/office/drawing/2014/main" id="{FAEBB36D-25D1-4C03-AAD9-E88CBC1EF035}"/>
+                <a16:creationId xmlns:a16="http://schemas.microsoft.com/office/drawing/2014/main" xmlns="" id="{FAEBB36D-25D1-4C03-AAD9-E88CBC1EF035}"/>
               </a:ext>
             </a:extLst>
           </p:cNvPr>
@@ -1870,7 +1882,7 @@
           <p:cNvPr id="9" name="Slide Number Placeholder 8">
             <a:extLst>
               <a:ext uri="{FF2B5EF4-FFF2-40B4-BE49-F238E27FC236}">
-                <a16:creationId xmlns:a16="http://schemas.microsoft.com/office/drawing/2014/main" id="{AD4E9585-6263-4CCD-B985-1E375EA16232}"/>
+                <a16:creationId xmlns:a16="http://schemas.microsoft.com/office/drawing/2014/main" xmlns="" id="{AD4E9585-6263-4CCD-B985-1E375EA16232}"/>
               </a:ext>
             </a:extLst>
           </p:cNvPr>
@@ -1929,7 +1941,7 @@
           <p:cNvPr id="2" name="Title 1">
             <a:extLst>
               <a:ext uri="{FF2B5EF4-FFF2-40B4-BE49-F238E27FC236}">
-                <a16:creationId xmlns:a16="http://schemas.microsoft.com/office/drawing/2014/main" id="{4E383D40-EC08-41A2-805F-356D8067DBB8}"/>
+                <a16:creationId xmlns:a16="http://schemas.microsoft.com/office/drawing/2014/main" xmlns="" id="{4E383D40-EC08-41A2-805F-356D8067DBB8}"/>
               </a:ext>
             </a:extLst>
           </p:cNvPr>
@@ -1958,7 +1970,7 @@
           <p:cNvPr id="3" name="Date Placeholder 2">
             <a:extLst>
               <a:ext uri="{FF2B5EF4-FFF2-40B4-BE49-F238E27FC236}">
-                <a16:creationId xmlns:a16="http://schemas.microsoft.com/office/drawing/2014/main" id="{0D8DD406-DD0E-46D1-BE10-A2D9C335A121}"/>
+                <a16:creationId xmlns:a16="http://schemas.microsoft.com/office/drawing/2014/main" xmlns="" id="{0D8DD406-DD0E-46D1-BE10-A2D9C335A121}"/>
               </a:ext>
             </a:extLst>
           </p:cNvPr>
@@ -1976,7 +1988,7 @@
           <a:p>
             <a:fld id="{708C70FD-292D-4289-895E-DD2F6C24B704}" type="datetimeFigureOut">
               <a:rPr lang="id-ID" smtClean="0"/>
-              <a:t>12/01/2018</a:t>
+              <a:t>10/04/2018</a:t>
             </a:fld>
             <a:endParaRPr lang="id-ID"/>
           </a:p>
@@ -1987,7 +1999,7 @@
           <p:cNvPr id="4" name="Footer Placeholder 3">
             <a:extLst>
               <a:ext uri="{FF2B5EF4-FFF2-40B4-BE49-F238E27FC236}">
-                <a16:creationId xmlns:a16="http://schemas.microsoft.com/office/drawing/2014/main" id="{6909D65F-6116-46C5-92DF-AC91AF7F8295}"/>
+                <a16:creationId xmlns:a16="http://schemas.microsoft.com/office/drawing/2014/main" xmlns="" id="{6909D65F-6116-46C5-92DF-AC91AF7F8295}"/>
               </a:ext>
             </a:extLst>
           </p:cNvPr>
@@ -2012,7 +2024,7 @@
           <p:cNvPr id="5" name="Slide Number Placeholder 4">
             <a:extLst>
               <a:ext uri="{FF2B5EF4-FFF2-40B4-BE49-F238E27FC236}">
-                <a16:creationId xmlns:a16="http://schemas.microsoft.com/office/drawing/2014/main" id="{09CFD9C5-8F34-4B3C-98FE-C6F593927C1D}"/>
+                <a16:creationId xmlns:a16="http://schemas.microsoft.com/office/drawing/2014/main" xmlns="" id="{09CFD9C5-8F34-4B3C-98FE-C6F593927C1D}"/>
               </a:ext>
             </a:extLst>
           </p:cNvPr>
@@ -2071,7 +2083,7 @@
           <p:cNvPr id="2" name="Date Placeholder 1">
             <a:extLst>
               <a:ext uri="{FF2B5EF4-FFF2-40B4-BE49-F238E27FC236}">
-                <a16:creationId xmlns:a16="http://schemas.microsoft.com/office/drawing/2014/main" id="{880A077C-BB96-4E38-B05B-F837E178CCD1}"/>
+                <a16:creationId xmlns:a16="http://schemas.microsoft.com/office/drawing/2014/main" xmlns="" id="{880A077C-BB96-4E38-B05B-F837E178CCD1}"/>
               </a:ext>
             </a:extLst>
           </p:cNvPr>
@@ -2089,7 +2101,7 @@
           <a:p>
             <a:fld id="{708C70FD-292D-4289-895E-DD2F6C24B704}" type="datetimeFigureOut">
               <a:rPr lang="id-ID" smtClean="0"/>
-              <a:t>12/01/2018</a:t>
+              <a:t>10/04/2018</a:t>
             </a:fld>
             <a:endParaRPr lang="id-ID"/>
           </a:p>
@@ -2100,7 +2112,7 @@
           <p:cNvPr id="3" name="Footer Placeholder 2">
             <a:extLst>
               <a:ext uri="{FF2B5EF4-FFF2-40B4-BE49-F238E27FC236}">
-                <a16:creationId xmlns:a16="http://schemas.microsoft.com/office/drawing/2014/main" id="{4918C011-B732-423E-B950-E79F518D4187}"/>
+                <a16:creationId xmlns:a16="http://schemas.microsoft.com/office/drawing/2014/main" xmlns="" id="{4918C011-B732-423E-B950-E79F518D4187}"/>
               </a:ext>
             </a:extLst>
           </p:cNvPr>
@@ -2125,7 +2137,7 @@
           <p:cNvPr id="4" name="Slide Number Placeholder 3">
             <a:extLst>
               <a:ext uri="{FF2B5EF4-FFF2-40B4-BE49-F238E27FC236}">
-                <a16:creationId xmlns:a16="http://schemas.microsoft.com/office/drawing/2014/main" id="{4D244FD9-D206-435B-AB2F-CFE6DD7D3BCB}"/>
+                <a16:creationId xmlns:a16="http://schemas.microsoft.com/office/drawing/2014/main" xmlns="" id="{4D244FD9-D206-435B-AB2F-CFE6DD7D3BCB}"/>
               </a:ext>
             </a:extLst>
           </p:cNvPr>
@@ -2184,7 +2196,7 @@
           <p:cNvPr id="2" name="Title 1">
             <a:extLst>
               <a:ext uri="{FF2B5EF4-FFF2-40B4-BE49-F238E27FC236}">
-                <a16:creationId xmlns:a16="http://schemas.microsoft.com/office/drawing/2014/main" id="{E6BE1ED2-D51E-43C1-9B2F-E989606D411A}"/>
+                <a16:creationId xmlns:a16="http://schemas.microsoft.com/office/drawing/2014/main" xmlns="" id="{E6BE1ED2-D51E-43C1-9B2F-E989606D411A}"/>
               </a:ext>
             </a:extLst>
           </p:cNvPr>
@@ -2222,7 +2234,7 @@
           <p:cNvPr id="3" name="Content Placeholder 2">
             <a:extLst>
               <a:ext uri="{FF2B5EF4-FFF2-40B4-BE49-F238E27FC236}">
-                <a16:creationId xmlns:a16="http://schemas.microsoft.com/office/drawing/2014/main" id="{D685F530-36CF-42FD-A4FF-EA373B1FEDE3}"/>
+                <a16:creationId xmlns:a16="http://schemas.microsoft.com/office/drawing/2014/main" xmlns="" id="{D685F530-36CF-42FD-A4FF-EA373B1FEDE3}"/>
               </a:ext>
             </a:extLst>
           </p:cNvPr>
@@ -2313,7 +2325,7 @@
           <p:cNvPr id="4" name="Text Placeholder 3">
             <a:extLst>
               <a:ext uri="{FF2B5EF4-FFF2-40B4-BE49-F238E27FC236}">
-                <a16:creationId xmlns:a16="http://schemas.microsoft.com/office/drawing/2014/main" id="{2BF66D7E-603A-4A96-937E-55F6D948714B}"/>
+                <a16:creationId xmlns:a16="http://schemas.microsoft.com/office/drawing/2014/main" xmlns="" id="{2BF66D7E-603A-4A96-937E-55F6D948714B}"/>
               </a:ext>
             </a:extLst>
           </p:cNvPr>
@@ -2384,7 +2396,7 @@
           <p:cNvPr id="5" name="Date Placeholder 4">
             <a:extLst>
               <a:ext uri="{FF2B5EF4-FFF2-40B4-BE49-F238E27FC236}">
-                <a16:creationId xmlns:a16="http://schemas.microsoft.com/office/drawing/2014/main" id="{602A562B-5B58-4574-AB69-EFD4127FFB1F}"/>
+                <a16:creationId xmlns:a16="http://schemas.microsoft.com/office/drawing/2014/main" xmlns="" id="{602A562B-5B58-4574-AB69-EFD4127FFB1F}"/>
               </a:ext>
             </a:extLst>
           </p:cNvPr>
@@ -2402,7 +2414,7 @@
           <a:p>
             <a:fld id="{708C70FD-292D-4289-895E-DD2F6C24B704}" type="datetimeFigureOut">
               <a:rPr lang="id-ID" smtClean="0"/>
-              <a:t>12/01/2018</a:t>
+              <a:t>10/04/2018</a:t>
             </a:fld>
             <a:endParaRPr lang="id-ID"/>
           </a:p>
@@ -2413,7 +2425,7 @@
           <p:cNvPr id="6" name="Footer Placeholder 5">
             <a:extLst>
               <a:ext uri="{FF2B5EF4-FFF2-40B4-BE49-F238E27FC236}">
-                <a16:creationId xmlns:a16="http://schemas.microsoft.com/office/drawing/2014/main" id="{3860F29F-7634-43AE-A2B4-24110899ED77}"/>
+                <a16:creationId xmlns:a16="http://schemas.microsoft.com/office/drawing/2014/main" xmlns="" id="{3860F29F-7634-43AE-A2B4-24110899ED77}"/>
               </a:ext>
             </a:extLst>
           </p:cNvPr>
@@ -2438,7 +2450,7 @@
           <p:cNvPr id="7" name="Slide Number Placeholder 6">
             <a:extLst>
               <a:ext uri="{FF2B5EF4-FFF2-40B4-BE49-F238E27FC236}">
-                <a16:creationId xmlns:a16="http://schemas.microsoft.com/office/drawing/2014/main" id="{9DF653B1-43C7-47CF-8DAB-4AE8622232FD}"/>
+                <a16:creationId xmlns:a16="http://schemas.microsoft.com/office/drawing/2014/main" xmlns="" id="{9DF653B1-43C7-47CF-8DAB-4AE8622232FD}"/>
               </a:ext>
             </a:extLst>
           </p:cNvPr>
@@ -2497,7 +2509,7 @@
           <p:cNvPr id="2" name="Title 1">
             <a:extLst>
               <a:ext uri="{FF2B5EF4-FFF2-40B4-BE49-F238E27FC236}">
-                <a16:creationId xmlns:a16="http://schemas.microsoft.com/office/drawing/2014/main" id="{9E81871E-03CF-45A3-8702-1A191F7D6682}"/>
+                <a16:creationId xmlns:a16="http://schemas.microsoft.com/office/drawing/2014/main" xmlns="" id="{9E81871E-03CF-45A3-8702-1A191F7D6682}"/>
               </a:ext>
             </a:extLst>
           </p:cNvPr>
@@ -2535,7 +2547,7 @@
           <p:cNvPr id="3" name="Picture Placeholder 2">
             <a:extLst>
               <a:ext uri="{FF2B5EF4-FFF2-40B4-BE49-F238E27FC236}">
-                <a16:creationId xmlns:a16="http://schemas.microsoft.com/office/drawing/2014/main" id="{51AEE1CF-8C38-4D1A-A388-8960DE9FE191}"/>
+                <a16:creationId xmlns:a16="http://schemas.microsoft.com/office/drawing/2014/main" xmlns="" id="{51AEE1CF-8C38-4D1A-A388-8960DE9FE191}"/>
               </a:ext>
             </a:extLst>
           </p:cNvPr>
@@ -2602,7 +2614,7 @@
           <p:cNvPr id="4" name="Text Placeholder 3">
             <a:extLst>
               <a:ext uri="{FF2B5EF4-FFF2-40B4-BE49-F238E27FC236}">
-                <a16:creationId xmlns:a16="http://schemas.microsoft.com/office/drawing/2014/main" id="{18707D65-E428-48D8-9051-F38FE23F2772}"/>
+                <a16:creationId xmlns:a16="http://schemas.microsoft.com/office/drawing/2014/main" xmlns="" id="{18707D65-E428-48D8-9051-F38FE23F2772}"/>
               </a:ext>
             </a:extLst>
           </p:cNvPr>
@@ -2673,7 +2685,7 @@
           <p:cNvPr id="5" name="Date Placeholder 4">
             <a:extLst>
               <a:ext uri="{FF2B5EF4-FFF2-40B4-BE49-F238E27FC236}">
-                <a16:creationId xmlns:a16="http://schemas.microsoft.com/office/drawing/2014/main" id="{AF115760-5CD0-4A0F-A632-EBB32A2D9AB0}"/>
+                <a16:creationId xmlns:a16="http://schemas.microsoft.com/office/drawing/2014/main" xmlns="" id="{AF115760-5CD0-4A0F-A632-EBB32A2D9AB0}"/>
               </a:ext>
             </a:extLst>
           </p:cNvPr>
@@ -2691,7 +2703,7 @@
           <a:p>
             <a:fld id="{708C70FD-292D-4289-895E-DD2F6C24B704}" type="datetimeFigureOut">
               <a:rPr lang="id-ID" smtClean="0"/>
-              <a:t>12/01/2018</a:t>
+              <a:t>10/04/2018</a:t>
             </a:fld>
             <a:endParaRPr lang="id-ID"/>
           </a:p>
@@ -2702,7 +2714,7 @@
           <p:cNvPr id="6" name="Footer Placeholder 5">
             <a:extLst>
               <a:ext uri="{FF2B5EF4-FFF2-40B4-BE49-F238E27FC236}">
-                <a16:creationId xmlns:a16="http://schemas.microsoft.com/office/drawing/2014/main" id="{B60C78F3-529C-42F4-A6A8-24D70BAE6C7B}"/>
+                <a16:creationId xmlns:a16="http://schemas.microsoft.com/office/drawing/2014/main" xmlns="" id="{B60C78F3-529C-42F4-A6A8-24D70BAE6C7B}"/>
               </a:ext>
             </a:extLst>
           </p:cNvPr>
@@ -2727,7 +2739,7 @@
           <p:cNvPr id="7" name="Slide Number Placeholder 6">
             <a:extLst>
               <a:ext uri="{FF2B5EF4-FFF2-40B4-BE49-F238E27FC236}">
-                <a16:creationId xmlns:a16="http://schemas.microsoft.com/office/drawing/2014/main" id="{A15BDE16-92F9-46EC-BFA7-0FFC6F8A4E11}"/>
+                <a16:creationId xmlns:a16="http://schemas.microsoft.com/office/drawing/2014/main" xmlns="" id="{A15BDE16-92F9-46EC-BFA7-0FFC6F8A4E11}"/>
               </a:ext>
             </a:extLst>
           </p:cNvPr>
@@ -2791,7 +2803,7 @@
           <p:cNvPr id="2" name="Title Placeholder 1">
             <a:extLst>
               <a:ext uri="{FF2B5EF4-FFF2-40B4-BE49-F238E27FC236}">
-                <a16:creationId xmlns:a16="http://schemas.microsoft.com/office/drawing/2014/main" id="{EBD15BB9-A205-4D40-A79B-AE174C420CC6}"/>
+                <a16:creationId xmlns:a16="http://schemas.microsoft.com/office/drawing/2014/main" xmlns="" id="{EBD15BB9-A205-4D40-A79B-AE174C420CC6}"/>
               </a:ext>
             </a:extLst>
           </p:cNvPr>
@@ -2830,7 +2842,7 @@
           <p:cNvPr id="3" name="Text Placeholder 2">
             <a:extLst>
               <a:ext uri="{FF2B5EF4-FFF2-40B4-BE49-F238E27FC236}">
-                <a16:creationId xmlns:a16="http://schemas.microsoft.com/office/drawing/2014/main" id="{767F6780-CC6B-4391-8112-497A860346D9}"/>
+                <a16:creationId xmlns:a16="http://schemas.microsoft.com/office/drawing/2014/main" xmlns="" id="{767F6780-CC6B-4391-8112-497A860346D9}"/>
               </a:ext>
             </a:extLst>
           </p:cNvPr>
@@ -2898,7 +2910,7 @@
           <p:cNvPr id="4" name="Date Placeholder 3">
             <a:extLst>
               <a:ext uri="{FF2B5EF4-FFF2-40B4-BE49-F238E27FC236}">
-                <a16:creationId xmlns:a16="http://schemas.microsoft.com/office/drawing/2014/main" id="{3D603496-AA08-407C-A65E-314C80BBA850}"/>
+                <a16:creationId xmlns:a16="http://schemas.microsoft.com/office/drawing/2014/main" xmlns="" id="{3D603496-AA08-407C-A65E-314C80BBA850}"/>
               </a:ext>
             </a:extLst>
           </p:cNvPr>
@@ -2934,7 +2946,7 @@
           <a:p>
             <a:fld id="{708C70FD-292D-4289-895E-DD2F6C24B704}" type="datetimeFigureOut">
               <a:rPr lang="id-ID" smtClean="0"/>
-              <a:t>12/01/2018</a:t>
+              <a:t>10/04/2018</a:t>
             </a:fld>
             <a:endParaRPr lang="id-ID"/>
           </a:p>
@@ -2945,7 +2957,7 @@
           <p:cNvPr id="5" name="Footer Placeholder 4">
             <a:extLst>
               <a:ext uri="{FF2B5EF4-FFF2-40B4-BE49-F238E27FC236}">
-                <a16:creationId xmlns:a16="http://schemas.microsoft.com/office/drawing/2014/main" id="{75E8C7A6-2B9E-4D29-8131-2CE22E497D5A}"/>
+                <a16:creationId xmlns:a16="http://schemas.microsoft.com/office/drawing/2014/main" xmlns="" id="{75E8C7A6-2B9E-4D29-8131-2CE22E497D5A}"/>
               </a:ext>
             </a:extLst>
           </p:cNvPr>
@@ -2988,7 +3000,7 @@
           <p:cNvPr id="6" name="Slide Number Placeholder 5">
             <a:extLst>
               <a:ext uri="{FF2B5EF4-FFF2-40B4-BE49-F238E27FC236}">
-                <a16:creationId xmlns:a16="http://schemas.microsoft.com/office/drawing/2014/main" id="{A59A83AE-31CE-4F1D-8D56-96BC1E9CAE10}"/>
+                <a16:creationId xmlns:a16="http://schemas.microsoft.com/office/drawing/2014/main" xmlns="" id="{A59A83AE-31CE-4F1D-8D56-96BC1E9CAE10}"/>
               </a:ext>
             </a:extLst>
           </p:cNvPr>
@@ -3353,801 +3365,1327 @@
       </p:grpSpPr>
       <p:sp>
         <p:nvSpPr>
-          <p:cNvPr id="6" name="Rectangle: Rounded Corners 5">
-            <a:extLst>
-              <a:ext uri="{FF2B5EF4-FFF2-40B4-BE49-F238E27FC236}">
-                <a16:creationId xmlns:a16="http://schemas.microsoft.com/office/drawing/2014/main" id="{8C0E71C0-F594-4C5F-BBD3-11F577544DEE}"/>
-              </a:ext>
-            </a:extLst>
-          </p:cNvPr>
-          <p:cNvSpPr/>
-          <p:nvPr/>
-        </p:nvSpPr>
-        <p:spPr>
-          <a:xfrm>
-            <a:off x="717452" y="759655"/>
-            <a:ext cx="1758462" cy="731520"/>
-          </a:xfrm>
-          <a:prstGeom prst="roundRect">
-            <a:avLst/>
-          </a:prstGeom>
-          <a:noFill/>
-          <a:ln>
-            <a:solidFill>
-              <a:schemeClr val="tx1"/>
-            </a:solidFill>
-          </a:ln>
-        </p:spPr>
-        <p:style>
-          <a:lnRef idx="2">
-            <a:schemeClr val="accent1">
-              <a:shade val="50000"/>
-            </a:schemeClr>
-          </a:lnRef>
-          <a:fillRef idx="1">
-            <a:schemeClr val="accent1"/>
-          </a:fillRef>
-          <a:effectRef idx="0">
-            <a:schemeClr val="accent1"/>
-          </a:effectRef>
-          <a:fontRef idx="minor">
-            <a:schemeClr val="lt1"/>
-          </a:fontRef>
-        </p:style>
-        <p:txBody>
-          <a:bodyPr rtlCol="0" anchor="ctr"/>
-          <a:lstStyle/>
-          <a:p>
-            <a:pPr algn="ctr"/>
-            <a:r>
-              <a:rPr lang="id-ID" dirty="0">
-                <a:solidFill>
-                  <a:schemeClr val="tx1"/>
-                </a:solidFill>
-              </a:rPr>
-              <a:t>Input Data Hibah</a:t>
-            </a:r>
-          </a:p>
-        </p:txBody>
-      </p:sp>
-      <p:sp>
-        <p:nvSpPr>
-          <p:cNvPr id="8" name="Diamond 7">
-            <a:extLst>
-              <a:ext uri="{FF2B5EF4-FFF2-40B4-BE49-F238E27FC236}">
-                <a16:creationId xmlns:a16="http://schemas.microsoft.com/office/drawing/2014/main" id="{9A16CCE1-C0CB-4DA3-9313-A22B6451B26D}"/>
-              </a:ext>
-            </a:extLst>
-          </p:cNvPr>
-          <p:cNvSpPr/>
-          <p:nvPr/>
-        </p:nvSpPr>
-        <p:spPr>
-          <a:xfrm>
-            <a:off x="5266004" y="414996"/>
-            <a:ext cx="1463041" cy="1420838"/>
-          </a:xfrm>
-          <a:prstGeom prst="diamond">
-            <a:avLst/>
-          </a:prstGeom>
-          <a:noFill/>
-          <a:ln>
-            <a:solidFill>
-              <a:schemeClr val="tx1"/>
-            </a:solidFill>
-          </a:ln>
-        </p:spPr>
-        <p:style>
-          <a:lnRef idx="2">
-            <a:schemeClr val="accent1">
-              <a:shade val="50000"/>
-            </a:schemeClr>
-          </a:lnRef>
-          <a:fillRef idx="1">
-            <a:schemeClr val="accent1"/>
-          </a:fillRef>
-          <a:effectRef idx="0">
-            <a:schemeClr val="accent1"/>
-          </a:effectRef>
-          <a:fontRef idx="minor">
-            <a:schemeClr val="lt1"/>
-          </a:fontRef>
-        </p:style>
-        <p:txBody>
-          <a:bodyPr rtlCol="0" anchor="ctr"/>
-          <a:lstStyle/>
-          <a:p>
-            <a:pPr algn="ctr"/>
-            <a:r>
-              <a:rPr lang="id-ID" sz="1200" dirty="0">
-                <a:solidFill>
-                  <a:schemeClr val="tx1"/>
-                </a:solidFill>
-              </a:rPr>
-              <a:t>Pengklasifikasian</a:t>
-            </a:r>
-          </a:p>
-        </p:txBody>
-      </p:sp>
-      <p:sp>
-        <p:nvSpPr>
-          <p:cNvPr id="9" name="Flowchart: Multidocument 8">
-            <a:extLst>
-              <a:ext uri="{FF2B5EF4-FFF2-40B4-BE49-F238E27FC236}">
-                <a16:creationId xmlns:a16="http://schemas.microsoft.com/office/drawing/2014/main" id="{96667658-B2B4-404B-ADBB-3D52A973EA42}"/>
-              </a:ext>
-            </a:extLst>
-          </p:cNvPr>
-          <p:cNvSpPr/>
-          <p:nvPr/>
-        </p:nvSpPr>
-        <p:spPr>
-          <a:xfrm>
-            <a:off x="808892" y="2827606"/>
-            <a:ext cx="1575581" cy="900333"/>
-          </a:xfrm>
-          <a:prstGeom prst="flowChartMultidocument">
-            <a:avLst/>
-          </a:prstGeom>
-          <a:noFill/>
-          <a:ln>
-            <a:solidFill>
-              <a:schemeClr val="tx1"/>
-            </a:solidFill>
-          </a:ln>
-        </p:spPr>
-        <p:style>
-          <a:lnRef idx="2">
-            <a:schemeClr val="accent1">
-              <a:shade val="50000"/>
-            </a:schemeClr>
-          </a:lnRef>
-          <a:fillRef idx="1">
-            <a:schemeClr val="accent1"/>
-          </a:fillRef>
-          <a:effectRef idx="0">
-            <a:schemeClr val="accent1"/>
-          </a:effectRef>
-          <a:fontRef idx="minor">
-            <a:schemeClr val="lt1"/>
-          </a:fontRef>
-        </p:style>
-        <p:txBody>
-          <a:bodyPr rtlCol="0" anchor="ctr"/>
-          <a:lstStyle/>
-          <a:p>
-            <a:pPr algn="ctr"/>
-            <a:r>
-              <a:rPr lang="id-ID" dirty="0">
-                <a:solidFill>
-                  <a:schemeClr val="tx1"/>
-                </a:solidFill>
-              </a:rPr>
-              <a:t>Ijin Prinsip </a:t>
-            </a:r>
-          </a:p>
-        </p:txBody>
-      </p:sp>
-      <p:sp>
-        <p:nvSpPr>
-          <p:cNvPr id="10" name="Flowchart: Multidocument 9">
-            <a:extLst>
-              <a:ext uri="{FF2B5EF4-FFF2-40B4-BE49-F238E27FC236}">
-                <a16:creationId xmlns:a16="http://schemas.microsoft.com/office/drawing/2014/main" id="{6FAB9996-3AE1-428C-A0FB-DAFAC8D662B3}"/>
-              </a:ext>
-            </a:extLst>
-          </p:cNvPr>
-          <p:cNvSpPr/>
-          <p:nvPr/>
-        </p:nvSpPr>
-        <p:spPr>
-          <a:xfrm>
-            <a:off x="3690423" y="2863946"/>
-            <a:ext cx="1575581" cy="900333"/>
-          </a:xfrm>
-          <a:prstGeom prst="flowChartMultidocument">
-            <a:avLst/>
-          </a:prstGeom>
-          <a:noFill/>
-          <a:ln>
-            <a:solidFill>
-              <a:schemeClr val="tx1"/>
-            </a:solidFill>
-          </a:ln>
-        </p:spPr>
-        <p:style>
-          <a:lnRef idx="2">
-            <a:schemeClr val="accent1">
-              <a:shade val="50000"/>
-            </a:schemeClr>
-          </a:lnRef>
-          <a:fillRef idx="1">
-            <a:schemeClr val="accent1"/>
-          </a:fillRef>
-          <a:effectRef idx="0">
-            <a:schemeClr val="accent1"/>
-          </a:effectRef>
-          <a:fontRef idx="minor">
-            <a:schemeClr val="lt1"/>
-          </a:fontRef>
-        </p:style>
-        <p:txBody>
-          <a:bodyPr rtlCol="0" anchor="ctr"/>
-          <a:lstStyle/>
-          <a:p>
-            <a:pPr algn="ctr"/>
-            <a:r>
-              <a:rPr lang="id-ID" dirty="0">
-                <a:solidFill>
-                  <a:schemeClr val="tx1"/>
-                </a:solidFill>
-              </a:rPr>
-              <a:t>Persetujuan</a:t>
-            </a:r>
-          </a:p>
-        </p:txBody>
-      </p:sp>
-      <p:sp>
-        <p:nvSpPr>
-          <p:cNvPr id="11" name="Flowchart: Multidocument 10">
-            <a:extLst>
-              <a:ext uri="{FF2B5EF4-FFF2-40B4-BE49-F238E27FC236}">
-                <a16:creationId xmlns:a16="http://schemas.microsoft.com/office/drawing/2014/main" id="{922EAAF6-37C3-4532-8C51-386660671B18}"/>
-              </a:ext>
-            </a:extLst>
-          </p:cNvPr>
-          <p:cNvSpPr/>
-          <p:nvPr/>
-        </p:nvSpPr>
-        <p:spPr>
-          <a:xfrm>
-            <a:off x="6349219" y="2863946"/>
-            <a:ext cx="1575581" cy="900333"/>
-          </a:xfrm>
-          <a:prstGeom prst="flowChartMultidocument">
-            <a:avLst/>
-          </a:prstGeom>
-          <a:noFill/>
-          <a:ln>
-            <a:solidFill>
-              <a:schemeClr val="tx1"/>
-            </a:solidFill>
-          </a:ln>
-        </p:spPr>
-        <p:style>
-          <a:lnRef idx="2">
-            <a:schemeClr val="accent1">
-              <a:shade val="50000"/>
-            </a:schemeClr>
-          </a:lnRef>
-          <a:fillRef idx="1">
-            <a:schemeClr val="accent1"/>
-          </a:fillRef>
-          <a:effectRef idx="0">
-            <a:schemeClr val="accent1"/>
-          </a:effectRef>
-          <a:fontRef idx="minor">
-            <a:schemeClr val="lt1"/>
-          </a:fontRef>
-        </p:style>
-        <p:txBody>
-          <a:bodyPr rtlCol="0" anchor="ctr"/>
-          <a:lstStyle/>
-          <a:p>
-            <a:pPr algn="ctr"/>
-            <a:r>
-              <a:rPr lang="id-ID" dirty="0">
-                <a:solidFill>
-                  <a:schemeClr val="tx1"/>
-                </a:solidFill>
-              </a:rPr>
-              <a:t>Usulan &lt; 10M</a:t>
-            </a:r>
-          </a:p>
-        </p:txBody>
-      </p:sp>
-      <p:sp>
-        <p:nvSpPr>
-          <p:cNvPr id="12" name="Flowchart: Multidocument 11">
-            <a:extLst>
-              <a:ext uri="{FF2B5EF4-FFF2-40B4-BE49-F238E27FC236}">
-                <a16:creationId xmlns:a16="http://schemas.microsoft.com/office/drawing/2014/main" id="{3C8B9359-06F2-468C-B983-4919E443859F}"/>
-              </a:ext>
-            </a:extLst>
-          </p:cNvPr>
-          <p:cNvSpPr/>
-          <p:nvPr/>
-        </p:nvSpPr>
-        <p:spPr>
-          <a:xfrm>
-            <a:off x="9202616" y="2863946"/>
-            <a:ext cx="1575581" cy="900333"/>
-          </a:xfrm>
-          <a:prstGeom prst="flowChartMultidocument">
-            <a:avLst/>
-          </a:prstGeom>
-          <a:noFill/>
-          <a:ln>
-            <a:solidFill>
-              <a:schemeClr val="tx1"/>
-            </a:solidFill>
-          </a:ln>
-        </p:spPr>
-        <p:style>
-          <a:lnRef idx="2">
-            <a:schemeClr val="accent1">
-              <a:shade val="50000"/>
-            </a:schemeClr>
-          </a:lnRef>
-          <a:fillRef idx="1">
-            <a:schemeClr val="accent1"/>
-          </a:fillRef>
-          <a:effectRef idx="0">
-            <a:schemeClr val="accent1"/>
-          </a:effectRef>
-          <a:fontRef idx="minor">
-            <a:schemeClr val="lt1"/>
-          </a:fontRef>
-        </p:style>
-        <p:txBody>
-          <a:bodyPr rtlCol="0" anchor="ctr"/>
-          <a:lstStyle/>
-          <a:p>
-            <a:pPr algn="ctr"/>
-            <a:r>
-              <a:rPr lang="id-ID" dirty="0">
-                <a:solidFill>
-                  <a:schemeClr val="tx1"/>
-                </a:solidFill>
-              </a:rPr>
-              <a:t>Usulan &gt; 10M</a:t>
-            </a:r>
-          </a:p>
-        </p:txBody>
-      </p:sp>
-      <p:sp>
-        <p:nvSpPr>
-          <p:cNvPr id="13" name="Flowchart: Multidocument 12">
-            <a:extLst>
-              <a:ext uri="{FF2B5EF4-FFF2-40B4-BE49-F238E27FC236}">
-                <a16:creationId xmlns:a16="http://schemas.microsoft.com/office/drawing/2014/main" id="{4FD948B7-E85D-4FCF-8203-0C7B870957B5}"/>
-              </a:ext>
-            </a:extLst>
-          </p:cNvPr>
-          <p:cNvSpPr/>
-          <p:nvPr/>
-        </p:nvSpPr>
-        <p:spPr>
-          <a:xfrm>
-            <a:off x="4773638" y="5178081"/>
-            <a:ext cx="1575581" cy="900333"/>
-          </a:xfrm>
-          <a:prstGeom prst="flowChartMultidocument">
-            <a:avLst/>
-          </a:prstGeom>
-          <a:noFill/>
-          <a:ln>
-            <a:solidFill>
-              <a:schemeClr val="tx1"/>
-            </a:solidFill>
-          </a:ln>
-        </p:spPr>
-        <p:style>
-          <a:lnRef idx="2">
-            <a:schemeClr val="accent1">
-              <a:shade val="50000"/>
-            </a:schemeClr>
-          </a:lnRef>
-          <a:fillRef idx="1">
-            <a:schemeClr val="accent1"/>
-          </a:fillRef>
-          <a:effectRef idx="0">
-            <a:schemeClr val="accent1"/>
-          </a:effectRef>
-          <a:fontRef idx="minor">
-            <a:schemeClr val="lt1"/>
-          </a:fontRef>
-        </p:style>
-        <p:txBody>
-          <a:bodyPr rtlCol="0" anchor="ctr"/>
-          <a:lstStyle/>
-          <a:p>
-            <a:pPr algn="ctr"/>
-            <a:r>
-              <a:rPr lang="id-ID" dirty="0">
-                <a:solidFill>
-                  <a:schemeClr val="tx1"/>
-                </a:solidFill>
-              </a:rPr>
-              <a:t>Reporting</a:t>
-            </a:r>
-          </a:p>
-        </p:txBody>
-      </p:sp>
-      <p:cxnSp>
-        <p:nvCxnSpPr>
-          <p:cNvPr id="17" name="Straight Arrow Connector 16">
-            <a:extLst>
-              <a:ext uri="{FF2B5EF4-FFF2-40B4-BE49-F238E27FC236}">
-                <a16:creationId xmlns:a16="http://schemas.microsoft.com/office/drawing/2014/main" id="{A8C70CEE-2CF6-4007-B72F-6528277D8CB7}"/>
-              </a:ext>
-            </a:extLst>
-          </p:cNvPr>
-          <p:cNvCxnSpPr>
-            <a:stCxn id="6" idx="3"/>
-            <a:endCxn id="8" idx="1"/>
-          </p:cNvCxnSpPr>
-          <p:nvPr/>
-        </p:nvCxnSpPr>
-        <p:spPr>
-          <a:xfrm>
-            <a:off x="2475914" y="1125415"/>
-            <a:ext cx="2790090" cy="0"/>
-          </a:xfrm>
-          <a:prstGeom prst="straightConnector1">
-            <a:avLst/>
-          </a:prstGeom>
-          <a:ln>
-            <a:tailEnd type="triangle"/>
-          </a:ln>
-        </p:spPr>
-        <p:style>
-          <a:lnRef idx="1">
-            <a:schemeClr val="accent1"/>
-          </a:lnRef>
-          <a:fillRef idx="0">
-            <a:schemeClr val="accent1"/>
-          </a:fillRef>
-          <a:effectRef idx="0">
-            <a:schemeClr val="accent1"/>
-          </a:effectRef>
-          <a:fontRef idx="minor">
-            <a:schemeClr val="tx1"/>
-          </a:fontRef>
-        </p:style>
-      </p:cxnSp>
-      <p:cxnSp>
-        <p:nvCxnSpPr>
-          <p:cNvPr id="20" name="Connector: Elbow 19">
-            <a:extLst>
-              <a:ext uri="{FF2B5EF4-FFF2-40B4-BE49-F238E27FC236}">
-                <a16:creationId xmlns:a16="http://schemas.microsoft.com/office/drawing/2014/main" id="{B6A0F7B1-926D-4521-9410-022584E6DF18}"/>
-              </a:ext>
-            </a:extLst>
-          </p:cNvPr>
-          <p:cNvCxnSpPr>
-            <a:stCxn id="8" idx="2"/>
-            <a:endCxn id="9" idx="0"/>
-          </p:cNvCxnSpPr>
-          <p:nvPr/>
-        </p:nvCxnSpPr>
-        <p:spPr>
-          <a:xfrm rot="5400000">
-            <a:off x="3355415" y="185496"/>
-            <a:ext cx="991772" cy="4292448"/>
-          </a:xfrm>
-          <a:prstGeom prst="bentConnector3">
-            <a:avLst/>
-          </a:prstGeom>
-          <a:ln>
-            <a:tailEnd type="triangle"/>
-          </a:ln>
-        </p:spPr>
-        <p:style>
-          <a:lnRef idx="1">
-            <a:schemeClr val="accent1"/>
-          </a:lnRef>
-          <a:fillRef idx="0">
-            <a:schemeClr val="accent1"/>
-          </a:fillRef>
-          <a:effectRef idx="0">
-            <a:schemeClr val="accent1"/>
-          </a:effectRef>
-          <a:fontRef idx="minor">
-            <a:schemeClr val="tx1"/>
-          </a:fontRef>
-        </p:style>
-      </p:cxnSp>
-      <p:cxnSp>
-        <p:nvCxnSpPr>
-          <p:cNvPr id="24" name="Connector: Elbow 23">
-            <a:extLst>
-              <a:ext uri="{FF2B5EF4-FFF2-40B4-BE49-F238E27FC236}">
-                <a16:creationId xmlns:a16="http://schemas.microsoft.com/office/drawing/2014/main" id="{2B8D5DC1-4BB4-4841-97AE-563CF2EC49F3}"/>
-              </a:ext>
-            </a:extLst>
-          </p:cNvPr>
-          <p:cNvCxnSpPr>
-            <a:stCxn id="8" idx="2"/>
-            <a:endCxn id="10" idx="0"/>
-          </p:cNvCxnSpPr>
-          <p:nvPr/>
-        </p:nvCxnSpPr>
-        <p:spPr>
-          <a:xfrm rot="5400000">
-            <a:off x="4778011" y="1644432"/>
-            <a:ext cx="1028112" cy="1410917"/>
-          </a:xfrm>
-          <a:prstGeom prst="bentConnector3">
-            <a:avLst/>
-          </a:prstGeom>
-          <a:ln>
-            <a:tailEnd type="triangle"/>
-          </a:ln>
-        </p:spPr>
-        <p:style>
-          <a:lnRef idx="1">
-            <a:schemeClr val="accent1"/>
-          </a:lnRef>
-          <a:fillRef idx="0">
-            <a:schemeClr val="accent1"/>
-          </a:fillRef>
-          <a:effectRef idx="0">
-            <a:schemeClr val="accent1"/>
-          </a:effectRef>
-          <a:fontRef idx="minor">
-            <a:schemeClr val="tx1"/>
-          </a:fontRef>
-        </p:style>
-      </p:cxnSp>
-      <p:cxnSp>
-        <p:nvCxnSpPr>
-          <p:cNvPr id="28" name="Connector: Elbow 27">
-            <a:extLst>
-              <a:ext uri="{FF2B5EF4-FFF2-40B4-BE49-F238E27FC236}">
-                <a16:creationId xmlns:a16="http://schemas.microsoft.com/office/drawing/2014/main" id="{31E96A40-36FD-4D41-AA8D-4ACAD9995DE0}"/>
-              </a:ext>
-            </a:extLst>
-          </p:cNvPr>
-          <p:cNvCxnSpPr>
-            <a:stCxn id="8" idx="2"/>
-            <a:endCxn id="11" idx="0"/>
-          </p:cNvCxnSpPr>
-          <p:nvPr/>
-        </p:nvCxnSpPr>
-        <p:spPr>
-          <a:xfrm rot="16200000" flipH="1">
-            <a:off x="6107408" y="1725950"/>
-            <a:ext cx="1028112" cy="1247879"/>
-          </a:xfrm>
-          <a:prstGeom prst="bentConnector3">
-            <a:avLst/>
-          </a:prstGeom>
-          <a:ln>
-            <a:tailEnd type="triangle"/>
-          </a:ln>
-        </p:spPr>
-        <p:style>
-          <a:lnRef idx="1">
-            <a:schemeClr val="accent1"/>
-          </a:lnRef>
-          <a:fillRef idx="0">
-            <a:schemeClr val="accent1"/>
-          </a:fillRef>
-          <a:effectRef idx="0">
-            <a:schemeClr val="accent1"/>
-          </a:effectRef>
-          <a:fontRef idx="minor">
-            <a:schemeClr val="tx1"/>
-          </a:fontRef>
-        </p:style>
-      </p:cxnSp>
-      <p:cxnSp>
-        <p:nvCxnSpPr>
-          <p:cNvPr id="30" name="Connector: Elbow 29">
-            <a:extLst>
-              <a:ext uri="{FF2B5EF4-FFF2-40B4-BE49-F238E27FC236}">
-                <a16:creationId xmlns:a16="http://schemas.microsoft.com/office/drawing/2014/main" id="{AD1E0A69-1A5F-4C1C-8C2A-056750CDE441}"/>
-              </a:ext>
-            </a:extLst>
-          </p:cNvPr>
-          <p:cNvCxnSpPr>
-            <a:stCxn id="8" idx="2"/>
-            <a:endCxn id="12" idx="0"/>
-          </p:cNvCxnSpPr>
-          <p:nvPr/>
-        </p:nvCxnSpPr>
-        <p:spPr>
-          <a:xfrm rot="16200000" flipH="1">
-            <a:off x="7534107" y="299252"/>
-            <a:ext cx="1028112" cy="4101276"/>
-          </a:xfrm>
-          <a:prstGeom prst="bentConnector3">
-            <a:avLst/>
-          </a:prstGeom>
-          <a:ln>
-            <a:tailEnd type="triangle"/>
-          </a:ln>
-        </p:spPr>
-        <p:style>
-          <a:lnRef idx="1">
-            <a:schemeClr val="accent1"/>
-          </a:lnRef>
-          <a:fillRef idx="0">
-            <a:schemeClr val="accent1"/>
-          </a:fillRef>
-          <a:effectRef idx="0">
-            <a:schemeClr val="accent1"/>
-          </a:effectRef>
-          <a:fontRef idx="minor">
-            <a:schemeClr val="tx1"/>
-          </a:fontRef>
-        </p:style>
-      </p:cxnSp>
-      <p:cxnSp>
-        <p:nvCxnSpPr>
-          <p:cNvPr id="34" name="Connector: Elbow 33">
-            <a:extLst>
-              <a:ext uri="{FF2B5EF4-FFF2-40B4-BE49-F238E27FC236}">
-                <a16:creationId xmlns:a16="http://schemas.microsoft.com/office/drawing/2014/main" id="{FA71474F-83B1-46D6-87CB-79DC2EFA5456}"/>
-              </a:ext>
-            </a:extLst>
-          </p:cNvPr>
-          <p:cNvCxnSpPr>
-            <a:stCxn id="9" idx="2"/>
-            <a:endCxn id="13" idx="1"/>
-          </p:cNvCxnSpPr>
-          <p:nvPr/>
-        </p:nvCxnSpPr>
-        <p:spPr>
-          <a:xfrm rot="16200000" flipH="1">
-            <a:off x="2163177" y="3017786"/>
-            <a:ext cx="1934405" cy="3286517"/>
-          </a:xfrm>
-          <a:prstGeom prst="bentConnector2">
-            <a:avLst/>
-          </a:prstGeom>
-          <a:ln>
-            <a:tailEnd type="triangle"/>
-          </a:ln>
-        </p:spPr>
-        <p:style>
-          <a:lnRef idx="1">
-            <a:schemeClr val="accent1"/>
-          </a:lnRef>
-          <a:fillRef idx="0">
-            <a:schemeClr val="accent1"/>
-          </a:fillRef>
-          <a:effectRef idx="0">
-            <a:schemeClr val="accent1"/>
-          </a:effectRef>
-          <a:fontRef idx="minor">
-            <a:schemeClr val="tx1"/>
-          </a:fontRef>
-        </p:style>
-      </p:cxnSp>
-      <p:cxnSp>
-        <p:nvCxnSpPr>
-          <p:cNvPr id="36" name="Connector: Elbow 35">
-            <a:extLst>
-              <a:ext uri="{FF2B5EF4-FFF2-40B4-BE49-F238E27FC236}">
-                <a16:creationId xmlns:a16="http://schemas.microsoft.com/office/drawing/2014/main" id="{881D3860-3148-441C-9605-B252C7B5880D}"/>
-              </a:ext>
-            </a:extLst>
-          </p:cNvPr>
-          <p:cNvCxnSpPr>
-            <a:cxnSpLocks/>
-            <a:stCxn id="10" idx="2"/>
-            <a:endCxn id="13" idx="0"/>
-          </p:cNvCxnSpPr>
-          <p:nvPr/>
-        </p:nvCxnSpPr>
-        <p:spPr>
-          <a:xfrm rot="16200000" flipH="1">
-            <a:off x="4295288" y="3803546"/>
-            <a:ext cx="1447898" cy="1301171"/>
-          </a:xfrm>
-          <a:prstGeom prst="bentConnector3">
-            <a:avLst/>
-          </a:prstGeom>
-          <a:ln>
-            <a:tailEnd type="triangle"/>
-          </a:ln>
-        </p:spPr>
-        <p:style>
-          <a:lnRef idx="1">
-            <a:schemeClr val="accent1"/>
-          </a:lnRef>
-          <a:fillRef idx="0">
-            <a:schemeClr val="accent1"/>
-          </a:fillRef>
-          <a:effectRef idx="0">
-            <a:schemeClr val="accent1"/>
-          </a:effectRef>
-          <a:fontRef idx="minor">
-            <a:schemeClr val="tx1"/>
-          </a:fontRef>
-        </p:style>
-      </p:cxnSp>
-      <p:cxnSp>
-        <p:nvCxnSpPr>
-          <p:cNvPr id="40" name="Connector: Elbow 39">
-            <a:extLst>
-              <a:ext uri="{FF2B5EF4-FFF2-40B4-BE49-F238E27FC236}">
-                <a16:creationId xmlns:a16="http://schemas.microsoft.com/office/drawing/2014/main" id="{723BB7A6-4B32-4132-8945-335316553E1B}"/>
-              </a:ext>
-            </a:extLst>
-          </p:cNvPr>
-          <p:cNvCxnSpPr>
-            <a:stCxn id="11" idx="2"/>
-            <a:endCxn id="13" idx="0"/>
-          </p:cNvCxnSpPr>
-          <p:nvPr/>
-        </p:nvCxnSpPr>
-        <p:spPr>
-          <a:xfrm rot="5400000">
-            <a:off x="5624687" y="3775320"/>
-            <a:ext cx="1447898" cy="1357625"/>
-          </a:xfrm>
-          <a:prstGeom prst="bentConnector3">
-            <a:avLst/>
-          </a:prstGeom>
-          <a:ln>
-            <a:tailEnd type="triangle"/>
-          </a:ln>
-        </p:spPr>
-        <p:style>
-          <a:lnRef idx="1">
-            <a:schemeClr val="accent1"/>
-          </a:lnRef>
-          <a:fillRef idx="0">
-            <a:schemeClr val="accent1"/>
-          </a:fillRef>
-          <a:effectRef idx="0">
-            <a:schemeClr val="accent1"/>
-          </a:effectRef>
-          <a:fontRef idx="minor">
-            <a:schemeClr val="tx1"/>
-          </a:fontRef>
-        </p:style>
-      </p:cxnSp>
-      <p:cxnSp>
-        <p:nvCxnSpPr>
-          <p:cNvPr id="42" name="Connector: Elbow 41">
-            <a:extLst>
-              <a:ext uri="{FF2B5EF4-FFF2-40B4-BE49-F238E27FC236}">
-                <a16:creationId xmlns:a16="http://schemas.microsoft.com/office/drawing/2014/main" id="{C797AFCE-680C-4085-9EDA-5E26847F15E9}"/>
-              </a:ext>
-            </a:extLst>
-          </p:cNvPr>
-          <p:cNvCxnSpPr>
-            <a:cxnSpLocks/>
-            <a:stCxn id="12" idx="2"/>
-            <a:endCxn id="13" idx="3"/>
-          </p:cNvCxnSpPr>
-          <p:nvPr/>
-        </p:nvCxnSpPr>
-        <p:spPr>
-          <a:xfrm rot="5400000">
-            <a:off x="7166000" y="2913402"/>
-            <a:ext cx="1898065" cy="3531626"/>
-          </a:xfrm>
-          <a:prstGeom prst="bentConnector2">
-            <a:avLst/>
-          </a:prstGeom>
-          <a:ln>
-            <a:tailEnd type="triangle"/>
-          </a:ln>
-        </p:spPr>
-        <p:style>
-          <a:lnRef idx="1">
-            <a:schemeClr val="accent1"/>
-          </a:lnRef>
-          <a:fillRef idx="0">
-            <a:schemeClr val="accent1"/>
-          </a:fillRef>
-          <a:effectRef idx="0">
-            <a:schemeClr val="accent1"/>
-          </a:effectRef>
-          <a:fontRef idx="minor">
-            <a:schemeClr val="tx1"/>
-          </a:fontRef>
-        </p:style>
-      </p:cxnSp>
+          <p:cNvPr id="2" name="Title 1"/>
+          <p:cNvSpPr>
+            <a:spLocks noGrp="1"/>
+          </p:cNvSpPr>
+          <p:nvPr>
+            <p:ph type="title"/>
+          </p:nvPr>
+        </p:nvSpPr>
+        <p:spPr/>
+        <p:txBody>
+          <a:bodyPr/>
+          <a:lstStyle/>
+          <a:p>
+            <a:r>
+              <a:rPr lang="id-ID" dirty="0" smtClean="0"/>
+              <a:t>Home</a:t>
+            </a:r>
+            <a:endParaRPr lang="id-ID" dirty="0"/>
+          </a:p>
+        </p:txBody>
+      </p:sp>
+      <p:sp>
+        <p:nvSpPr>
+          <p:cNvPr id="3" name="Content Placeholder 2"/>
+          <p:cNvSpPr>
+            <a:spLocks noGrp="1"/>
+          </p:cNvSpPr>
+          <p:nvPr>
+            <p:ph idx="1"/>
+          </p:nvPr>
+        </p:nvSpPr>
+        <p:spPr/>
+        <p:txBody>
+          <a:bodyPr/>
+          <a:lstStyle/>
+          <a:p>
+            <a:r>
+              <a:rPr lang="id-ID" dirty="0" smtClean="0"/>
+              <a:t>Menampilkan overview report (dapat berupa piechart, bar diagram, etc)</a:t>
+            </a:r>
+          </a:p>
+        </p:txBody>
+      </p:sp>
     </p:spTree>
     <p:extLst>
       <p:ext uri="{BB962C8B-B14F-4D97-AF65-F5344CB8AC3E}">
-        <p14:creationId xmlns:p14="http://schemas.microsoft.com/office/powerpoint/2010/main" val="787825701"/>
+        <p14:creationId xmlns:p14="http://schemas.microsoft.com/office/powerpoint/2010/main" val="1533859104"/>
+      </p:ext>
+    </p:extLst>
+  </p:cSld>
+  <p:clrMapOvr>
+    <a:masterClrMapping/>
+  </p:clrMapOvr>
+</p:sld>
+</file>
+
+<file path=ppt/slides/slide10.xml><?xml version="1.0" encoding="utf-8"?>
+<p:sld xmlns:a="http://schemas.openxmlformats.org/drawingml/2006/main" xmlns:r="http://schemas.openxmlformats.org/officeDocument/2006/relationships" xmlns:p="http://schemas.openxmlformats.org/presentationml/2006/main">
+  <p:cSld>
+    <p:spTree>
+      <p:nvGrpSpPr>
+        <p:cNvPr id="1" name=""/>
+        <p:cNvGrpSpPr/>
+        <p:nvPr/>
+      </p:nvGrpSpPr>
+      <p:grpSpPr>
+        <a:xfrm>
+          <a:off x="0" y="0"/>
+          <a:ext cx="0" cy="0"/>
+          <a:chOff x="0" y="0"/>
+          <a:chExt cx="0" cy="0"/>
+        </a:xfrm>
+      </p:grpSpPr>
+      <p:sp>
+        <p:nvSpPr>
+          <p:cNvPr id="2" name="Title 1"/>
+          <p:cNvSpPr>
+            <a:spLocks noGrp="1"/>
+          </p:cNvSpPr>
+          <p:nvPr>
+            <p:ph type="title"/>
+          </p:nvPr>
+        </p:nvSpPr>
+        <p:spPr/>
+        <p:txBody>
+          <a:bodyPr/>
+          <a:lstStyle/>
+          <a:p>
+            <a:r>
+              <a:rPr lang="id-ID" dirty="0" smtClean="0"/>
+              <a:t>Report by Progress (sudah serah terima)</a:t>
+            </a:r>
+            <a:endParaRPr lang="id-ID" dirty="0"/>
+          </a:p>
+        </p:txBody>
+      </p:sp>
+      <p:graphicFrame>
+        <p:nvGraphicFramePr>
+          <p:cNvPr id="5" name="Table 4"/>
+          <p:cNvGraphicFramePr>
+            <a:graphicFrameLocks noGrp="1"/>
+          </p:cNvGraphicFramePr>
+          <p:nvPr>
+            <p:extLst>
+              <p:ext uri="{D42A27DB-BD31-4B8C-83A1-F6EECF244321}">
+                <p14:modId xmlns:p14="http://schemas.microsoft.com/office/powerpoint/2010/main" val="334878480"/>
+              </p:ext>
+            </p:extLst>
+          </p:nvPr>
+        </p:nvGraphicFramePr>
+        <p:xfrm>
+          <a:off x="838202" y="1694883"/>
+          <a:ext cx="10515597" cy="1381760"/>
+        </p:xfrm>
+        <a:graphic>
+          <a:graphicData uri="http://schemas.openxmlformats.org/drawingml/2006/table">
+            <a:tbl>
+              <a:tblPr firstRow="1" bandRow="1">
+                <a:tableStyleId>{5C22544A-7EE6-4342-B048-85BDC9FD1C3A}</a:tableStyleId>
+              </a:tblPr>
+              <a:tblGrid>
+                <a:gridCol w="565595"/>
+                <a:gridCol w="1365161"/>
+                <a:gridCol w="1184856"/>
+                <a:gridCol w="1584101"/>
+                <a:gridCol w="1300767"/>
+                <a:gridCol w="1146219"/>
+                <a:gridCol w="1906074"/>
+                <a:gridCol w="1462824"/>
+              </a:tblGrid>
+              <a:tr h="0">
+                <a:tc>
+                  <a:txBody>
+                    <a:bodyPr/>
+                    <a:lstStyle/>
+                    <a:p>
+                      <a:pPr algn="ctr"/>
+                      <a:r>
+                        <a:rPr lang="id-ID" dirty="0" smtClean="0"/>
+                        <a:t>No.</a:t>
+                      </a:r>
+                      <a:endParaRPr lang="id-ID" dirty="0"/>
+                    </a:p>
+                  </a:txBody>
+                  <a:tcPr/>
+                </a:tc>
+                <a:tc>
+                  <a:txBody>
+                    <a:bodyPr/>
+                    <a:lstStyle/>
+                    <a:p>
+                      <a:pPr algn="ctr"/>
+                      <a:r>
+                        <a:rPr lang="id-ID" dirty="0" smtClean="0"/>
+                        <a:t>Direktorat</a:t>
+                      </a:r>
+                      <a:endParaRPr lang="id-ID" dirty="0"/>
+                    </a:p>
+                  </a:txBody>
+                  <a:tcPr/>
+                </a:tc>
+                <a:tc>
+                  <a:txBody>
+                    <a:bodyPr/>
+                    <a:lstStyle/>
+                    <a:p>
+                      <a:pPr algn="ctr"/>
+                      <a:r>
+                        <a:rPr lang="id-ID" dirty="0" smtClean="0"/>
+                        <a:t>Satker</a:t>
+                      </a:r>
+                      <a:endParaRPr lang="id-ID" dirty="0"/>
+                    </a:p>
+                  </a:txBody>
+                  <a:tcPr/>
+                </a:tc>
+                <a:tc>
+                  <a:txBody>
+                    <a:bodyPr/>
+                    <a:lstStyle/>
+                    <a:p>
+                      <a:pPr algn="ctr"/>
+                      <a:r>
+                        <a:rPr lang="id-ID" dirty="0" smtClean="0"/>
+                        <a:t>Jenis BMN</a:t>
+                      </a:r>
+                      <a:endParaRPr lang="id-ID" dirty="0"/>
+                    </a:p>
+                  </a:txBody>
+                  <a:tcPr/>
+                </a:tc>
+                <a:tc>
+                  <a:txBody>
+                    <a:bodyPr/>
+                    <a:lstStyle/>
+                    <a:p>
+                      <a:pPr algn="ctr"/>
+                      <a:r>
+                        <a:rPr lang="id-ID" dirty="0" smtClean="0"/>
+                        <a:t>Nilai Perolehan</a:t>
+                      </a:r>
+                      <a:endParaRPr lang="id-ID" dirty="0"/>
+                    </a:p>
+                  </a:txBody>
+                  <a:tcPr/>
+                </a:tc>
+                <a:tc>
+                  <a:txBody>
+                    <a:bodyPr/>
+                    <a:lstStyle/>
+                    <a:p>
+                      <a:pPr algn="ctr"/>
+                      <a:r>
+                        <a:rPr lang="id-ID" dirty="0" smtClean="0"/>
+                        <a:t>BAST</a:t>
+                      </a:r>
+                      <a:endParaRPr lang="id-ID" dirty="0"/>
+                    </a:p>
+                  </a:txBody>
+                  <a:tcPr/>
+                </a:tc>
+                <a:tc>
+                  <a:txBody>
+                    <a:bodyPr/>
+                    <a:lstStyle/>
+                    <a:p>
+                      <a:pPr algn="ctr"/>
+                      <a:r>
+                        <a:rPr lang="id-ID" dirty="0" smtClean="0"/>
+                        <a:t>SK Penghapusan</a:t>
+                      </a:r>
+                      <a:endParaRPr lang="id-ID" dirty="0"/>
+                    </a:p>
+                  </a:txBody>
+                  <a:tcPr/>
+                </a:tc>
+                <a:tc>
+                  <a:txBody>
+                    <a:bodyPr/>
+                    <a:lstStyle/>
+                    <a:p>
+                      <a:pPr algn="ctr"/>
+                      <a:r>
+                        <a:rPr lang="id-ID" dirty="0" smtClean="0"/>
+                        <a:t>Keterangan</a:t>
+                      </a:r>
+                      <a:endParaRPr lang="id-ID" dirty="0"/>
+                    </a:p>
+                  </a:txBody>
+                  <a:tcPr/>
+                </a:tc>
+              </a:tr>
+              <a:tr h="370840">
+                <a:tc>
+                  <a:txBody>
+                    <a:bodyPr/>
+                    <a:lstStyle/>
+                    <a:p>
+                      <a:endParaRPr lang="id-ID"/>
+                    </a:p>
+                  </a:txBody>
+                  <a:tcPr/>
+                </a:tc>
+                <a:tc>
+                  <a:txBody>
+                    <a:bodyPr/>
+                    <a:lstStyle/>
+                    <a:p>
+                      <a:endParaRPr lang="id-ID"/>
+                    </a:p>
+                  </a:txBody>
+                  <a:tcPr/>
+                </a:tc>
+                <a:tc>
+                  <a:txBody>
+                    <a:bodyPr/>
+                    <a:lstStyle/>
+                    <a:p>
+                      <a:endParaRPr lang="id-ID"/>
+                    </a:p>
+                  </a:txBody>
+                  <a:tcPr/>
+                </a:tc>
+                <a:tc>
+                  <a:txBody>
+                    <a:bodyPr/>
+                    <a:lstStyle/>
+                    <a:p>
+                      <a:endParaRPr lang="id-ID"/>
+                    </a:p>
+                  </a:txBody>
+                  <a:tcPr/>
+                </a:tc>
+                <a:tc>
+                  <a:txBody>
+                    <a:bodyPr/>
+                    <a:lstStyle/>
+                    <a:p>
+                      <a:endParaRPr lang="id-ID"/>
+                    </a:p>
+                  </a:txBody>
+                  <a:tcPr/>
+                </a:tc>
+                <a:tc>
+                  <a:txBody>
+                    <a:bodyPr/>
+                    <a:lstStyle/>
+                    <a:p>
+                      <a:endParaRPr lang="id-ID"/>
+                    </a:p>
+                  </a:txBody>
+                  <a:tcPr/>
+                </a:tc>
+                <a:tc>
+                  <a:txBody>
+                    <a:bodyPr/>
+                    <a:lstStyle/>
+                    <a:p>
+                      <a:endParaRPr lang="id-ID"/>
+                    </a:p>
+                  </a:txBody>
+                  <a:tcPr/>
+                </a:tc>
+                <a:tc>
+                  <a:txBody>
+                    <a:bodyPr/>
+                    <a:lstStyle/>
+                    <a:p>
+                      <a:endParaRPr lang="id-ID"/>
+                    </a:p>
+                  </a:txBody>
+                  <a:tcPr/>
+                </a:tc>
+              </a:tr>
+              <a:tr h="370840">
+                <a:tc>
+                  <a:txBody>
+                    <a:bodyPr/>
+                    <a:lstStyle/>
+                    <a:p>
+                      <a:endParaRPr lang="id-ID"/>
+                    </a:p>
+                  </a:txBody>
+                  <a:tcPr/>
+                </a:tc>
+                <a:tc>
+                  <a:txBody>
+                    <a:bodyPr/>
+                    <a:lstStyle/>
+                    <a:p>
+                      <a:endParaRPr lang="id-ID"/>
+                    </a:p>
+                  </a:txBody>
+                  <a:tcPr/>
+                </a:tc>
+                <a:tc>
+                  <a:txBody>
+                    <a:bodyPr/>
+                    <a:lstStyle/>
+                    <a:p>
+                      <a:endParaRPr lang="id-ID"/>
+                    </a:p>
+                  </a:txBody>
+                  <a:tcPr/>
+                </a:tc>
+                <a:tc>
+                  <a:txBody>
+                    <a:bodyPr/>
+                    <a:lstStyle/>
+                    <a:p>
+                      <a:endParaRPr lang="id-ID"/>
+                    </a:p>
+                  </a:txBody>
+                  <a:tcPr/>
+                </a:tc>
+                <a:tc>
+                  <a:txBody>
+                    <a:bodyPr/>
+                    <a:lstStyle/>
+                    <a:p>
+                      <a:endParaRPr lang="id-ID"/>
+                    </a:p>
+                  </a:txBody>
+                  <a:tcPr/>
+                </a:tc>
+                <a:tc>
+                  <a:txBody>
+                    <a:bodyPr/>
+                    <a:lstStyle/>
+                    <a:p>
+                      <a:endParaRPr lang="id-ID"/>
+                    </a:p>
+                  </a:txBody>
+                  <a:tcPr/>
+                </a:tc>
+                <a:tc>
+                  <a:txBody>
+                    <a:bodyPr/>
+                    <a:lstStyle/>
+                    <a:p>
+                      <a:endParaRPr lang="id-ID"/>
+                    </a:p>
+                  </a:txBody>
+                  <a:tcPr/>
+                </a:tc>
+                <a:tc>
+                  <a:txBody>
+                    <a:bodyPr/>
+                    <a:lstStyle/>
+                    <a:p>
+                      <a:endParaRPr lang="id-ID" dirty="0"/>
+                    </a:p>
+                  </a:txBody>
+                  <a:tcPr/>
+                </a:tc>
+              </a:tr>
+            </a:tbl>
+          </a:graphicData>
+        </a:graphic>
+      </p:graphicFrame>
+    </p:spTree>
+    <p:extLst>
+      <p:ext uri="{BB962C8B-B14F-4D97-AF65-F5344CB8AC3E}">
+        <p14:creationId xmlns:p14="http://schemas.microsoft.com/office/powerpoint/2010/main" val="3932110554"/>
+      </p:ext>
+    </p:extLst>
+  </p:cSld>
+  <p:clrMapOvr>
+    <a:masterClrMapping/>
+  </p:clrMapOvr>
+</p:sld>
+</file>
+
+<file path=ppt/slides/slide11.xml><?xml version="1.0" encoding="utf-8"?>
+<p:sld xmlns:a="http://schemas.openxmlformats.org/drawingml/2006/main" xmlns:r="http://schemas.openxmlformats.org/officeDocument/2006/relationships" xmlns:p="http://schemas.openxmlformats.org/presentationml/2006/main">
+  <p:cSld>
+    <p:spTree>
+      <p:nvGrpSpPr>
+        <p:cNvPr id="1" name=""/>
+        <p:cNvGrpSpPr/>
+        <p:nvPr/>
+      </p:nvGrpSpPr>
+      <p:grpSpPr>
+        <a:xfrm>
+          <a:off x="0" y="0"/>
+          <a:ext cx="0" cy="0"/>
+          <a:chOff x="0" y="0"/>
+          <a:chExt cx="0" cy="0"/>
+        </a:xfrm>
+      </p:grpSpPr>
+      <p:sp>
+        <p:nvSpPr>
+          <p:cNvPr id="2" name="Title 1"/>
+          <p:cNvSpPr>
+            <a:spLocks noGrp="1"/>
+          </p:cNvSpPr>
+          <p:nvPr>
+            <p:ph type="title"/>
+          </p:nvPr>
+        </p:nvSpPr>
+        <p:spPr/>
+        <p:txBody>
+          <a:bodyPr/>
+          <a:lstStyle/>
+          <a:p>
+            <a:r>
+              <a:rPr lang="id-ID" dirty="0" smtClean="0"/>
+              <a:t>Report by Progress (sudah terbit persetujuan)</a:t>
+            </a:r>
+            <a:endParaRPr lang="id-ID" dirty="0"/>
+          </a:p>
+        </p:txBody>
+      </p:sp>
+      <p:graphicFrame>
+        <p:nvGraphicFramePr>
+          <p:cNvPr id="5" name="Table 4"/>
+          <p:cNvGraphicFramePr>
+            <a:graphicFrameLocks noGrp="1"/>
+          </p:cNvGraphicFramePr>
+          <p:nvPr>
+            <p:extLst>
+              <p:ext uri="{D42A27DB-BD31-4B8C-83A1-F6EECF244321}">
+                <p14:modId xmlns:p14="http://schemas.microsoft.com/office/powerpoint/2010/main" val="3126720001"/>
+              </p:ext>
+            </p:extLst>
+          </p:nvPr>
+        </p:nvGraphicFramePr>
+        <p:xfrm>
+          <a:off x="838201" y="1694883"/>
+          <a:ext cx="10302023" cy="1381760"/>
+        </p:xfrm>
+        <a:graphic>
+          <a:graphicData uri="http://schemas.openxmlformats.org/drawingml/2006/table">
+            <a:tbl>
+              <a:tblPr firstRow="1" bandRow="1">
+                <a:tableStyleId>{5C22544A-7EE6-4342-B048-85BDC9FD1C3A}</a:tableStyleId>
+              </a:tblPr>
+              <a:tblGrid>
+                <a:gridCol w="676782"/>
+                <a:gridCol w="1633531"/>
+                <a:gridCol w="1417780"/>
+                <a:gridCol w="1895511"/>
+                <a:gridCol w="1556477"/>
+                <a:gridCol w="1849279"/>
+                <a:gridCol w="1272663"/>
+              </a:tblGrid>
+              <a:tr h="0">
+                <a:tc>
+                  <a:txBody>
+                    <a:bodyPr/>
+                    <a:lstStyle/>
+                    <a:p>
+                      <a:pPr algn="ctr"/>
+                      <a:r>
+                        <a:rPr lang="id-ID" dirty="0" smtClean="0"/>
+                        <a:t>No.</a:t>
+                      </a:r>
+                      <a:endParaRPr lang="id-ID" dirty="0"/>
+                    </a:p>
+                  </a:txBody>
+                  <a:tcPr/>
+                </a:tc>
+                <a:tc>
+                  <a:txBody>
+                    <a:bodyPr/>
+                    <a:lstStyle/>
+                    <a:p>
+                      <a:pPr algn="ctr"/>
+                      <a:r>
+                        <a:rPr lang="id-ID" dirty="0" smtClean="0"/>
+                        <a:t>Direktorat</a:t>
+                      </a:r>
+                      <a:endParaRPr lang="id-ID" dirty="0"/>
+                    </a:p>
+                  </a:txBody>
+                  <a:tcPr/>
+                </a:tc>
+                <a:tc>
+                  <a:txBody>
+                    <a:bodyPr/>
+                    <a:lstStyle/>
+                    <a:p>
+                      <a:pPr algn="ctr"/>
+                      <a:r>
+                        <a:rPr lang="id-ID" dirty="0" smtClean="0"/>
+                        <a:t>Satker</a:t>
+                      </a:r>
+                      <a:endParaRPr lang="id-ID" dirty="0"/>
+                    </a:p>
+                  </a:txBody>
+                  <a:tcPr/>
+                </a:tc>
+                <a:tc>
+                  <a:txBody>
+                    <a:bodyPr/>
+                    <a:lstStyle/>
+                    <a:p>
+                      <a:pPr algn="ctr"/>
+                      <a:r>
+                        <a:rPr lang="id-ID" dirty="0" smtClean="0"/>
+                        <a:t>Jenis BMN</a:t>
+                      </a:r>
+                      <a:endParaRPr lang="id-ID" dirty="0"/>
+                    </a:p>
+                  </a:txBody>
+                  <a:tcPr/>
+                </a:tc>
+                <a:tc>
+                  <a:txBody>
+                    <a:bodyPr/>
+                    <a:lstStyle/>
+                    <a:p>
+                      <a:pPr algn="ctr"/>
+                      <a:r>
+                        <a:rPr lang="id-ID" dirty="0" smtClean="0"/>
+                        <a:t>Nilai Perolehan</a:t>
+                      </a:r>
+                      <a:endParaRPr lang="id-ID" dirty="0"/>
+                    </a:p>
+                  </a:txBody>
+                  <a:tcPr/>
+                </a:tc>
+                <a:tc>
+                  <a:txBody>
+                    <a:bodyPr/>
+                    <a:lstStyle/>
+                    <a:p>
+                      <a:pPr algn="ctr"/>
+                      <a:r>
+                        <a:rPr lang="id-ID" dirty="0" smtClean="0"/>
+                        <a:t>Surat Persetujuan</a:t>
+                      </a:r>
+                      <a:endParaRPr lang="id-ID" dirty="0"/>
+                    </a:p>
+                  </a:txBody>
+                  <a:tcPr/>
+                </a:tc>
+                <a:tc>
+                  <a:txBody>
+                    <a:bodyPr/>
+                    <a:lstStyle/>
+                    <a:p>
+                      <a:pPr algn="ctr"/>
+                      <a:r>
+                        <a:rPr lang="id-ID" dirty="0" smtClean="0"/>
+                        <a:t>Keterangan</a:t>
+                      </a:r>
+                      <a:endParaRPr lang="id-ID" dirty="0"/>
+                    </a:p>
+                  </a:txBody>
+                  <a:tcPr/>
+                </a:tc>
+              </a:tr>
+              <a:tr h="370840">
+                <a:tc>
+                  <a:txBody>
+                    <a:bodyPr/>
+                    <a:lstStyle/>
+                    <a:p>
+                      <a:endParaRPr lang="id-ID"/>
+                    </a:p>
+                  </a:txBody>
+                  <a:tcPr/>
+                </a:tc>
+                <a:tc>
+                  <a:txBody>
+                    <a:bodyPr/>
+                    <a:lstStyle/>
+                    <a:p>
+                      <a:endParaRPr lang="id-ID"/>
+                    </a:p>
+                  </a:txBody>
+                  <a:tcPr/>
+                </a:tc>
+                <a:tc>
+                  <a:txBody>
+                    <a:bodyPr/>
+                    <a:lstStyle/>
+                    <a:p>
+                      <a:endParaRPr lang="id-ID"/>
+                    </a:p>
+                  </a:txBody>
+                  <a:tcPr/>
+                </a:tc>
+                <a:tc>
+                  <a:txBody>
+                    <a:bodyPr/>
+                    <a:lstStyle/>
+                    <a:p>
+                      <a:endParaRPr lang="id-ID"/>
+                    </a:p>
+                  </a:txBody>
+                  <a:tcPr/>
+                </a:tc>
+                <a:tc>
+                  <a:txBody>
+                    <a:bodyPr/>
+                    <a:lstStyle/>
+                    <a:p>
+                      <a:endParaRPr lang="id-ID"/>
+                    </a:p>
+                  </a:txBody>
+                  <a:tcPr/>
+                </a:tc>
+                <a:tc>
+                  <a:txBody>
+                    <a:bodyPr/>
+                    <a:lstStyle/>
+                    <a:p>
+                      <a:endParaRPr lang="id-ID"/>
+                    </a:p>
+                  </a:txBody>
+                  <a:tcPr/>
+                </a:tc>
+                <a:tc>
+                  <a:txBody>
+                    <a:bodyPr/>
+                    <a:lstStyle/>
+                    <a:p>
+                      <a:endParaRPr lang="id-ID" dirty="0"/>
+                    </a:p>
+                  </a:txBody>
+                  <a:tcPr/>
+                </a:tc>
+              </a:tr>
+              <a:tr h="370840">
+                <a:tc>
+                  <a:txBody>
+                    <a:bodyPr/>
+                    <a:lstStyle/>
+                    <a:p>
+                      <a:endParaRPr lang="id-ID"/>
+                    </a:p>
+                  </a:txBody>
+                  <a:tcPr/>
+                </a:tc>
+                <a:tc>
+                  <a:txBody>
+                    <a:bodyPr/>
+                    <a:lstStyle/>
+                    <a:p>
+                      <a:endParaRPr lang="id-ID"/>
+                    </a:p>
+                  </a:txBody>
+                  <a:tcPr/>
+                </a:tc>
+                <a:tc>
+                  <a:txBody>
+                    <a:bodyPr/>
+                    <a:lstStyle/>
+                    <a:p>
+                      <a:endParaRPr lang="id-ID"/>
+                    </a:p>
+                  </a:txBody>
+                  <a:tcPr/>
+                </a:tc>
+                <a:tc>
+                  <a:txBody>
+                    <a:bodyPr/>
+                    <a:lstStyle/>
+                    <a:p>
+                      <a:endParaRPr lang="id-ID"/>
+                    </a:p>
+                  </a:txBody>
+                  <a:tcPr/>
+                </a:tc>
+                <a:tc>
+                  <a:txBody>
+                    <a:bodyPr/>
+                    <a:lstStyle/>
+                    <a:p>
+                      <a:endParaRPr lang="id-ID"/>
+                    </a:p>
+                  </a:txBody>
+                  <a:tcPr/>
+                </a:tc>
+                <a:tc>
+                  <a:txBody>
+                    <a:bodyPr/>
+                    <a:lstStyle/>
+                    <a:p>
+                      <a:endParaRPr lang="id-ID"/>
+                    </a:p>
+                  </a:txBody>
+                  <a:tcPr/>
+                </a:tc>
+                <a:tc>
+                  <a:txBody>
+                    <a:bodyPr/>
+                    <a:lstStyle/>
+                    <a:p>
+                      <a:endParaRPr lang="id-ID" dirty="0"/>
+                    </a:p>
+                  </a:txBody>
+                  <a:tcPr/>
+                </a:tc>
+              </a:tr>
+            </a:tbl>
+          </a:graphicData>
+        </a:graphic>
+      </p:graphicFrame>
+      <p:sp>
+        <p:nvSpPr>
+          <p:cNvPr id="4" name="Content Placeholder 2"/>
+          <p:cNvSpPr>
+            <a:spLocks noGrp="1"/>
+          </p:cNvSpPr>
+          <p:nvPr>
+            <p:ph idx="1"/>
+          </p:nvPr>
+        </p:nvSpPr>
+        <p:spPr>
+          <a:xfrm>
+            <a:off x="838200" y="3528811"/>
+            <a:ext cx="10515600" cy="2648152"/>
+          </a:xfrm>
+        </p:spPr>
+        <p:txBody>
+          <a:bodyPr>
+            <a:normAutofit/>
+          </a:bodyPr>
+          <a:lstStyle/>
+          <a:p>
+            <a:r>
+              <a:rPr lang="id-ID" sz="2000" dirty="0" smtClean="0"/>
+              <a:t>BMN yang ditampilkan dalam laporan ini adalah BMN yang sudah diterbitkan persetujuan hibahnya baik oleh Pengguna Barang maupun Pengelola Barang, namun belum dilakukan serah terima</a:t>
+            </a:r>
+          </a:p>
+        </p:txBody>
+      </p:sp>
+    </p:spTree>
+    <p:extLst>
+      <p:ext uri="{BB962C8B-B14F-4D97-AF65-F5344CB8AC3E}">
+        <p14:creationId xmlns:p14="http://schemas.microsoft.com/office/powerpoint/2010/main" val="1596052050"/>
+      </p:ext>
+    </p:extLst>
+  </p:cSld>
+  <p:clrMapOvr>
+    <a:masterClrMapping/>
+  </p:clrMapOvr>
+</p:sld>
+</file>
+
+<file path=ppt/slides/slide12.xml><?xml version="1.0" encoding="utf-8"?>
+<p:sld xmlns:a="http://schemas.openxmlformats.org/drawingml/2006/main" xmlns:r="http://schemas.openxmlformats.org/officeDocument/2006/relationships" xmlns:p="http://schemas.openxmlformats.org/presentationml/2006/main">
+  <p:cSld>
+    <p:spTree>
+      <p:nvGrpSpPr>
+        <p:cNvPr id="1" name=""/>
+        <p:cNvGrpSpPr/>
+        <p:nvPr/>
+      </p:nvGrpSpPr>
+      <p:grpSpPr>
+        <a:xfrm>
+          <a:off x="0" y="0"/>
+          <a:ext cx="0" cy="0"/>
+          <a:chOff x="0" y="0"/>
+          <a:chExt cx="0" cy="0"/>
+        </a:xfrm>
+      </p:grpSpPr>
+      <p:sp>
+        <p:nvSpPr>
+          <p:cNvPr id="2" name="Title 1"/>
+          <p:cNvSpPr>
+            <a:spLocks noGrp="1"/>
+          </p:cNvSpPr>
+          <p:nvPr>
+            <p:ph type="title"/>
+          </p:nvPr>
+        </p:nvSpPr>
+        <p:spPr/>
+        <p:txBody>
+          <a:bodyPr/>
+          <a:lstStyle/>
+          <a:p>
+            <a:r>
+              <a:rPr lang="id-ID" dirty="0" smtClean="0"/>
+              <a:t>Report by Progress (masih dalam proses)</a:t>
+            </a:r>
+            <a:endParaRPr lang="id-ID" dirty="0"/>
+          </a:p>
+        </p:txBody>
+      </p:sp>
+      <p:graphicFrame>
+        <p:nvGraphicFramePr>
+          <p:cNvPr id="5" name="Table 4"/>
+          <p:cNvGraphicFramePr>
+            <a:graphicFrameLocks noGrp="1"/>
+          </p:cNvGraphicFramePr>
+          <p:nvPr>
+            <p:extLst>
+              <p:ext uri="{D42A27DB-BD31-4B8C-83A1-F6EECF244321}">
+                <p14:modId xmlns:p14="http://schemas.microsoft.com/office/powerpoint/2010/main" val="3665964029"/>
+              </p:ext>
+            </p:extLst>
+          </p:nvPr>
+        </p:nvGraphicFramePr>
+        <p:xfrm>
+          <a:off x="838201" y="1694883"/>
+          <a:ext cx="10302023" cy="1381760"/>
+        </p:xfrm>
+        <a:graphic>
+          <a:graphicData uri="http://schemas.openxmlformats.org/drawingml/2006/table">
+            <a:tbl>
+              <a:tblPr firstRow="1" bandRow="1">
+                <a:tableStyleId>{5C22544A-7EE6-4342-B048-85BDC9FD1C3A}</a:tableStyleId>
+              </a:tblPr>
+              <a:tblGrid>
+                <a:gridCol w="676782"/>
+                <a:gridCol w="1633531"/>
+                <a:gridCol w="1417780"/>
+                <a:gridCol w="1895511"/>
+                <a:gridCol w="1556477"/>
+                <a:gridCol w="1849279"/>
+                <a:gridCol w="1272663"/>
+              </a:tblGrid>
+              <a:tr h="0">
+                <a:tc>
+                  <a:txBody>
+                    <a:bodyPr/>
+                    <a:lstStyle/>
+                    <a:p>
+                      <a:pPr algn="ctr"/>
+                      <a:r>
+                        <a:rPr lang="id-ID" dirty="0" smtClean="0"/>
+                        <a:t>No.</a:t>
+                      </a:r>
+                      <a:endParaRPr lang="id-ID" dirty="0"/>
+                    </a:p>
+                  </a:txBody>
+                  <a:tcPr/>
+                </a:tc>
+                <a:tc>
+                  <a:txBody>
+                    <a:bodyPr/>
+                    <a:lstStyle/>
+                    <a:p>
+                      <a:pPr algn="ctr"/>
+                      <a:r>
+                        <a:rPr lang="id-ID" dirty="0" smtClean="0"/>
+                        <a:t>Direktorat</a:t>
+                      </a:r>
+                      <a:endParaRPr lang="id-ID" dirty="0"/>
+                    </a:p>
+                  </a:txBody>
+                  <a:tcPr/>
+                </a:tc>
+                <a:tc>
+                  <a:txBody>
+                    <a:bodyPr/>
+                    <a:lstStyle/>
+                    <a:p>
+                      <a:pPr algn="ctr"/>
+                      <a:r>
+                        <a:rPr lang="id-ID" dirty="0" smtClean="0"/>
+                        <a:t>Satker</a:t>
+                      </a:r>
+                      <a:endParaRPr lang="id-ID" dirty="0"/>
+                    </a:p>
+                  </a:txBody>
+                  <a:tcPr/>
+                </a:tc>
+                <a:tc>
+                  <a:txBody>
+                    <a:bodyPr/>
+                    <a:lstStyle/>
+                    <a:p>
+                      <a:pPr algn="ctr"/>
+                      <a:r>
+                        <a:rPr lang="id-ID" dirty="0" smtClean="0"/>
+                        <a:t>Jenis BMN</a:t>
+                      </a:r>
+                      <a:endParaRPr lang="id-ID" dirty="0"/>
+                    </a:p>
+                  </a:txBody>
+                  <a:tcPr/>
+                </a:tc>
+                <a:tc>
+                  <a:txBody>
+                    <a:bodyPr/>
+                    <a:lstStyle/>
+                    <a:p>
+                      <a:pPr algn="ctr"/>
+                      <a:r>
+                        <a:rPr lang="id-ID" dirty="0" smtClean="0"/>
+                        <a:t>Nilai Perolehan</a:t>
+                      </a:r>
+                      <a:endParaRPr lang="id-ID" dirty="0"/>
+                    </a:p>
+                  </a:txBody>
+                  <a:tcPr/>
+                </a:tc>
+                <a:tc>
+                  <a:txBody>
+                    <a:bodyPr/>
+                    <a:lstStyle/>
+                    <a:p>
+                      <a:pPr algn="ctr"/>
+                      <a:r>
+                        <a:rPr lang="id-ID" dirty="0" smtClean="0"/>
+                        <a:t>Status</a:t>
+                      </a:r>
+                      <a:endParaRPr lang="id-ID" dirty="0"/>
+                    </a:p>
+                  </a:txBody>
+                  <a:tcPr/>
+                </a:tc>
+                <a:tc>
+                  <a:txBody>
+                    <a:bodyPr/>
+                    <a:lstStyle/>
+                    <a:p>
+                      <a:pPr algn="ctr"/>
+                      <a:r>
+                        <a:rPr lang="id-ID" dirty="0" smtClean="0"/>
+                        <a:t>Keterangan</a:t>
+                      </a:r>
+                      <a:endParaRPr lang="id-ID" dirty="0"/>
+                    </a:p>
+                  </a:txBody>
+                  <a:tcPr/>
+                </a:tc>
+              </a:tr>
+              <a:tr h="370840">
+                <a:tc>
+                  <a:txBody>
+                    <a:bodyPr/>
+                    <a:lstStyle/>
+                    <a:p>
+                      <a:endParaRPr lang="id-ID"/>
+                    </a:p>
+                  </a:txBody>
+                  <a:tcPr/>
+                </a:tc>
+                <a:tc>
+                  <a:txBody>
+                    <a:bodyPr/>
+                    <a:lstStyle/>
+                    <a:p>
+                      <a:endParaRPr lang="id-ID"/>
+                    </a:p>
+                  </a:txBody>
+                  <a:tcPr/>
+                </a:tc>
+                <a:tc>
+                  <a:txBody>
+                    <a:bodyPr/>
+                    <a:lstStyle/>
+                    <a:p>
+                      <a:endParaRPr lang="id-ID"/>
+                    </a:p>
+                  </a:txBody>
+                  <a:tcPr/>
+                </a:tc>
+                <a:tc>
+                  <a:txBody>
+                    <a:bodyPr/>
+                    <a:lstStyle/>
+                    <a:p>
+                      <a:endParaRPr lang="id-ID"/>
+                    </a:p>
+                  </a:txBody>
+                  <a:tcPr/>
+                </a:tc>
+                <a:tc>
+                  <a:txBody>
+                    <a:bodyPr/>
+                    <a:lstStyle/>
+                    <a:p>
+                      <a:endParaRPr lang="id-ID"/>
+                    </a:p>
+                  </a:txBody>
+                  <a:tcPr/>
+                </a:tc>
+                <a:tc>
+                  <a:txBody>
+                    <a:bodyPr/>
+                    <a:lstStyle/>
+                    <a:p>
+                      <a:endParaRPr lang="id-ID"/>
+                    </a:p>
+                  </a:txBody>
+                  <a:tcPr/>
+                </a:tc>
+                <a:tc>
+                  <a:txBody>
+                    <a:bodyPr/>
+                    <a:lstStyle/>
+                    <a:p>
+                      <a:endParaRPr lang="id-ID" dirty="0"/>
+                    </a:p>
+                  </a:txBody>
+                  <a:tcPr/>
+                </a:tc>
+              </a:tr>
+              <a:tr h="370840">
+                <a:tc>
+                  <a:txBody>
+                    <a:bodyPr/>
+                    <a:lstStyle/>
+                    <a:p>
+                      <a:endParaRPr lang="id-ID"/>
+                    </a:p>
+                  </a:txBody>
+                  <a:tcPr/>
+                </a:tc>
+                <a:tc>
+                  <a:txBody>
+                    <a:bodyPr/>
+                    <a:lstStyle/>
+                    <a:p>
+                      <a:endParaRPr lang="id-ID"/>
+                    </a:p>
+                  </a:txBody>
+                  <a:tcPr/>
+                </a:tc>
+                <a:tc>
+                  <a:txBody>
+                    <a:bodyPr/>
+                    <a:lstStyle/>
+                    <a:p>
+                      <a:endParaRPr lang="id-ID"/>
+                    </a:p>
+                  </a:txBody>
+                  <a:tcPr/>
+                </a:tc>
+                <a:tc>
+                  <a:txBody>
+                    <a:bodyPr/>
+                    <a:lstStyle/>
+                    <a:p>
+                      <a:endParaRPr lang="id-ID"/>
+                    </a:p>
+                  </a:txBody>
+                  <a:tcPr/>
+                </a:tc>
+                <a:tc>
+                  <a:txBody>
+                    <a:bodyPr/>
+                    <a:lstStyle/>
+                    <a:p>
+                      <a:endParaRPr lang="id-ID"/>
+                    </a:p>
+                  </a:txBody>
+                  <a:tcPr/>
+                </a:tc>
+                <a:tc>
+                  <a:txBody>
+                    <a:bodyPr/>
+                    <a:lstStyle/>
+                    <a:p>
+                      <a:endParaRPr lang="id-ID"/>
+                    </a:p>
+                  </a:txBody>
+                  <a:tcPr/>
+                </a:tc>
+                <a:tc>
+                  <a:txBody>
+                    <a:bodyPr/>
+                    <a:lstStyle/>
+                    <a:p>
+                      <a:endParaRPr lang="id-ID" dirty="0"/>
+                    </a:p>
+                  </a:txBody>
+                  <a:tcPr/>
+                </a:tc>
+              </a:tr>
+            </a:tbl>
+          </a:graphicData>
+        </a:graphic>
+      </p:graphicFrame>
+      <p:sp>
+        <p:nvSpPr>
+          <p:cNvPr id="4" name="Content Placeholder 2"/>
+          <p:cNvSpPr>
+            <a:spLocks noGrp="1"/>
+          </p:cNvSpPr>
+          <p:nvPr>
+            <p:ph idx="1"/>
+          </p:nvPr>
+        </p:nvSpPr>
+        <p:spPr>
+          <a:xfrm>
+            <a:off x="838200" y="3528811"/>
+            <a:ext cx="10515600" cy="2648152"/>
+          </a:xfrm>
+        </p:spPr>
+        <p:txBody>
+          <a:bodyPr>
+            <a:normAutofit/>
+          </a:bodyPr>
+          <a:lstStyle/>
+          <a:p>
+            <a:r>
+              <a:rPr lang="id-ID" sz="2000" dirty="0" smtClean="0"/>
+              <a:t>Yang dimaksud dengan status dalam report ini adalah :</a:t>
+            </a:r>
+          </a:p>
+          <a:p>
+            <a:pPr marL="457200" indent="-457200">
+              <a:buAutoNum type="alphaLcPeriod"/>
+            </a:pPr>
+            <a:r>
+              <a:rPr lang="id-ID" sz="2000" dirty="0" smtClean="0"/>
+              <a:t>Sudah terbit ijin prinsip namun belum terbit persetujuan hibah</a:t>
+            </a:r>
+          </a:p>
+          <a:p>
+            <a:pPr marL="457200" indent="-457200">
+              <a:buAutoNum type="alphaLcPeriod"/>
+            </a:pPr>
+            <a:r>
+              <a:rPr lang="id-ID" sz="2000" dirty="0" smtClean="0"/>
+              <a:t>Masih diproses oleh Kemenkeu</a:t>
+            </a:r>
+          </a:p>
+          <a:p>
+            <a:pPr marL="457200" indent="-457200">
+              <a:buAutoNum type="alphaLcPeriod"/>
+            </a:pPr>
+            <a:r>
+              <a:rPr lang="id-ID" sz="2000" dirty="0" smtClean="0"/>
+              <a:t>Masih diproses di Biro PBMN</a:t>
+            </a:r>
+          </a:p>
+          <a:p>
+            <a:pPr marL="457200" indent="-457200">
+              <a:buAutoNum type="alphaLcPeriod"/>
+            </a:pPr>
+            <a:r>
+              <a:rPr lang="id-ID" sz="2000" dirty="0" smtClean="0"/>
+              <a:t>Masih diproses di Ditjen Cipta Karya</a:t>
+            </a:r>
+          </a:p>
+        </p:txBody>
+      </p:sp>
+    </p:spTree>
+    <p:extLst>
+      <p:ext uri="{BB962C8B-B14F-4D97-AF65-F5344CB8AC3E}">
+        <p14:creationId xmlns:p14="http://schemas.microsoft.com/office/powerpoint/2010/main" val="3671828682"/>
+      </p:ext>
+    </p:extLst>
+  </p:cSld>
+  <p:clrMapOvr>
+    <a:masterClrMapping/>
+  </p:clrMapOvr>
+</p:sld>
+</file>
+
+<file path=ppt/slides/slide13.xml><?xml version="1.0" encoding="utf-8"?>
+<p:sld xmlns:a="http://schemas.openxmlformats.org/drawingml/2006/main" xmlns:r="http://schemas.openxmlformats.org/officeDocument/2006/relationships" xmlns:p="http://schemas.openxmlformats.org/presentationml/2006/main">
+  <p:cSld>
+    <p:spTree>
+      <p:nvGrpSpPr>
+        <p:cNvPr id="1" name=""/>
+        <p:cNvGrpSpPr/>
+        <p:nvPr/>
+      </p:nvGrpSpPr>
+      <p:grpSpPr>
+        <a:xfrm>
+          <a:off x="0" y="0"/>
+          <a:ext cx="0" cy="0"/>
+          <a:chOff x="0" y="0"/>
+          <a:chExt cx="0" cy="0"/>
+        </a:xfrm>
+      </p:grpSpPr>
+      <p:sp>
+        <p:nvSpPr>
+          <p:cNvPr id="2" name="Title 1"/>
+          <p:cNvSpPr>
+            <a:spLocks noGrp="1"/>
+          </p:cNvSpPr>
+          <p:nvPr>
+            <p:ph type="title"/>
+          </p:nvPr>
+        </p:nvSpPr>
+        <p:spPr/>
+        <p:txBody>
+          <a:bodyPr/>
+          <a:lstStyle/>
+          <a:p>
+            <a:r>
+              <a:rPr lang="id-ID" dirty="0" smtClean="0"/>
+              <a:t>Report by Entity</a:t>
+            </a:r>
+            <a:endParaRPr lang="id-ID" dirty="0"/>
+          </a:p>
+        </p:txBody>
+      </p:sp>
+      <p:sp>
+        <p:nvSpPr>
+          <p:cNvPr id="3" name="Content Placeholder 2"/>
+          <p:cNvSpPr>
+            <a:spLocks noGrp="1"/>
+          </p:cNvSpPr>
+          <p:nvPr>
+            <p:ph idx="1"/>
+          </p:nvPr>
+        </p:nvSpPr>
+        <p:spPr/>
+        <p:txBody>
+          <a:bodyPr/>
+          <a:lstStyle/>
+          <a:p>
+            <a:r>
+              <a:rPr lang="id-ID" dirty="0" smtClean="0"/>
+              <a:t>Report by entity dimaksudkan untuk melihat report proses hibah sesuai keyword yang diinginkan. Keyword tersebut antara lain :</a:t>
+            </a:r>
+          </a:p>
+          <a:p>
+            <a:pPr marL="514350" indent="-514350">
+              <a:buAutoNum type="alphaLcPeriod"/>
+            </a:pPr>
+            <a:r>
+              <a:rPr lang="id-ID" dirty="0" smtClean="0"/>
+              <a:t>Direktorat</a:t>
+            </a:r>
+          </a:p>
+          <a:p>
+            <a:pPr marL="514350" indent="-514350">
+              <a:buAutoNum type="alphaLcPeriod"/>
+            </a:pPr>
+            <a:r>
+              <a:rPr lang="id-ID" dirty="0" smtClean="0"/>
+              <a:t>Satker</a:t>
+            </a:r>
+          </a:p>
+          <a:p>
+            <a:pPr marL="514350" indent="-514350">
+              <a:buAutoNum type="alphaLcPeriod"/>
+            </a:pPr>
+            <a:r>
+              <a:rPr lang="id-ID" dirty="0" smtClean="0"/>
+              <a:t>Pemda</a:t>
+            </a:r>
+          </a:p>
+          <a:p>
+            <a:pPr marL="514350" indent="-514350">
+              <a:buAutoNum type="alphaLcPeriod"/>
+            </a:pPr>
+            <a:r>
+              <a:rPr lang="id-ID" dirty="0" smtClean="0"/>
+              <a:t>TA Perolehan</a:t>
+            </a:r>
+          </a:p>
+          <a:p>
+            <a:pPr marL="514350" indent="-514350">
+              <a:buAutoNum type="alphaLcPeriod"/>
+            </a:pPr>
+            <a:r>
+              <a:rPr lang="id-ID" dirty="0" smtClean="0"/>
+              <a:t>TA Pengajuan hibah oleh Cipta Karya</a:t>
+            </a:r>
+            <a:endParaRPr lang="id-ID" dirty="0"/>
+          </a:p>
+        </p:txBody>
+      </p:sp>
+    </p:spTree>
+    <p:extLst>
+      <p:ext uri="{BB962C8B-B14F-4D97-AF65-F5344CB8AC3E}">
+        <p14:creationId xmlns:p14="http://schemas.microsoft.com/office/powerpoint/2010/main" val="1440785336"/>
       </p:ext>
     </p:extLst>
   </p:cSld>
@@ -4176,38 +4714,10 @@
       </p:grpSpPr>
       <p:sp>
         <p:nvSpPr>
-          <p:cNvPr id="2" name="Title 1">
-            <a:extLst>
-              <a:ext uri="{FF2B5EF4-FFF2-40B4-BE49-F238E27FC236}">
-                <a16:creationId xmlns:a16="http://schemas.microsoft.com/office/drawing/2014/main" id="{DF630A1A-59D1-4AFB-89C7-32D2A79125F4}"/>
-              </a:ext>
-            </a:extLst>
-          </p:cNvPr>
-          <p:cNvSpPr>
-            <a:spLocks noGrp="1"/>
-          </p:cNvSpPr>
-          <p:nvPr>
-            <p:ph type="title"/>
-          </p:nvPr>
-        </p:nvSpPr>
-        <p:spPr/>
-        <p:txBody>
-          <a:bodyPr/>
-          <a:lstStyle/>
-          <a:p>
-            <a:r>
-              <a:rPr lang="id-ID" dirty="0"/>
-              <a:t>Input data</a:t>
-            </a:r>
-          </a:p>
-        </p:txBody>
-      </p:sp>
-      <p:sp>
-        <p:nvSpPr>
-          <p:cNvPr id="4" name="Rectangle 3">
-            <a:extLst>
-              <a:ext uri="{FF2B5EF4-FFF2-40B4-BE49-F238E27FC236}">
-                <a16:creationId xmlns:a16="http://schemas.microsoft.com/office/drawing/2014/main" id="{D1EDB772-8065-4828-A27D-6228CE6AAF6B}"/>
+          <p:cNvPr id="6" name="Rectangle: Rounded Corners 5">
+            <a:extLst>
+              <a:ext uri="{FF2B5EF4-FFF2-40B4-BE49-F238E27FC236}">
+                <a16:creationId xmlns:a16="http://schemas.microsoft.com/office/drawing/2014/main" xmlns="" id="{8C0E71C0-F594-4C5F-BBD3-11F577544DEE}"/>
               </a:ext>
             </a:extLst>
           </p:cNvPr>
@@ -4216,13 +4726,18 @@
         </p:nvSpPr>
         <p:spPr>
           <a:xfrm>
-            <a:off x="998806" y="1477108"/>
-            <a:ext cx="10515600" cy="4881489"/>
-          </a:xfrm>
-          <a:prstGeom prst="rect">
+            <a:off x="717452" y="759655"/>
+            <a:ext cx="1758462" cy="731520"/>
+          </a:xfrm>
+          <a:prstGeom prst="roundRect">
             <a:avLst/>
           </a:prstGeom>
           <a:noFill/>
+          <a:ln>
+            <a:solidFill>
+              <a:schemeClr val="tx1"/>
+            </a:solidFill>
+          </a:ln>
         </p:spPr>
         <p:style>
           <a:lnRef idx="2">
@@ -4245,16 +4760,23 @@
           <a:lstStyle/>
           <a:p>
             <a:pPr algn="ctr"/>
-            <a:endParaRPr lang="id-ID"/>
-          </a:p>
-        </p:txBody>
-      </p:sp>
-      <p:sp>
-        <p:nvSpPr>
-          <p:cNvPr id="5" name="Rectangle 4">
-            <a:extLst>
-              <a:ext uri="{FF2B5EF4-FFF2-40B4-BE49-F238E27FC236}">
-                <a16:creationId xmlns:a16="http://schemas.microsoft.com/office/drawing/2014/main" id="{FF2A5A45-7006-4975-831A-FAF2EDBB961B}"/>
+            <a:r>
+              <a:rPr lang="id-ID" dirty="0">
+                <a:solidFill>
+                  <a:schemeClr val="tx1"/>
+                </a:solidFill>
+              </a:rPr>
+              <a:t>Input Data Hibah</a:t>
+            </a:r>
+          </a:p>
+        </p:txBody>
+      </p:sp>
+      <p:sp>
+        <p:nvSpPr>
+          <p:cNvPr id="8" name="Diamond 7">
+            <a:extLst>
+              <a:ext uri="{FF2B5EF4-FFF2-40B4-BE49-F238E27FC236}">
+                <a16:creationId xmlns:a16="http://schemas.microsoft.com/office/drawing/2014/main" xmlns="" id="{9A16CCE1-C0CB-4DA3-9313-A22B6451B26D}"/>
               </a:ext>
             </a:extLst>
           </p:cNvPr>
@@ -4263,12 +4785,18 @@
         </p:nvSpPr>
         <p:spPr>
           <a:xfrm>
-            <a:off x="998806" y="1477108"/>
-            <a:ext cx="2363372" cy="4881489"/>
-          </a:xfrm>
-          <a:prstGeom prst="rect">
+            <a:off x="5266004" y="414996"/>
+            <a:ext cx="1463041" cy="1420838"/>
+          </a:xfrm>
+          <a:prstGeom prst="diamond">
             <a:avLst/>
           </a:prstGeom>
+          <a:noFill/>
+          <a:ln>
+            <a:solidFill>
+              <a:schemeClr val="tx1"/>
+            </a:solidFill>
+          </a:ln>
         </p:spPr>
         <p:style>
           <a:lnRef idx="2">
@@ -4291,16 +4819,849 @@
           <a:lstStyle/>
           <a:p>
             <a:pPr algn="ctr"/>
+            <a:r>
+              <a:rPr lang="id-ID" sz="1200" dirty="0">
+                <a:solidFill>
+                  <a:schemeClr val="tx1"/>
+                </a:solidFill>
+              </a:rPr>
+              <a:t>Pengklasifikasian</a:t>
+            </a:r>
+          </a:p>
+        </p:txBody>
+      </p:sp>
+      <p:sp>
+        <p:nvSpPr>
+          <p:cNvPr id="9" name="Flowchart: Multidocument 8">
+            <a:extLst>
+              <a:ext uri="{FF2B5EF4-FFF2-40B4-BE49-F238E27FC236}">
+                <a16:creationId xmlns:a16="http://schemas.microsoft.com/office/drawing/2014/main" xmlns="" id="{96667658-B2B4-404B-ADBB-3D52A973EA42}"/>
+              </a:ext>
+            </a:extLst>
+          </p:cNvPr>
+          <p:cNvSpPr/>
+          <p:nvPr/>
+        </p:nvSpPr>
+        <p:spPr>
+          <a:xfrm>
+            <a:off x="808892" y="2827606"/>
+            <a:ext cx="1575581" cy="900333"/>
+          </a:xfrm>
+          <a:prstGeom prst="flowChartMultidocument">
+            <a:avLst/>
+          </a:prstGeom>
+          <a:noFill/>
+          <a:ln>
+            <a:solidFill>
+              <a:schemeClr val="tx1"/>
+            </a:solidFill>
+          </a:ln>
+        </p:spPr>
+        <p:style>
+          <a:lnRef idx="2">
+            <a:schemeClr val="accent1">
+              <a:shade val="50000"/>
+            </a:schemeClr>
+          </a:lnRef>
+          <a:fillRef idx="1">
+            <a:schemeClr val="accent1"/>
+          </a:fillRef>
+          <a:effectRef idx="0">
+            <a:schemeClr val="accent1"/>
+          </a:effectRef>
+          <a:fontRef idx="minor">
+            <a:schemeClr val="lt1"/>
+          </a:fontRef>
+        </p:style>
+        <p:txBody>
+          <a:bodyPr rtlCol="0" anchor="ctr"/>
+          <a:lstStyle/>
+          <a:p>
+            <a:pPr algn="ctr"/>
+            <a:r>
+              <a:rPr lang="id-ID" dirty="0">
+                <a:solidFill>
+                  <a:schemeClr val="tx1"/>
+                </a:solidFill>
+              </a:rPr>
+              <a:t>Ijin Prinsip </a:t>
+            </a:r>
+          </a:p>
+        </p:txBody>
+      </p:sp>
+      <p:sp>
+        <p:nvSpPr>
+          <p:cNvPr id="10" name="Flowchart: Multidocument 9">
+            <a:extLst>
+              <a:ext uri="{FF2B5EF4-FFF2-40B4-BE49-F238E27FC236}">
+                <a16:creationId xmlns:a16="http://schemas.microsoft.com/office/drawing/2014/main" xmlns="" id="{6FAB9996-3AE1-428C-A0FB-DAFAC8D662B3}"/>
+              </a:ext>
+            </a:extLst>
+          </p:cNvPr>
+          <p:cNvSpPr/>
+          <p:nvPr/>
+        </p:nvSpPr>
+        <p:spPr>
+          <a:xfrm>
+            <a:off x="3690423" y="2863946"/>
+            <a:ext cx="1575581" cy="900333"/>
+          </a:xfrm>
+          <a:prstGeom prst="flowChartMultidocument">
+            <a:avLst/>
+          </a:prstGeom>
+          <a:noFill/>
+          <a:ln>
+            <a:solidFill>
+              <a:schemeClr val="tx1"/>
+            </a:solidFill>
+          </a:ln>
+        </p:spPr>
+        <p:style>
+          <a:lnRef idx="2">
+            <a:schemeClr val="accent1">
+              <a:shade val="50000"/>
+            </a:schemeClr>
+          </a:lnRef>
+          <a:fillRef idx="1">
+            <a:schemeClr val="accent1"/>
+          </a:fillRef>
+          <a:effectRef idx="0">
+            <a:schemeClr val="accent1"/>
+          </a:effectRef>
+          <a:fontRef idx="minor">
+            <a:schemeClr val="lt1"/>
+          </a:fontRef>
+        </p:style>
+        <p:txBody>
+          <a:bodyPr rtlCol="0" anchor="ctr"/>
+          <a:lstStyle/>
+          <a:p>
+            <a:pPr algn="ctr"/>
+            <a:r>
+              <a:rPr lang="id-ID" dirty="0">
+                <a:solidFill>
+                  <a:schemeClr val="tx1"/>
+                </a:solidFill>
+              </a:rPr>
+              <a:t>Persetujuan</a:t>
+            </a:r>
+          </a:p>
+        </p:txBody>
+      </p:sp>
+      <p:sp>
+        <p:nvSpPr>
+          <p:cNvPr id="11" name="Flowchart: Multidocument 10">
+            <a:extLst>
+              <a:ext uri="{FF2B5EF4-FFF2-40B4-BE49-F238E27FC236}">
+                <a16:creationId xmlns:a16="http://schemas.microsoft.com/office/drawing/2014/main" xmlns="" id="{922EAAF6-37C3-4532-8C51-386660671B18}"/>
+              </a:ext>
+            </a:extLst>
+          </p:cNvPr>
+          <p:cNvSpPr/>
+          <p:nvPr/>
+        </p:nvSpPr>
+        <p:spPr>
+          <a:xfrm>
+            <a:off x="6349219" y="2863946"/>
+            <a:ext cx="1575581" cy="900333"/>
+          </a:xfrm>
+          <a:prstGeom prst="flowChartMultidocument">
+            <a:avLst/>
+          </a:prstGeom>
+          <a:noFill/>
+          <a:ln>
+            <a:solidFill>
+              <a:schemeClr val="tx1"/>
+            </a:solidFill>
+          </a:ln>
+        </p:spPr>
+        <p:style>
+          <a:lnRef idx="2">
+            <a:schemeClr val="accent1">
+              <a:shade val="50000"/>
+            </a:schemeClr>
+          </a:lnRef>
+          <a:fillRef idx="1">
+            <a:schemeClr val="accent1"/>
+          </a:fillRef>
+          <a:effectRef idx="0">
+            <a:schemeClr val="accent1"/>
+          </a:effectRef>
+          <a:fontRef idx="minor">
+            <a:schemeClr val="lt1"/>
+          </a:fontRef>
+        </p:style>
+        <p:txBody>
+          <a:bodyPr rtlCol="0" anchor="ctr"/>
+          <a:lstStyle/>
+          <a:p>
+            <a:pPr algn="ctr"/>
+            <a:r>
+              <a:rPr lang="id-ID" dirty="0">
+                <a:solidFill>
+                  <a:schemeClr val="tx1"/>
+                </a:solidFill>
+              </a:rPr>
+              <a:t>Usulan &lt; 10M</a:t>
+            </a:r>
+          </a:p>
+        </p:txBody>
+      </p:sp>
+      <p:sp>
+        <p:nvSpPr>
+          <p:cNvPr id="12" name="Flowchart: Multidocument 11">
+            <a:extLst>
+              <a:ext uri="{FF2B5EF4-FFF2-40B4-BE49-F238E27FC236}">
+                <a16:creationId xmlns:a16="http://schemas.microsoft.com/office/drawing/2014/main" xmlns="" id="{3C8B9359-06F2-468C-B983-4919E443859F}"/>
+              </a:ext>
+            </a:extLst>
+          </p:cNvPr>
+          <p:cNvSpPr/>
+          <p:nvPr/>
+        </p:nvSpPr>
+        <p:spPr>
+          <a:xfrm>
+            <a:off x="9202616" y="2863946"/>
+            <a:ext cx="1575581" cy="900333"/>
+          </a:xfrm>
+          <a:prstGeom prst="flowChartMultidocument">
+            <a:avLst/>
+          </a:prstGeom>
+          <a:noFill/>
+          <a:ln>
+            <a:solidFill>
+              <a:schemeClr val="tx1"/>
+            </a:solidFill>
+          </a:ln>
+        </p:spPr>
+        <p:style>
+          <a:lnRef idx="2">
+            <a:schemeClr val="accent1">
+              <a:shade val="50000"/>
+            </a:schemeClr>
+          </a:lnRef>
+          <a:fillRef idx="1">
+            <a:schemeClr val="accent1"/>
+          </a:fillRef>
+          <a:effectRef idx="0">
+            <a:schemeClr val="accent1"/>
+          </a:effectRef>
+          <a:fontRef idx="minor">
+            <a:schemeClr val="lt1"/>
+          </a:fontRef>
+        </p:style>
+        <p:txBody>
+          <a:bodyPr rtlCol="0" anchor="ctr"/>
+          <a:lstStyle/>
+          <a:p>
+            <a:pPr algn="ctr"/>
+            <a:r>
+              <a:rPr lang="id-ID" dirty="0">
+                <a:solidFill>
+                  <a:schemeClr val="tx1"/>
+                </a:solidFill>
+              </a:rPr>
+              <a:t>Usulan &gt; 10M</a:t>
+            </a:r>
+          </a:p>
+        </p:txBody>
+      </p:sp>
+      <p:sp>
+        <p:nvSpPr>
+          <p:cNvPr id="13" name="Flowchart: Multidocument 12">
+            <a:extLst>
+              <a:ext uri="{FF2B5EF4-FFF2-40B4-BE49-F238E27FC236}">
+                <a16:creationId xmlns:a16="http://schemas.microsoft.com/office/drawing/2014/main" xmlns="" id="{4FD948B7-E85D-4FCF-8203-0C7B870957B5}"/>
+              </a:ext>
+            </a:extLst>
+          </p:cNvPr>
+          <p:cNvSpPr/>
+          <p:nvPr/>
+        </p:nvSpPr>
+        <p:spPr>
+          <a:xfrm>
+            <a:off x="4773638" y="5178081"/>
+            <a:ext cx="1575581" cy="900333"/>
+          </a:xfrm>
+          <a:prstGeom prst="flowChartMultidocument">
+            <a:avLst/>
+          </a:prstGeom>
+          <a:noFill/>
+          <a:ln>
+            <a:solidFill>
+              <a:schemeClr val="tx1"/>
+            </a:solidFill>
+          </a:ln>
+        </p:spPr>
+        <p:style>
+          <a:lnRef idx="2">
+            <a:schemeClr val="accent1">
+              <a:shade val="50000"/>
+            </a:schemeClr>
+          </a:lnRef>
+          <a:fillRef idx="1">
+            <a:schemeClr val="accent1"/>
+          </a:fillRef>
+          <a:effectRef idx="0">
+            <a:schemeClr val="accent1"/>
+          </a:effectRef>
+          <a:fontRef idx="minor">
+            <a:schemeClr val="lt1"/>
+          </a:fontRef>
+        </p:style>
+        <p:txBody>
+          <a:bodyPr rtlCol="0" anchor="ctr"/>
+          <a:lstStyle/>
+          <a:p>
+            <a:pPr algn="ctr"/>
+            <a:r>
+              <a:rPr lang="id-ID" dirty="0">
+                <a:solidFill>
+                  <a:schemeClr val="tx1"/>
+                </a:solidFill>
+              </a:rPr>
+              <a:t>Reporting</a:t>
+            </a:r>
+          </a:p>
+        </p:txBody>
+      </p:sp>
+      <p:cxnSp>
+        <p:nvCxnSpPr>
+          <p:cNvPr id="17" name="Straight Arrow Connector 16">
+            <a:extLst>
+              <a:ext uri="{FF2B5EF4-FFF2-40B4-BE49-F238E27FC236}">
+                <a16:creationId xmlns:a16="http://schemas.microsoft.com/office/drawing/2014/main" xmlns="" id="{A8C70CEE-2CF6-4007-B72F-6528277D8CB7}"/>
+              </a:ext>
+            </a:extLst>
+          </p:cNvPr>
+          <p:cNvCxnSpPr>
+            <a:stCxn id="6" idx="3"/>
+            <a:endCxn id="8" idx="1"/>
+          </p:cNvCxnSpPr>
+          <p:nvPr/>
+        </p:nvCxnSpPr>
+        <p:spPr>
+          <a:xfrm>
+            <a:off x="2475914" y="1125415"/>
+            <a:ext cx="2790090" cy="0"/>
+          </a:xfrm>
+          <a:prstGeom prst="straightConnector1">
+            <a:avLst/>
+          </a:prstGeom>
+          <a:ln>
+            <a:tailEnd type="triangle"/>
+          </a:ln>
+        </p:spPr>
+        <p:style>
+          <a:lnRef idx="1">
+            <a:schemeClr val="accent1"/>
+          </a:lnRef>
+          <a:fillRef idx="0">
+            <a:schemeClr val="accent1"/>
+          </a:fillRef>
+          <a:effectRef idx="0">
+            <a:schemeClr val="accent1"/>
+          </a:effectRef>
+          <a:fontRef idx="minor">
+            <a:schemeClr val="tx1"/>
+          </a:fontRef>
+        </p:style>
+      </p:cxnSp>
+      <p:cxnSp>
+        <p:nvCxnSpPr>
+          <p:cNvPr id="20" name="Connector: Elbow 19">
+            <a:extLst>
+              <a:ext uri="{FF2B5EF4-FFF2-40B4-BE49-F238E27FC236}">
+                <a16:creationId xmlns:a16="http://schemas.microsoft.com/office/drawing/2014/main" xmlns="" id="{B6A0F7B1-926D-4521-9410-022584E6DF18}"/>
+              </a:ext>
+            </a:extLst>
+          </p:cNvPr>
+          <p:cNvCxnSpPr>
+            <a:stCxn id="8" idx="2"/>
+            <a:endCxn id="9" idx="0"/>
+          </p:cNvCxnSpPr>
+          <p:nvPr/>
+        </p:nvCxnSpPr>
+        <p:spPr>
+          <a:xfrm rot="5400000">
+            <a:off x="3355415" y="185496"/>
+            <a:ext cx="991772" cy="4292448"/>
+          </a:xfrm>
+          <a:prstGeom prst="bentConnector3">
+            <a:avLst/>
+          </a:prstGeom>
+          <a:ln>
+            <a:tailEnd type="triangle"/>
+          </a:ln>
+        </p:spPr>
+        <p:style>
+          <a:lnRef idx="1">
+            <a:schemeClr val="accent1"/>
+          </a:lnRef>
+          <a:fillRef idx="0">
+            <a:schemeClr val="accent1"/>
+          </a:fillRef>
+          <a:effectRef idx="0">
+            <a:schemeClr val="accent1"/>
+          </a:effectRef>
+          <a:fontRef idx="minor">
+            <a:schemeClr val="tx1"/>
+          </a:fontRef>
+        </p:style>
+      </p:cxnSp>
+      <p:cxnSp>
+        <p:nvCxnSpPr>
+          <p:cNvPr id="24" name="Connector: Elbow 23">
+            <a:extLst>
+              <a:ext uri="{FF2B5EF4-FFF2-40B4-BE49-F238E27FC236}">
+                <a16:creationId xmlns:a16="http://schemas.microsoft.com/office/drawing/2014/main" xmlns="" id="{2B8D5DC1-4BB4-4841-97AE-563CF2EC49F3}"/>
+              </a:ext>
+            </a:extLst>
+          </p:cNvPr>
+          <p:cNvCxnSpPr>
+            <a:stCxn id="8" idx="2"/>
+            <a:endCxn id="10" idx="0"/>
+          </p:cNvCxnSpPr>
+          <p:nvPr/>
+        </p:nvCxnSpPr>
+        <p:spPr>
+          <a:xfrm rot="5400000">
+            <a:off x="4778011" y="1644432"/>
+            <a:ext cx="1028112" cy="1410917"/>
+          </a:xfrm>
+          <a:prstGeom prst="bentConnector3">
+            <a:avLst/>
+          </a:prstGeom>
+          <a:ln>
+            <a:tailEnd type="triangle"/>
+          </a:ln>
+        </p:spPr>
+        <p:style>
+          <a:lnRef idx="1">
+            <a:schemeClr val="accent1"/>
+          </a:lnRef>
+          <a:fillRef idx="0">
+            <a:schemeClr val="accent1"/>
+          </a:fillRef>
+          <a:effectRef idx="0">
+            <a:schemeClr val="accent1"/>
+          </a:effectRef>
+          <a:fontRef idx="minor">
+            <a:schemeClr val="tx1"/>
+          </a:fontRef>
+        </p:style>
+      </p:cxnSp>
+      <p:cxnSp>
+        <p:nvCxnSpPr>
+          <p:cNvPr id="28" name="Connector: Elbow 27">
+            <a:extLst>
+              <a:ext uri="{FF2B5EF4-FFF2-40B4-BE49-F238E27FC236}">
+                <a16:creationId xmlns:a16="http://schemas.microsoft.com/office/drawing/2014/main" xmlns="" id="{31E96A40-36FD-4D41-AA8D-4ACAD9995DE0}"/>
+              </a:ext>
+            </a:extLst>
+          </p:cNvPr>
+          <p:cNvCxnSpPr>
+            <a:stCxn id="8" idx="2"/>
+            <a:endCxn id="11" idx="0"/>
+          </p:cNvCxnSpPr>
+          <p:nvPr/>
+        </p:nvCxnSpPr>
+        <p:spPr>
+          <a:xfrm rot="16200000" flipH="1">
+            <a:off x="6107408" y="1725950"/>
+            <a:ext cx="1028112" cy="1247879"/>
+          </a:xfrm>
+          <a:prstGeom prst="bentConnector3">
+            <a:avLst/>
+          </a:prstGeom>
+          <a:ln>
+            <a:tailEnd type="triangle"/>
+          </a:ln>
+        </p:spPr>
+        <p:style>
+          <a:lnRef idx="1">
+            <a:schemeClr val="accent1"/>
+          </a:lnRef>
+          <a:fillRef idx="0">
+            <a:schemeClr val="accent1"/>
+          </a:fillRef>
+          <a:effectRef idx="0">
+            <a:schemeClr val="accent1"/>
+          </a:effectRef>
+          <a:fontRef idx="minor">
+            <a:schemeClr val="tx1"/>
+          </a:fontRef>
+        </p:style>
+      </p:cxnSp>
+      <p:cxnSp>
+        <p:nvCxnSpPr>
+          <p:cNvPr id="30" name="Connector: Elbow 29">
+            <a:extLst>
+              <a:ext uri="{FF2B5EF4-FFF2-40B4-BE49-F238E27FC236}">
+                <a16:creationId xmlns:a16="http://schemas.microsoft.com/office/drawing/2014/main" xmlns="" id="{AD1E0A69-1A5F-4C1C-8C2A-056750CDE441}"/>
+              </a:ext>
+            </a:extLst>
+          </p:cNvPr>
+          <p:cNvCxnSpPr>
+            <a:stCxn id="8" idx="2"/>
+            <a:endCxn id="12" idx="0"/>
+          </p:cNvCxnSpPr>
+          <p:nvPr/>
+        </p:nvCxnSpPr>
+        <p:spPr>
+          <a:xfrm rot="16200000" flipH="1">
+            <a:off x="7534107" y="299252"/>
+            <a:ext cx="1028112" cy="4101276"/>
+          </a:xfrm>
+          <a:prstGeom prst="bentConnector3">
+            <a:avLst/>
+          </a:prstGeom>
+          <a:ln>
+            <a:tailEnd type="triangle"/>
+          </a:ln>
+        </p:spPr>
+        <p:style>
+          <a:lnRef idx="1">
+            <a:schemeClr val="accent1"/>
+          </a:lnRef>
+          <a:fillRef idx="0">
+            <a:schemeClr val="accent1"/>
+          </a:fillRef>
+          <a:effectRef idx="0">
+            <a:schemeClr val="accent1"/>
+          </a:effectRef>
+          <a:fontRef idx="minor">
+            <a:schemeClr val="tx1"/>
+          </a:fontRef>
+        </p:style>
+      </p:cxnSp>
+      <p:cxnSp>
+        <p:nvCxnSpPr>
+          <p:cNvPr id="34" name="Connector: Elbow 33">
+            <a:extLst>
+              <a:ext uri="{FF2B5EF4-FFF2-40B4-BE49-F238E27FC236}">
+                <a16:creationId xmlns:a16="http://schemas.microsoft.com/office/drawing/2014/main" xmlns="" id="{FA71474F-83B1-46D6-87CB-79DC2EFA5456}"/>
+              </a:ext>
+            </a:extLst>
+          </p:cNvPr>
+          <p:cNvCxnSpPr>
+            <a:stCxn id="9" idx="2"/>
+            <a:endCxn id="13" idx="1"/>
+          </p:cNvCxnSpPr>
+          <p:nvPr/>
+        </p:nvCxnSpPr>
+        <p:spPr>
+          <a:xfrm rot="16200000" flipH="1">
+            <a:off x="2163177" y="3017786"/>
+            <a:ext cx="1934405" cy="3286517"/>
+          </a:xfrm>
+          <a:prstGeom prst="bentConnector2">
+            <a:avLst/>
+          </a:prstGeom>
+          <a:ln>
+            <a:tailEnd type="triangle"/>
+          </a:ln>
+        </p:spPr>
+        <p:style>
+          <a:lnRef idx="1">
+            <a:schemeClr val="accent1"/>
+          </a:lnRef>
+          <a:fillRef idx="0">
+            <a:schemeClr val="accent1"/>
+          </a:fillRef>
+          <a:effectRef idx="0">
+            <a:schemeClr val="accent1"/>
+          </a:effectRef>
+          <a:fontRef idx="minor">
+            <a:schemeClr val="tx1"/>
+          </a:fontRef>
+        </p:style>
+      </p:cxnSp>
+      <p:cxnSp>
+        <p:nvCxnSpPr>
+          <p:cNvPr id="36" name="Connector: Elbow 35">
+            <a:extLst>
+              <a:ext uri="{FF2B5EF4-FFF2-40B4-BE49-F238E27FC236}">
+                <a16:creationId xmlns:a16="http://schemas.microsoft.com/office/drawing/2014/main" xmlns="" id="{881D3860-3148-441C-9605-B252C7B5880D}"/>
+              </a:ext>
+            </a:extLst>
+          </p:cNvPr>
+          <p:cNvCxnSpPr>
+            <a:cxnSpLocks/>
+            <a:stCxn id="10" idx="2"/>
+            <a:endCxn id="13" idx="0"/>
+          </p:cNvCxnSpPr>
+          <p:nvPr/>
+        </p:nvCxnSpPr>
+        <p:spPr>
+          <a:xfrm rot="16200000" flipH="1">
+            <a:off x="4295288" y="3803546"/>
+            <a:ext cx="1447898" cy="1301171"/>
+          </a:xfrm>
+          <a:prstGeom prst="bentConnector3">
+            <a:avLst/>
+          </a:prstGeom>
+          <a:ln>
+            <a:tailEnd type="triangle"/>
+          </a:ln>
+        </p:spPr>
+        <p:style>
+          <a:lnRef idx="1">
+            <a:schemeClr val="accent1"/>
+          </a:lnRef>
+          <a:fillRef idx="0">
+            <a:schemeClr val="accent1"/>
+          </a:fillRef>
+          <a:effectRef idx="0">
+            <a:schemeClr val="accent1"/>
+          </a:effectRef>
+          <a:fontRef idx="minor">
+            <a:schemeClr val="tx1"/>
+          </a:fontRef>
+        </p:style>
+      </p:cxnSp>
+      <p:cxnSp>
+        <p:nvCxnSpPr>
+          <p:cNvPr id="40" name="Connector: Elbow 39">
+            <a:extLst>
+              <a:ext uri="{FF2B5EF4-FFF2-40B4-BE49-F238E27FC236}">
+                <a16:creationId xmlns:a16="http://schemas.microsoft.com/office/drawing/2014/main" xmlns="" id="{723BB7A6-4B32-4132-8945-335316553E1B}"/>
+              </a:ext>
+            </a:extLst>
+          </p:cNvPr>
+          <p:cNvCxnSpPr>
+            <a:stCxn id="11" idx="2"/>
+            <a:endCxn id="13" idx="0"/>
+          </p:cNvCxnSpPr>
+          <p:nvPr/>
+        </p:nvCxnSpPr>
+        <p:spPr>
+          <a:xfrm rot="5400000">
+            <a:off x="5624687" y="3775320"/>
+            <a:ext cx="1447898" cy="1357625"/>
+          </a:xfrm>
+          <a:prstGeom prst="bentConnector3">
+            <a:avLst/>
+          </a:prstGeom>
+          <a:ln>
+            <a:tailEnd type="triangle"/>
+          </a:ln>
+        </p:spPr>
+        <p:style>
+          <a:lnRef idx="1">
+            <a:schemeClr val="accent1"/>
+          </a:lnRef>
+          <a:fillRef idx="0">
+            <a:schemeClr val="accent1"/>
+          </a:fillRef>
+          <a:effectRef idx="0">
+            <a:schemeClr val="accent1"/>
+          </a:effectRef>
+          <a:fontRef idx="minor">
+            <a:schemeClr val="tx1"/>
+          </a:fontRef>
+        </p:style>
+      </p:cxnSp>
+      <p:cxnSp>
+        <p:nvCxnSpPr>
+          <p:cNvPr id="42" name="Connector: Elbow 41">
+            <a:extLst>
+              <a:ext uri="{FF2B5EF4-FFF2-40B4-BE49-F238E27FC236}">
+                <a16:creationId xmlns:a16="http://schemas.microsoft.com/office/drawing/2014/main" xmlns="" id="{C797AFCE-680C-4085-9EDA-5E26847F15E9}"/>
+              </a:ext>
+            </a:extLst>
+          </p:cNvPr>
+          <p:cNvCxnSpPr>
+            <a:cxnSpLocks/>
+            <a:stCxn id="12" idx="2"/>
+            <a:endCxn id="13" idx="3"/>
+          </p:cNvCxnSpPr>
+          <p:nvPr/>
+        </p:nvCxnSpPr>
+        <p:spPr>
+          <a:xfrm rot="5400000">
+            <a:off x="7166000" y="2913402"/>
+            <a:ext cx="1898065" cy="3531626"/>
+          </a:xfrm>
+          <a:prstGeom prst="bentConnector2">
+            <a:avLst/>
+          </a:prstGeom>
+          <a:ln>
+            <a:tailEnd type="triangle"/>
+          </a:ln>
+        </p:spPr>
+        <p:style>
+          <a:lnRef idx="1">
+            <a:schemeClr val="accent1"/>
+          </a:lnRef>
+          <a:fillRef idx="0">
+            <a:schemeClr val="accent1"/>
+          </a:fillRef>
+          <a:effectRef idx="0">
+            <a:schemeClr val="accent1"/>
+          </a:effectRef>
+          <a:fontRef idx="minor">
+            <a:schemeClr val="tx1"/>
+          </a:fontRef>
+        </p:style>
+      </p:cxnSp>
+    </p:spTree>
+    <p:extLst>
+      <p:ext uri="{BB962C8B-B14F-4D97-AF65-F5344CB8AC3E}">
+        <p14:creationId xmlns:p14="http://schemas.microsoft.com/office/powerpoint/2010/main" val="787825701"/>
+      </p:ext>
+    </p:extLst>
+  </p:cSld>
+  <p:clrMapOvr>
+    <a:masterClrMapping/>
+  </p:clrMapOvr>
+</p:sld>
+</file>
+
+<file path=ppt/slides/slide3.xml><?xml version="1.0" encoding="utf-8"?>
+<p:sld xmlns:a="http://schemas.openxmlformats.org/drawingml/2006/main" xmlns:r="http://schemas.openxmlformats.org/officeDocument/2006/relationships" xmlns:p="http://schemas.openxmlformats.org/presentationml/2006/main">
+  <p:cSld>
+    <p:spTree>
+      <p:nvGrpSpPr>
+        <p:cNvPr id="1" name=""/>
+        <p:cNvGrpSpPr/>
+        <p:nvPr/>
+      </p:nvGrpSpPr>
+      <p:grpSpPr>
+        <a:xfrm>
+          <a:off x="0" y="0"/>
+          <a:ext cx="0" cy="0"/>
+          <a:chOff x="0" y="0"/>
+          <a:chExt cx="0" cy="0"/>
+        </a:xfrm>
+      </p:grpSpPr>
+      <p:sp>
+        <p:nvSpPr>
+          <p:cNvPr id="2" name="Title 1">
+            <a:extLst>
+              <a:ext uri="{FF2B5EF4-FFF2-40B4-BE49-F238E27FC236}">
+                <a16:creationId xmlns:a16="http://schemas.microsoft.com/office/drawing/2014/main" xmlns="" id="{DF630A1A-59D1-4AFB-89C7-32D2A79125F4}"/>
+              </a:ext>
+            </a:extLst>
+          </p:cNvPr>
+          <p:cNvSpPr>
+            <a:spLocks noGrp="1"/>
+          </p:cNvSpPr>
+          <p:nvPr>
+            <p:ph type="title"/>
+          </p:nvPr>
+        </p:nvSpPr>
+        <p:spPr/>
+        <p:txBody>
+          <a:bodyPr/>
+          <a:lstStyle/>
+          <a:p>
+            <a:r>
+              <a:rPr lang="id-ID" dirty="0"/>
+              <a:t>Input data</a:t>
+            </a:r>
+          </a:p>
+        </p:txBody>
+      </p:sp>
+      <p:sp>
+        <p:nvSpPr>
+          <p:cNvPr id="4" name="Rectangle 3">
+            <a:extLst>
+              <a:ext uri="{FF2B5EF4-FFF2-40B4-BE49-F238E27FC236}">
+                <a16:creationId xmlns:a16="http://schemas.microsoft.com/office/drawing/2014/main" xmlns="" id="{D1EDB772-8065-4828-A27D-6228CE6AAF6B}"/>
+              </a:ext>
+            </a:extLst>
+          </p:cNvPr>
+          <p:cNvSpPr/>
+          <p:nvPr/>
+        </p:nvSpPr>
+        <p:spPr>
+          <a:xfrm>
+            <a:off x="998806" y="1477108"/>
+            <a:ext cx="10515600" cy="4881489"/>
+          </a:xfrm>
+          <a:prstGeom prst="rect">
+            <a:avLst/>
+          </a:prstGeom>
+          <a:noFill/>
+        </p:spPr>
+        <p:style>
+          <a:lnRef idx="2">
+            <a:schemeClr val="accent1">
+              <a:shade val="50000"/>
+            </a:schemeClr>
+          </a:lnRef>
+          <a:fillRef idx="1">
+            <a:schemeClr val="accent1"/>
+          </a:fillRef>
+          <a:effectRef idx="0">
+            <a:schemeClr val="accent1"/>
+          </a:effectRef>
+          <a:fontRef idx="minor">
+            <a:schemeClr val="lt1"/>
+          </a:fontRef>
+        </p:style>
+        <p:txBody>
+          <a:bodyPr rtlCol="0" anchor="ctr"/>
+          <a:lstStyle/>
+          <a:p>
+            <a:pPr algn="ctr"/>
             <a:endParaRPr lang="id-ID"/>
           </a:p>
         </p:txBody>
       </p:sp>
       <p:sp>
         <p:nvSpPr>
+          <p:cNvPr id="5" name="Rectangle 4">
+            <a:extLst>
+              <a:ext uri="{FF2B5EF4-FFF2-40B4-BE49-F238E27FC236}">
+                <a16:creationId xmlns:a16="http://schemas.microsoft.com/office/drawing/2014/main" xmlns="" id="{FF2A5A45-7006-4975-831A-FAF2EDBB961B}"/>
+              </a:ext>
+            </a:extLst>
+          </p:cNvPr>
+          <p:cNvSpPr/>
+          <p:nvPr/>
+        </p:nvSpPr>
+        <p:spPr>
+          <a:xfrm>
+            <a:off x="998806" y="1477108"/>
+            <a:ext cx="2363372" cy="4881489"/>
+          </a:xfrm>
+          <a:prstGeom prst="rect">
+            <a:avLst/>
+          </a:prstGeom>
+        </p:spPr>
+        <p:style>
+          <a:lnRef idx="2">
+            <a:schemeClr val="accent1">
+              <a:shade val="50000"/>
+            </a:schemeClr>
+          </a:lnRef>
+          <a:fillRef idx="1">
+            <a:schemeClr val="accent1"/>
+          </a:fillRef>
+          <a:effectRef idx="0">
+            <a:schemeClr val="accent1"/>
+          </a:effectRef>
+          <a:fontRef idx="minor">
+            <a:schemeClr val="lt1"/>
+          </a:fontRef>
+        </p:style>
+        <p:txBody>
+          <a:bodyPr rtlCol="0" anchor="ctr"/>
+          <a:lstStyle/>
+          <a:p>
+            <a:pPr algn="ctr"/>
+            <a:endParaRPr lang="id-ID"/>
+          </a:p>
+        </p:txBody>
+      </p:sp>
+      <p:sp>
+        <p:nvSpPr>
           <p:cNvPr id="6" name="Rectangle 5">
             <a:extLst>
               <a:ext uri="{FF2B5EF4-FFF2-40B4-BE49-F238E27FC236}">
-                <a16:creationId xmlns:a16="http://schemas.microsoft.com/office/drawing/2014/main" id="{DBBE47A0-84FE-4800-A118-88F289FBF2D8}"/>
+                <a16:creationId xmlns:a16="http://schemas.microsoft.com/office/drawing/2014/main" xmlns="" id="{DBBE47A0-84FE-4800-A118-88F289FBF2D8}"/>
               </a:ext>
             </a:extLst>
           </p:cNvPr>
@@ -4357,7 +5718,7 @@
           <p:cNvPr id="18" name="Group 17">
             <a:extLst>
               <a:ext uri="{FF2B5EF4-FFF2-40B4-BE49-F238E27FC236}">
-                <a16:creationId xmlns:a16="http://schemas.microsoft.com/office/drawing/2014/main" id="{0B7C0A45-A539-4F79-9E4F-6D5B7EFB087D}"/>
+                <a16:creationId xmlns:a16="http://schemas.microsoft.com/office/drawing/2014/main" xmlns="" id="{0B7C0A45-A539-4F79-9E4F-6D5B7EFB087D}"/>
               </a:ext>
             </a:extLst>
           </p:cNvPr>
@@ -4377,7 +5738,7 @@
             <p:cNvPr id="9" name="Straight Connector 8">
               <a:extLst>
                 <a:ext uri="{FF2B5EF4-FFF2-40B4-BE49-F238E27FC236}">
-                  <a16:creationId xmlns:a16="http://schemas.microsoft.com/office/drawing/2014/main" id="{772F457F-2CD8-476A-8424-D05E34F645EA}"/>
+                  <a16:creationId xmlns:a16="http://schemas.microsoft.com/office/drawing/2014/main" xmlns="" id="{772F457F-2CD8-476A-8424-D05E34F645EA}"/>
                 </a:ext>
               </a:extLst>
             </p:cNvPr>
@@ -4420,7 +5781,7 @@
             <p:cNvPr id="10" name="Straight Connector 9">
               <a:extLst>
                 <a:ext uri="{FF2B5EF4-FFF2-40B4-BE49-F238E27FC236}">
-                  <a16:creationId xmlns:a16="http://schemas.microsoft.com/office/drawing/2014/main" id="{1331DC01-A3DF-4AAD-8E5D-0B04E645B76D}"/>
+                  <a16:creationId xmlns:a16="http://schemas.microsoft.com/office/drawing/2014/main" xmlns="" id="{1331DC01-A3DF-4AAD-8E5D-0B04E645B76D}"/>
                 </a:ext>
               </a:extLst>
             </p:cNvPr>
@@ -4463,7 +5824,7 @@
             <p:cNvPr id="11" name="Straight Connector 10">
               <a:extLst>
                 <a:ext uri="{FF2B5EF4-FFF2-40B4-BE49-F238E27FC236}">
-                  <a16:creationId xmlns:a16="http://schemas.microsoft.com/office/drawing/2014/main" id="{34EF4646-5A37-421D-8915-C0779B77D28D}"/>
+                  <a16:creationId xmlns:a16="http://schemas.microsoft.com/office/drawing/2014/main" xmlns="" id="{34EF4646-5A37-421D-8915-C0779B77D28D}"/>
                 </a:ext>
               </a:extLst>
             </p:cNvPr>
@@ -4507,7 +5868,7 @@
           <p:cNvPr id="19" name="Rectangle 18">
             <a:extLst>
               <a:ext uri="{FF2B5EF4-FFF2-40B4-BE49-F238E27FC236}">
-                <a16:creationId xmlns:a16="http://schemas.microsoft.com/office/drawing/2014/main" id="{DB9117D8-A02D-448D-B41B-605B8FB6AE5C}"/>
+                <a16:creationId xmlns:a16="http://schemas.microsoft.com/office/drawing/2014/main" xmlns="" id="{DB9117D8-A02D-448D-B41B-605B8FB6AE5C}"/>
               </a:ext>
             </a:extLst>
           </p:cNvPr>
@@ -4554,7 +5915,7 @@
           <p:cNvPr id="20" name="Rectangle 19">
             <a:extLst>
               <a:ext uri="{FF2B5EF4-FFF2-40B4-BE49-F238E27FC236}">
-                <a16:creationId xmlns:a16="http://schemas.microsoft.com/office/drawing/2014/main" id="{276F49F9-89E0-419D-A66D-C38B602CBA0D}"/>
+                <a16:creationId xmlns:a16="http://schemas.microsoft.com/office/drawing/2014/main" xmlns="" id="{276F49F9-89E0-419D-A66D-C38B602CBA0D}"/>
               </a:ext>
             </a:extLst>
           </p:cNvPr>
@@ -4601,7 +5962,7 @@
           <p:cNvPr id="22" name="Rectangle 21">
             <a:extLst>
               <a:ext uri="{FF2B5EF4-FFF2-40B4-BE49-F238E27FC236}">
-                <a16:creationId xmlns:a16="http://schemas.microsoft.com/office/drawing/2014/main" id="{8303D623-0765-4677-BC05-1053A0916E84}"/>
+                <a16:creationId xmlns:a16="http://schemas.microsoft.com/office/drawing/2014/main" xmlns="" id="{8303D623-0765-4677-BC05-1053A0916E84}"/>
               </a:ext>
             </a:extLst>
           </p:cNvPr>
@@ -4658,7 +6019,7 @@
           <p:cNvPr id="23" name="Rectangle 22">
             <a:extLst>
               <a:ext uri="{FF2B5EF4-FFF2-40B4-BE49-F238E27FC236}">
-                <a16:creationId xmlns:a16="http://schemas.microsoft.com/office/drawing/2014/main" id="{50C454EE-A1C1-404F-BB42-00A26AB50BDC}"/>
+                <a16:creationId xmlns:a16="http://schemas.microsoft.com/office/drawing/2014/main" xmlns="" id="{50C454EE-A1C1-404F-BB42-00A26AB50BDC}"/>
               </a:ext>
             </a:extLst>
           </p:cNvPr>
@@ -4715,7 +6076,7 @@
           <p:cNvPr id="24" name="Rectangle 23">
             <a:extLst>
               <a:ext uri="{FF2B5EF4-FFF2-40B4-BE49-F238E27FC236}">
-                <a16:creationId xmlns:a16="http://schemas.microsoft.com/office/drawing/2014/main" id="{39B03324-C868-48DC-8DEB-76085DA3E4C1}"/>
+                <a16:creationId xmlns:a16="http://schemas.microsoft.com/office/drawing/2014/main" xmlns="" id="{39B03324-C868-48DC-8DEB-76085DA3E4C1}"/>
               </a:ext>
             </a:extLst>
           </p:cNvPr>
@@ -4772,7 +6133,7 @@
           <p:cNvPr id="25" name="Rectangle 24">
             <a:extLst>
               <a:ext uri="{FF2B5EF4-FFF2-40B4-BE49-F238E27FC236}">
-                <a16:creationId xmlns:a16="http://schemas.microsoft.com/office/drawing/2014/main" id="{C3D61909-D7AE-45A7-9D8E-A42BA972DE6C}"/>
+                <a16:creationId xmlns:a16="http://schemas.microsoft.com/office/drawing/2014/main" xmlns="" id="{C3D61909-D7AE-45A7-9D8E-A42BA972DE6C}"/>
               </a:ext>
             </a:extLst>
           </p:cNvPr>
@@ -4829,7 +6190,7 @@
           <p:cNvPr id="26" name="Rectangle: Rounded Corners 25">
             <a:extLst>
               <a:ext uri="{FF2B5EF4-FFF2-40B4-BE49-F238E27FC236}">
-                <a16:creationId xmlns:a16="http://schemas.microsoft.com/office/drawing/2014/main" id="{B2CB2C37-1CEC-4ECF-9912-7E2EE34358B6}"/>
+                <a16:creationId xmlns:a16="http://schemas.microsoft.com/office/drawing/2014/main" xmlns="" id="{B2CB2C37-1CEC-4ECF-9912-7E2EE34358B6}"/>
               </a:ext>
             </a:extLst>
           </p:cNvPr>
@@ -4912,7 +6273,7 @@
 </p:sld>
 </file>
 
-<file path=ppt/slides/slide3.xml><?xml version="1.0" encoding="utf-8"?>
+<file path=ppt/slides/slide4.xml><?xml version="1.0" encoding="utf-8"?>
 <p:sld xmlns:a="http://schemas.openxmlformats.org/drawingml/2006/main" xmlns:r="http://schemas.openxmlformats.org/officeDocument/2006/relationships" xmlns:p="http://schemas.openxmlformats.org/presentationml/2006/main">
   <p:cSld>
     <p:spTree>
@@ -4934,7 +6295,7 @@
           <p:cNvPr id="2" name="Title 1">
             <a:extLst>
               <a:ext uri="{FF2B5EF4-FFF2-40B4-BE49-F238E27FC236}">
-                <a16:creationId xmlns:a16="http://schemas.microsoft.com/office/drawing/2014/main" id="{DF630A1A-59D1-4AFB-89C7-32D2A79125F4}"/>
+                <a16:creationId xmlns:a16="http://schemas.microsoft.com/office/drawing/2014/main" xmlns="" id="{DF630A1A-59D1-4AFB-89C7-32D2A79125F4}"/>
               </a:ext>
             </a:extLst>
           </p:cNvPr>
@@ -4962,7 +6323,7 @@
           <p:cNvPr id="4" name="Rectangle 3">
             <a:extLst>
               <a:ext uri="{FF2B5EF4-FFF2-40B4-BE49-F238E27FC236}">
-                <a16:creationId xmlns:a16="http://schemas.microsoft.com/office/drawing/2014/main" id="{D1EDB772-8065-4828-A27D-6228CE6AAF6B}"/>
+                <a16:creationId xmlns:a16="http://schemas.microsoft.com/office/drawing/2014/main" xmlns="" id="{D1EDB772-8065-4828-A27D-6228CE6AAF6B}"/>
               </a:ext>
             </a:extLst>
           </p:cNvPr>
@@ -5009,7 +6370,7 @@
           <p:cNvPr id="5" name="Rectangle 4">
             <a:extLst>
               <a:ext uri="{FF2B5EF4-FFF2-40B4-BE49-F238E27FC236}">
-                <a16:creationId xmlns:a16="http://schemas.microsoft.com/office/drawing/2014/main" id="{FF2A5A45-7006-4975-831A-FAF2EDBB961B}"/>
+                <a16:creationId xmlns:a16="http://schemas.microsoft.com/office/drawing/2014/main" xmlns="" id="{FF2A5A45-7006-4975-831A-FAF2EDBB961B}"/>
               </a:ext>
             </a:extLst>
           </p:cNvPr>
@@ -5055,7 +6416,7 @@
           <p:cNvPr id="6" name="Rectangle 5">
             <a:extLst>
               <a:ext uri="{FF2B5EF4-FFF2-40B4-BE49-F238E27FC236}">
-                <a16:creationId xmlns:a16="http://schemas.microsoft.com/office/drawing/2014/main" id="{DBBE47A0-84FE-4800-A118-88F289FBF2D8}"/>
+                <a16:creationId xmlns:a16="http://schemas.microsoft.com/office/drawing/2014/main" xmlns="" id="{DBBE47A0-84FE-4800-A118-88F289FBF2D8}"/>
               </a:ext>
             </a:extLst>
           </p:cNvPr>
@@ -5112,7 +6473,7 @@
           <p:cNvPr id="18" name="Group 17">
             <a:extLst>
               <a:ext uri="{FF2B5EF4-FFF2-40B4-BE49-F238E27FC236}">
-                <a16:creationId xmlns:a16="http://schemas.microsoft.com/office/drawing/2014/main" id="{0B7C0A45-A539-4F79-9E4F-6D5B7EFB087D}"/>
+                <a16:creationId xmlns:a16="http://schemas.microsoft.com/office/drawing/2014/main" xmlns="" id="{0B7C0A45-A539-4F79-9E4F-6D5B7EFB087D}"/>
               </a:ext>
             </a:extLst>
           </p:cNvPr>
@@ -5132,7 +6493,7 @@
             <p:cNvPr id="9" name="Straight Connector 8">
               <a:extLst>
                 <a:ext uri="{FF2B5EF4-FFF2-40B4-BE49-F238E27FC236}">
-                  <a16:creationId xmlns:a16="http://schemas.microsoft.com/office/drawing/2014/main" id="{772F457F-2CD8-476A-8424-D05E34F645EA}"/>
+                  <a16:creationId xmlns:a16="http://schemas.microsoft.com/office/drawing/2014/main" xmlns="" id="{772F457F-2CD8-476A-8424-D05E34F645EA}"/>
                 </a:ext>
               </a:extLst>
             </p:cNvPr>
@@ -5175,7 +6536,7 @@
             <p:cNvPr id="10" name="Straight Connector 9">
               <a:extLst>
                 <a:ext uri="{FF2B5EF4-FFF2-40B4-BE49-F238E27FC236}">
-                  <a16:creationId xmlns:a16="http://schemas.microsoft.com/office/drawing/2014/main" id="{1331DC01-A3DF-4AAD-8E5D-0B04E645B76D}"/>
+                  <a16:creationId xmlns:a16="http://schemas.microsoft.com/office/drawing/2014/main" xmlns="" id="{1331DC01-A3DF-4AAD-8E5D-0B04E645B76D}"/>
                 </a:ext>
               </a:extLst>
             </p:cNvPr>
@@ -5218,7 +6579,7 @@
             <p:cNvPr id="11" name="Straight Connector 10">
               <a:extLst>
                 <a:ext uri="{FF2B5EF4-FFF2-40B4-BE49-F238E27FC236}">
-                  <a16:creationId xmlns:a16="http://schemas.microsoft.com/office/drawing/2014/main" id="{34EF4646-5A37-421D-8915-C0779B77D28D}"/>
+                  <a16:creationId xmlns:a16="http://schemas.microsoft.com/office/drawing/2014/main" xmlns="" id="{34EF4646-5A37-421D-8915-C0779B77D28D}"/>
                 </a:ext>
               </a:extLst>
             </p:cNvPr>
@@ -5262,7 +6623,7 @@
           <p:cNvPr id="19" name="Rectangle 18">
             <a:extLst>
               <a:ext uri="{FF2B5EF4-FFF2-40B4-BE49-F238E27FC236}">
-                <a16:creationId xmlns:a16="http://schemas.microsoft.com/office/drawing/2014/main" id="{DB9117D8-A02D-448D-B41B-605B8FB6AE5C}"/>
+                <a16:creationId xmlns:a16="http://schemas.microsoft.com/office/drawing/2014/main" xmlns="" id="{DB9117D8-A02D-448D-B41B-605B8FB6AE5C}"/>
               </a:ext>
             </a:extLst>
           </p:cNvPr>
@@ -5309,7 +6670,7 @@
           <p:cNvPr id="20" name="Rectangle 19">
             <a:extLst>
               <a:ext uri="{FF2B5EF4-FFF2-40B4-BE49-F238E27FC236}">
-                <a16:creationId xmlns:a16="http://schemas.microsoft.com/office/drawing/2014/main" id="{276F49F9-89E0-419D-A66D-C38B602CBA0D}"/>
+                <a16:creationId xmlns:a16="http://schemas.microsoft.com/office/drawing/2014/main" xmlns="" id="{276F49F9-89E0-419D-A66D-C38B602CBA0D}"/>
               </a:ext>
             </a:extLst>
           </p:cNvPr>
@@ -5356,7 +6717,7 @@
           <p:cNvPr id="22" name="Rectangle 21">
             <a:extLst>
               <a:ext uri="{FF2B5EF4-FFF2-40B4-BE49-F238E27FC236}">
-                <a16:creationId xmlns:a16="http://schemas.microsoft.com/office/drawing/2014/main" id="{8303D623-0765-4677-BC05-1053A0916E84}"/>
+                <a16:creationId xmlns:a16="http://schemas.microsoft.com/office/drawing/2014/main" xmlns="" id="{8303D623-0765-4677-BC05-1053A0916E84}"/>
               </a:ext>
             </a:extLst>
           </p:cNvPr>
@@ -5413,7 +6774,7 @@
           <p:cNvPr id="23" name="Rectangle 22">
             <a:extLst>
               <a:ext uri="{FF2B5EF4-FFF2-40B4-BE49-F238E27FC236}">
-                <a16:creationId xmlns:a16="http://schemas.microsoft.com/office/drawing/2014/main" id="{50C454EE-A1C1-404F-BB42-00A26AB50BDC}"/>
+                <a16:creationId xmlns:a16="http://schemas.microsoft.com/office/drawing/2014/main" xmlns="" id="{50C454EE-A1C1-404F-BB42-00A26AB50BDC}"/>
               </a:ext>
             </a:extLst>
           </p:cNvPr>
@@ -5470,7 +6831,7 @@
           <p:cNvPr id="24" name="Rectangle 23">
             <a:extLst>
               <a:ext uri="{FF2B5EF4-FFF2-40B4-BE49-F238E27FC236}">
-                <a16:creationId xmlns:a16="http://schemas.microsoft.com/office/drawing/2014/main" id="{39B03324-C868-48DC-8DEB-76085DA3E4C1}"/>
+                <a16:creationId xmlns:a16="http://schemas.microsoft.com/office/drawing/2014/main" xmlns="" id="{39B03324-C868-48DC-8DEB-76085DA3E4C1}"/>
               </a:ext>
             </a:extLst>
           </p:cNvPr>
@@ -5527,7 +6888,7 @@
           <p:cNvPr id="25" name="Rectangle 24">
             <a:extLst>
               <a:ext uri="{FF2B5EF4-FFF2-40B4-BE49-F238E27FC236}">
-                <a16:creationId xmlns:a16="http://schemas.microsoft.com/office/drawing/2014/main" id="{C3D61909-D7AE-45A7-9D8E-A42BA972DE6C}"/>
+                <a16:creationId xmlns:a16="http://schemas.microsoft.com/office/drawing/2014/main" xmlns="" id="{C3D61909-D7AE-45A7-9D8E-A42BA972DE6C}"/>
               </a:ext>
             </a:extLst>
           </p:cNvPr>
@@ -5584,7 +6945,7 @@
           <p:cNvPr id="26" name="Rectangle: Rounded Corners 25">
             <a:extLst>
               <a:ext uri="{FF2B5EF4-FFF2-40B4-BE49-F238E27FC236}">
-                <a16:creationId xmlns:a16="http://schemas.microsoft.com/office/drawing/2014/main" id="{B2CB2C37-1CEC-4ECF-9912-7E2EE34358B6}"/>
+                <a16:creationId xmlns:a16="http://schemas.microsoft.com/office/drawing/2014/main" xmlns="" id="{B2CB2C37-1CEC-4ECF-9912-7E2EE34358B6}"/>
               </a:ext>
             </a:extLst>
           </p:cNvPr>
@@ -5659,7 +7020,7 @@
           <p:cNvPr id="17" name="Rectangle 16">
             <a:extLst>
               <a:ext uri="{FF2B5EF4-FFF2-40B4-BE49-F238E27FC236}">
-                <a16:creationId xmlns:a16="http://schemas.microsoft.com/office/drawing/2014/main" id="{50275464-30AB-44E3-AD80-A498F20EE3A8}"/>
+                <a16:creationId xmlns:a16="http://schemas.microsoft.com/office/drawing/2014/main" xmlns="" id="{50275464-30AB-44E3-AD80-A498F20EE3A8}"/>
               </a:ext>
             </a:extLst>
           </p:cNvPr>
@@ -5706,7 +7067,7 @@
           <p:cNvPr id="21" name="Rectangle 20">
             <a:extLst>
               <a:ext uri="{FF2B5EF4-FFF2-40B4-BE49-F238E27FC236}">
-                <a16:creationId xmlns:a16="http://schemas.microsoft.com/office/drawing/2014/main" id="{8B828D1B-AE69-4B86-B544-8B4CAA864E6F}"/>
+                <a16:creationId xmlns:a16="http://schemas.microsoft.com/office/drawing/2014/main" xmlns="" id="{8B828D1B-AE69-4B86-B544-8B4CAA864E6F}"/>
               </a:ext>
             </a:extLst>
           </p:cNvPr>
@@ -5753,7 +7114,7 @@
           <p:cNvPr id="27" name="Rectangle 26">
             <a:extLst>
               <a:ext uri="{FF2B5EF4-FFF2-40B4-BE49-F238E27FC236}">
-                <a16:creationId xmlns:a16="http://schemas.microsoft.com/office/drawing/2014/main" id="{6B424954-B662-45E7-B86D-352177D3A174}"/>
+                <a16:creationId xmlns:a16="http://schemas.microsoft.com/office/drawing/2014/main" xmlns="" id="{6B424954-B662-45E7-B86D-352177D3A174}"/>
               </a:ext>
             </a:extLst>
           </p:cNvPr>
@@ -5810,7 +7171,7 @@
           <p:cNvPr id="28" name="Rectangle 27">
             <a:extLst>
               <a:ext uri="{FF2B5EF4-FFF2-40B4-BE49-F238E27FC236}">
-                <a16:creationId xmlns:a16="http://schemas.microsoft.com/office/drawing/2014/main" id="{4148D546-FD79-4BE0-A0D9-D4A466509310}"/>
+                <a16:creationId xmlns:a16="http://schemas.microsoft.com/office/drawing/2014/main" xmlns="" id="{4148D546-FD79-4BE0-A0D9-D4A466509310}"/>
               </a:ext>
             </a:extLst>
           </p:cNvPr>
@@ -5867,7 +7228,7 @@
           <p:cNvPr id="29" name="Rectangle 28">
             <a:extLst>
               <a:ext uri="{FF2B5EF4-FFF2-40B4-BE49-F238E27FC236}">
-                <a16:creationId xmlns:a16="http://schemas.microsoft.com/office/drawing/2014/main" id="{735A0D5A-A4D4-4C2C-AE8B-4E99C1C33F20}"/>
+                <a16:creationId xmlns:a16="http://schemas.microsoft.com/office/drawing/2014/main" xmlns="" id="{735A0D5A-A4D4-4C2C-AE8B-4E99C1C33F20}"/>
               </a:ext>
             </a:extLst>
           </p:cNvPr>
@@ -5924,7 +7285,7 @@
           <p:cNvPr id="30" name="Rectangle 29">
             <a:extLst>
               <a:ext uri="{FF2B5EF4-FFF2-40B4-BE49-F238E27FC236}">
-                <a16:creationId xmlns:a16="http://schemas.microsoft.com/office/drawing/2014/main" id="{F1451594-050B-421D-824F-C59873DE860E}"/>
+                <a16:creationId xmlns:a16="http://schemas.microsoft.com/office/drawing/2014/main" xmlns="" id="{F1451594-050B-421D-824F-C59873DE860E}"/>
               </a:ext>
             </a:extLst>
           </p:cNvPr>
@@ -5981,7 +7342,7 @@
           <p:cNvPr id="31" name="Rectangle 30">
             <a:extLst>
               <a:ext uri="{FF2B5EF4-FFF2-40B4-BE49-F238E27FC236}">
-                <a16:creationId xmlns:a16="http://schemas.microsoft.com/office/drawing/2014/main" id="{7E0D3944-A97B-44B6-8C7D-FAE2312FBFCC}"/>
+                <a16:creationId xmlns:a16="http://schemas.microsoft.com/office/drawing/2014/main" xmlns="" id="{7E0D3944-A97B-44B6-8C7D-FAE2312FBFCC}"/>
               </a:ext>
             </a:extLst>
           </p:cNvPr>
@@ -6038,7 +7399,7 @@
           <p:cNvPr id="32" name="Rectangle 31">
             <a:extLst>
               <a:ext uri="{FF2B5EF4-FFF2-40B4-BE49-F238E27FC236}">
-                <a16:creationId xmlns:a16="http://schemas.microsoft.com/office/drawing/2014/main" id="{ACDCEFCB-14D9-498E-9449-DC4E43126675}"/>
+                <a16:creationId xmlns:a16="http://schemas.microsoft.com/office/drawing/2014/main" xmlns="" id="{ACDCEFCB-14D9-498E-9449-DC4E43126675}"/>
               </a:ext>
             </a:extLst>
           </p:cNvPr>
@@ -6085,7 +7446,7 @@
           <p:cNvPr id="34" name="Rectangle 33">
             <a:extLst>
               <a:ext uri="{FF2B5EF4-FFF2-40B4-BE49-F238E27FC236}">
-                <a16:creationId xmlns:a16="http://schemas.microsoft.com/office/drawing/2014/main" id="{60D6513C-47A3-4941-8676-4CAFC2BB353B}"/>
+                <a16:creationId xmlns:a16="http://schemas.microsoft.com/office/drawing/2014/main" xmlns="" id="{60D6513C-47A3-4941-8676-4CAFC2BB353B}"/>
               </a:ext>
             </a:extLst>
           </p:cNvPr>
@@ -6142,7 +7503,7 @@
           <p:cNvPr id="36" name="Rectangle 35">
             <a:extLst>
               <a:ext uri="{FF2B5EF4-FFF2-40B4-BE49-F238E27FC236}">
-                <a16:creationId xmlns:a16="http://schemas.microsoft.com/office/drawing/2014/main" id="{3CC52EEE-8020-449B-9438-19BC9616C8DD}"/>
+                <a16:creationId xmlns:a16="http://schemas.microsoft.com/office/drawing/2014/main" xmlns="" id="{3CC52EEE-8020-449B-9438-19BC9616C8DD}"/>
               </a:ext>
             </a:extLst>
           </p:cNvPr>
@@ -6199,7 +7560,7 @@
           <p:cNvPr id="3" name="Rectangle 2">
             <a:extLst>
               <a:ext uri="{FF2B5EF4-FFF2-40B4-BE49-F238E27FC236}">
-                <a16:creationId xmlns:a16="http://schemas.microsoft.com/office/drawing/2014/main" id="{62FB86A5-F936-4E06-8420-1EFE82F770A9}"/>
+                <a16:creationId xmlns:a16="http://schemas.microsoft.com/office/drawing/2014/main" xmlns="" id="{62FB86A5-F936-4E06-8420-1EFE82F770A9}"/>
               </a:ext>
             </a:extLst>
           </p:cNvPr>
@@ -6268,7 +7629,7 @@
 </p:sld>
 </file>
 
-<file path=ppt/slides/slide4.xml><?xml version="1.0" encoding="utf-8"?>
+<file path=ppt/slides/slide5.xml><?xml version="1.0" encoding="utf-8"?>
 <p:sld xmlns:a="http://schemas.openxmlformats.org/drawingml/2006/main" xmlns:r="http://schemas.openxmlformats.org/officeDocument/2006/relationships" xmlns:p="http://schemas.openxmlformats.org/presentationml/2006/main">
   <p:cSld>
     <p:spTree>
@@ -6290,7 +7651,7 @@
           <p:cNvPr id="3" name="Rectangle 2">
             <a:extLst>
               <a:ext uri="{FF2B5EF4-FFF2-40B4-BE49-F238E27FC236}">
-                <a16:creationId xmlns:a16="http://schemas.microsoft.com/office/drawing/2014/main" id="{62FB86A5-F936-4E06-8420-1EFE82F770A9}"/>
+                <a16:creationId xmlns:a16="http://schemas.microsoft.com/office/drawing/2014/main" xmlns="" id="{62FB86A5-F936-4E06-8420-1EFE82F770A9}"/>
               </a:ext>
             </a:extLst>
           </p:cNvPr>
@@ -6348,7 +7709,7 @@
           <p:cNvPr id="2" name="Title 1">
             <a:extLst>
               <a:ext uri="{FF2B5EF4-FFF2-40B4-BE49-F238E27FC236}">
-                <a16:creationId xmlns:a16="http://schemas.microsoft.com/office/drawing/2014/main" id="{DF630A1A-59D1-4AFB-89C7-32D2A79125F4}"/>
+                <a16:creationId xmlns:a16="http://schemas.microsoft.com/office/drawing/2014/main" xmlns="" id="{DF630A1A-59D1-4AFB-89C7-32D2A79125F4}"/>
               </a:ext>
             </a:extLst>
           </p:cNvPr>
@@ -6376,7 +7737,7 @@
           <p:cNvPr id="4" name="Rectangle 3">
             <a:extLst>
               <a:ext uri="{FF2B5EF4-FFF2-40B4-BE49-F238E27FC236}">
-                <a16:creationId xmlns:a16="http://schemas.microsoft.com/office/drawing/2014/main" id="{D1EDB772-8065-4828-A27D-6228CE6AAF6B}"/>
+                <a16:creationId xmlns:a16="http://schemas.microsoft.com/office/drawing/2014/main" xmlns="" id="{D1EDB772-8065-4828-A27D-6228CE6AAF6B}"/>
               </a:ext>
             </a:extLst>
           </p:cNvPr>
@@ -6423,7 +7784,7 @@
           <p:cNvPr id="5" name="Rectangle 4">
             <a:extLst>
               <a:ext uri="{FF2B5EF4-FFF2-40B4-BE49-F238E27FC236}">
-                <a16:creationId xmlns:a16="http://schemas.microsoft.com/office/drawing/2014/main" id="{FF2A5A45-7006-4975-831A-FAF2EDBB961B}"/>
+                <a16:creationId xmlns:a16="http://schemas.microsoft.com/office/drawing/2014/main" xmlns="" id="{FF2A5A45-7006-4975-831A-FAF2EDBB961B}"/>
               </a:ext>
             </a:extLst>
           </p:cNvPr>
@@ -6469,7 +7830,7 @@
           <p:cNvPr id="6" name="Rectangle 5">
             <a:extLst>
               <a:ext uri="{FF2B5EF4-FFF2-40B4-BE49-F238E27FC236}">
-                <a16:creationId xmlns:a16="http://schemas.microsoft.com/office/drawing/2014/main" id="{DBBE47A0-84FE-4800-A118-88F289FBF2D8}"/>
+                <a16:creationId xmlns:a16="http://schemas.microsoft.com/office/drawing/2014/main" xmlns="" id="{DBBE47A0-84FE-4800-A118-88F289FBF2D8}"/>
               </a:ext>
             </a:extLst>
           </p:cNvPr>
@@ -6526,7 +7887,7 @@
           <p:cNvPr id="18" name="Group 17">
             <a:extLst>
               <a:ext uri="{FF2B5EF4-FFF2-40B4-BE49-F238E27FC236}">
-                <a16:creationId xmlns:a16="http://schemas.microsoft.com/office/drawing/2014/main" id="{0B7C0A45-A539-4F79-9E4F-6D5B7EFB087D}"/>
+                <a16:creationId xmlns:a16="http://schemas.microsoft.com/office/drawing/2014/main" xmlns="" id="{0B7C0A45-A539-4F79-9E4F-6D5B7EFB087D}"/>
               </a:ext>
             </a:extLst>
           </p:cNvPr>
@@ -6546,7 +7907,7 @@
             <p:cNvPr id="9" name="Straight Connector 8">
               <a:extLst>
                 <a:ext uri="{FF2B5EF4-FFF2-40B4-BE49-F238E27FC236}">
-                  <a16:creationId xmlns:a16="http://schemas.microsoft.com/office/drawing/2014/main" id="{772F457F-2CD8-476A-8424-D05E34F645EA}"/>
+                  <a16:creationId xmlns:a16="http://schemas.microsoft.com/office/drawing/2014/main" xmlns="" id="{772F457F-2CD8-476A-8424-D05E34F645EA}"/>
                 </a:ext>
               </a:extLst>
             </p:cNvPr>
@@ -6589,7 +7950,7 @@
             <p:cNvPr id="10" name="Straight Connector 9">
               <a:extLst>
                 <a:ext uri="{FF2B5EF4-FFF2-40B4-BE49-F238E27FC236}">
-                  <a16:creationId xmlns:a16="http://schemas.microsoft.com/office/drawing/2014/main" id="{1331DC01-A3DF-4AAD-8E5D-0B04E645B76D}"/>
+                  <a16:creationId xmlns:a16="http://schemas.microsoft.com/office/drawing/2014/main" xmlns="" id="{1331DC01-A3DF-4AAD-8E5D-0B04E645B76D}"/>
                 </a:ext>
               </a:extLst>
             </p:cNvPr>
@@ -6632,7 +7993,7 @@
             <p:cNvPr id="11" name="Straight Connector 10">
               <a:extLst>
                 <a:ext uri="{FF2B5EF4-FFF2-40B4-BE49-F238E27FC236}">
-                  <a16:creationId xmlns:a16="http://schemas.microsoft.com/office/drawing/2014/main" id="{34EF4646-5A37-421D-8915-C0779B77D28D}"/>
+                  <a16:creationId xmlns:a16="http://schemas.microsoft.com/office/drawing/2014/main" xmlns="" id="{34EF4646-5A37-421D-8915-C0779B77D28D}"/>
                 </a:ext>
               </a:extLst>
             </p:cNvPr>
@@ -6676,7 +8037,7 @@
           <p:cNvPr id="19" name="Rectangle 18">
             <a:extLst>
               <a:ext uri="{FF2B5EF4-FFF2-40B4-BE49-F238E27FC236}">
-                <a16:creationId xmlns:a16="http://schemas.microsoft.com/office/drawing/2014/main" id="{DB9117D8-A02D-448D-B41B-605B8FB6AE5C}"/>
+                <a16:creationId xmlns:a16="http://schemas.microsoft.com/office/drawing/2014/main" xmlns="" id="{DB9117D8-A02D-448D-B41B-605B8FB6AE5C}"/>
               </a:ext>
             </a:extLst>
           </p:cNvPr>
@@ -6745,7 +8106,7 @@
           <p:cNvPr id="20" name="Rectangle 19">
             <a:extLst>
               <a:ext uri="{FF2B5EF4-FFF2-40B4-BE49-F238E27FC236}">
-                <a16:creationId xmlns:a16="http://schemas.microsoft.com/office/drawing/2014/main" id="{276F49F9-89E0-419D-A66D-C38B602CBA0D}"/>
+                <a16:creationId xmlns:a16="http://schemas.microsoft.com/office/drawing/2014/main" xmlns="" id="{276F49F9-89E0-419D-A66D-C38B602CBA0D}"/>
               </a:ext>
             </a:extLst>
           </p:cNvPr>
@@ -6801,7 +8162,7 @@
           <p:cNvPr id="22" name="Rectangle 21">
             <a:extLst>
               <a:ext uri="{FF2B5EF4-FFF2-40B4-BE49-F238E27FC236}">
-                <a16:creationId xmlns:a16="http://schemas.microsoft.com/office/drawing/2014/main" id="{8303D623-0765-4677-BC05-1053A0916E84}"/>
+                <a16:creationId xmlns:a16="http://schemas.microsoft.com/office/drawing/2014/main" xmlns="" id="{8303D623-0765-4677-BC05-1053A0916E84}"/>
               </a:ext>
             </a:extLst>
           </p:cNvPr>
@@ -6858,7 +8219,7 @@
           <p:cNvPr id="23" name="Rectangle 22">
             <a:extLst>
               <a:ext uri="{FF2B5EF4-FFF2-40B4-BE49-F238E27FC236}">
-                <a16:creationId xmlns:a16="http://schemas.microsoft.com/office/drawing/2014/main" id="{50C454EE-A1C1-404F-BB42-00A26AB50BDC}"/>
+                <a16:creationId xmlns:a16="http://schemas.microsoft.com/office/drawing/2014/main" xmlns="" id="{50C454EE-A1C1-404F-BB42-00A26AB50BDC}"/>
               </a:ext>
             </a:extLst>
           </p:cNvPr>
@@ -6915,7 +8276,7 @@
           <p:cNvPr id="24" name="Rectangle 23">
             <a:extLst>
               <a:ext uri="{FF2B5EF4-FFF2-40B4-BE49-F238E27FC236}">
-                <a16:creationId xmlns:a16="http://schemas.microsoft.com/office/drawing/2014/main" id="{39B03324-C868-48DC-8DEB-76085DA3E4C1}"/>
+                <a16:creationId xmlns:a16="http://schemas.microsoft.com/office/drawing/2014/main" xmlns="" id="{39B03324-C868-48DC-8DEB-76085DA3E4C1}"/>
               </a:ext>
             </a:extLst>
           </p:cNvPr>
@@ -6972,7 +8333,7 @@
           <p:cNvPr id="25" name="Rectangle 24">
             <a:extLst>
               <a:ext uri="{FF2B5EF4-FFF2-40B4-BE49-F238E27FC236}">
-                <a16:creationId xmlns:a16="http://schemas.microsoft.com/office/drawing/2014/main" id="{C3D61909-D7AE-45A7-9D8E-A42BA972DE6C}"/>
+                <a16:creationId xmlns:a16="http://schemas.microsoft.com/office/drawing/2014/main" xmlns="" id="{C3D61909-D7AE-45A7-9D8E-A42BA972DE6C}"/>
               </a:ext>
             </a:extLst>
           </p:cNvPr>
@@ -7029,7 +8390,7 @@
           <p:cNvPr id="26" name="Rectangle: Rounded Corners 25">
             <a:extLst>
               <a:ext uri="{FF2B5EF4-FFF2-40B4-BE49-F238E27FC236}">
-                <a16:creationId xmlns:a16="http://schemas.microsoft.com/office/drawing/2014/main" id="{B2CB2C37-1CEC-4ECF-9912-7E2EE34358B6}"/>
+                <a16:creationId xmlns:a16="http://schemas.microsoft.com/office/drawing/2014/main" xmlns="" id="{B2CB2C37-1CEC-4ECF-9912-7E2EE34358B6}"/>
               </a:ext>
             </a:extLst>
           </p:cNvPr>
@@ -7104,7 +8465,7 @@
           <p:cNvPr id="17" name="Rectangle 16">
             <a:extLst>
               <a:ext uri="{FF2B5EF4-FFF2-40B4-BE49-F238E27FC236}">
-                <a16:creationId xmlns:a16="http://schemas.microsoft.com/office/drawing/2014/main" id="{50275464-30AB-44E3-AD80-A498F20EE3A8}"/>
+                <a16:creationId xmlns:a16="http://schemas.microsoft.com/office/drawing/2014/main" xmlns="" id="{50275464-30AB-44E3-AD80-A498F20EE3A8}"/>
               </a:ext>
             </a:extLst>
           </p:cNvPr>
@@ -7160,7 +8521,7 @@
           <p:cNvPr id="21" name="Rectangle 20">
             <a:extLst>
               <a:ext uri="{FF2B5EF4-FFF2-40B4-BE49-F238E27FC236}">
-                <a16:creationId xmlns:a16="http://schemas.microsoft.com/office/drawing/2014/main" id="{8B828D1B-AE69-4B86-B544-8B4CAA864E6F}"/>
+                <a16:creationId xmlns:a16="http://schemas.microsoft.com/office/drawing/2014/main" xmlns="" id="{8B828D1B-AE69-4B86-B544-8B4CAA864E6F}"/>
               </a:ext>
             </a:extLst>
           </p:cNvPr>
@@ -7216,7 +8577,7 @@
           <p:cNvPr id="27" name="Rectangle 26">
             <a:extLst>
               <a:ext uri="{FF2B5EF4-FFF2-40B4-BE49-F238E27FC236}">
-                <a16:creationId xmlns:a16="http://schemas.microsoft.com/office/drawing/2014/main" id="{6B424954-B662-45E7-B86D-352177D3A174}"/>
+                <a16:creationId xmlns:a16="http://schemas.microsoft.com/office/drawing/2014/main" xmlns="" id="{6B424954-B662-45E7-B86D-352177D3A174}"/>
               </a:ext>
             </a:extLst>
           </p:cNvPr>
@@ -7273,7 +8634,7 @@
           <p:cNvPr id="28" name="Rectangle 27">
             <a:extLst>
               <a:ext uri="{FF2B5EF4-FFF2-40B4-BE49-F238E27FC236}">
-                <a16:creationId xmlns:a16="http://schemas.microsoft.com/office/drawing/2014/main" id="{4148D546-FD79-4BE0-A0D9-D4A466509310}"/>
+                <a16:creationId xmlns:a16="http://schemas.microsoft.com/office/drawing/2014/main" xmlns="" id="{4148D546-FD79-4BE0-A0D9-D4A466509310}"/>
               </a:ext>
             </a:extLst>
           </p:cNvPr>
@@ -7330,7 +8691,7 @@
           <p:cNvPr id="29" name="Rectangle 28">
             <a:extLst>
               <a:ext uri="{FF2B5EF4-FFF2-40B4-BE49-F238E27FC236}">
-                <a16:creationId xmlns:a16="http://schemas.microsoft.com/office/drawing/2014/main" id="{735A0D5A-A4D4-4C2C-AE8B-4E99C1C33F20}"/>
+                <a16:creationId xmlns:a16="http://schemas.microsoft.com/office/drawing/2014/main" xmlns="" id="{735A0D5A-A4D4-4C2C-AE8B-4E99C1C33F20}"/>
               </a:ext>
             </a:extLst>
           </p:cNvPr>
@@ -7387,7 +8748,7 @@
           <p:cNvPr id="30" name="Rectangle 29">
             <a:extLst>
               <a:ext uri="{FF2B5EF4-FFF2-40B4-BE49-F238E27FC236}">
-                <a16:creationId xmlns:a16="http://schemas.microsoft.com/office/drawing/2014/main" id="{F1451594-050B-421D-824F-C59873DE860E}"/>
+                <a16:creationId xmlns:a16="http://schemas.microsoft.com/office/drawing/2014/main" xmlns="" id="{F1451594-050B-421D-824F-C59873DE860E}"/>
               </a:ext>
             </a:extLst>
           </p:cNvPr>
@@ -7444,7 +8805,7 @@
           <p:cNvPr id="32" name="Rectangle 31">
             <a:extLst>
               <a:ext uri="{FF2B5EF4-FFF2-40B4-BE49-F238E27FC236}">
-                <a16:creationId xmlns:a16="http://schemas.microsoft.com/office/drawing/2014/main" id="{ACDCEFCB-14D9-498E-9449-DC4E43126675}"/>
+                <a16:creationId xmlns:a16="http://schemas.microsoft.com/office/drawing/2014/main" xmlns="" id="{ACDCEFCB-14D9-498E-9449-DC4E43126675}"/>
               </a:ext>
             </a:extLst>
           </p:cNvPr>
@@ -7500,7 +8861,7 @@
           <p:cNvPr id="34" name="Rectangle 33">
             <a:extLst>
               <a:ext uri="{FF2B5EF4-FFF2-40B4-BE49-F238E27FC236}">
-                <a16:creationId xmlns:a16="http://schemas.microsoft.com/office/drawing/2014/main" id="{60D6513C-47A3-4941-8676-4CAFC2BB353B}"/>
+                <a16:creationId xmlns:a16="http://schemas.microsoft.com/office/drawing/2014/main" xmlns="" id="{60D6513C-47A3-4941-8676-4CAFC2BB353B}"/>
               </a:ext>
             </a:extLst>
           </p:cNvPr>
@@ -7557,7 +8918,7 @@
           <p:cNvPr id="36" name="Rectangle 35">
             <a:extLst>
               <a:ext uri="{FF2B5EF4-FFF2-40B4-BE49-F238E27FC236}">
-                <a16:creationId xmlns:a16="http://schemas.microsoft.com/office/drawing/2014/main" id="{3CC52EEE-8020-449B-9438-19BC9616C8DD}"/>
+                <a16:creationId xmlns:a16="http://schemas.microsoft.com/office/drawing/2014/main" xmlns="" id="{3CC52EEE-8020-449B-9438-19BC9616C8DD}"/>
               </a:ext>
             </a:extLst>
           </p:cNvPr>
@@ -7614,7 +8975,7 @@
           <p:cNvPr id="33" name="Rectangle 32">
             <a:extLst>
               <a:ext uri="{FF2B5EF4-FFF2-40B4-BE49-F238E27FC236}">
-                <a16:creationId xmlns:a16="http://schemas.microsoft.com/office/drawing/2014/main" id="{2ABD2676-E01B-44A4-B14A-64FC33CEE46B}"/>
+                <a16:creationId xmlns:a16="http://schemas.microsoft.com/office/drawing/2014/main" xmlns="" id="{2ABD2676-E01B-44A4-B14A-64FC33CEE46B}"/>
               </a:ext>
             </a:extLst>
           </p:cNvPr>
@@ -7671,7 +9032,7 @@
           <p:cNvPr id="35" name="Rectangle: Rounded Corners 34">
             <a:extLst>
               <a:ext uri="{FF2B5EF4-FFF2-40B4-BE49-F238E27FC236}">
-                <a16:creationId xmlns:a16="http://schemas.microsoft.com/office/drawing/2014/main" id="{0321D54F-13A3-4BA0-9948-ED71D68FCE87}"/>
+                <a16:creationId xmlns:a16="http://schemas.microsoft.com/office/drawing/2014/main" xmlns="" id="{0321D54F-13A3-4BA0-9948-ED71D68FCE87}"/>
               </a:ext>
             </a:extLst>
           </p:cNvPr>
@@ -7754,7 +9115,7 @@
 </p:sld>
 </file>
 
-<file path=ppt/slides/slide5.xml><?xml version="1.0" encoding="utf-8"?>
+<file path=ppt/slides/slide6.xml><?xml version="1.0" encoding="utf-8"?>
 <p:sld xmlns:a="http://schemas.openxmlformats.org/drawingml/2006/main" xmlns:r="http://schemas.openxmlformats.org/officeDocument/2006/relationships" xmlns:p="http://schemas.openxmlformats.org/presentationml/2006/main">
   <p:cSld>
     <p:spTree>
@@ -7776,7 +9137,7 @@
           <p:cNvPr id="3" name="Rectangle 2">
             <a:extLst>
               <a:ext uri="{FF2B5EF4-FFF2-40B4-BE49-F238E27FC236}">
-                <a16:creationId xmlns:a16="http://schemas.microsoft.com/office/drawing/2014/main" id="{62FB86A5-F936-4E06-8420-1EFE82F770A9}"/>
+                <a16:creationId xmlns:a16="http://schemas.microsoft.com/office/drawing/2014/main" xmlns="" id="{62FB86A5-F936-4E06-8420-1EFE82F770A9}"/>
               </a:ext>
             </a:extLst>
           </p:cNvPr>
@@ -7834,7 +9195,7 @@
           <p:cNvPr id="2" name="Title 1">
             <a:extLst>
               <a:ext uri="{FF2B5EF4-FFF2-40B4-BE49-F238E27FC236}">
-                <a16:creationId xmlns:a16="http://schemas.microsoft.com/office/drawing/2014/main" id="{DF630A1A-59D1-4AFB-89C7-32D2A79125F4}"/>
+                <a16:creationId xmlns:a16="http://schemas.microsoft.com/office/drawing/2014/main" xmlns="" id="{DF630A1A-59D1-4AFB-89C7-32D2A79125F4}"/>
               </a:ext>
             </a:extLst>
           </p:cNvPr>
@@ -7862,7 +9223,7 @@
           <p:cNvPr id="4" name="Rectangle 3">
             <a:extLst>
               <a:ext uri="{FF2B5EF4-FFF2-40B4-BE49-F238E27FC236}">
-                <a16:creationId xmlns:a16="http://schemas.microsoft.com/office/drawing/2014/main" id="{D1EDB772-8065-4828-A27D-6228CE6AAF6B}"/>
+                <a16:creationId xmlns:a16="http://schemas.microsoft.com/office/drawing/2014/main" xmlns="" id="{D1EDB772-8065-4828-A27D-6228CE6AAF6B}"/>
               </a:ext>
             </a:extLst>
           </p:cNvPr>
@@ -7909,7 +9270,7 @@
           <p:cNvPr id="5" name="Rectangle 4">
             <a:extLst>
               <a:ext uri="{FF2B5EF4-FFF2-40B4-BE49-F238E27FC236}">
-                <a16:creationId xmlns:a16="http://schemas.microsoft.com/office/drawing/2014/main" id="{FF2A5A45-7006-4975-831A-FAF2EDBB961B}"/>
+                <a16:creationId xmlns:a16="http://schemas.microsoft.com/office/drawing/2014/main" xmlns="" id="{FF2A5A45-7006-4975-831A-FAF2EDBB961B}"/>
               </a:ext>
             </a:extLst>
           </p:cNvPr>
@@ -7955,7 +9316,7 @@
           <p:cNvPr id="6" name="Rectangle 5">
             <a:extLst>
               <a:ext uri="{FF2B5EF4-FFF2-40B4-BE49-F238E27FC236}">
-                <a16:creationId xmlns:a16="http://schemas.microsoft.com/office/drawing/2014/main" id="{DBBE47A0-84FE-4800-A118-88F289FBF2D8}"/>
+                <a16:creationId xmlns:a16="http://schemas.microsoft.com/office/drawing/2014/main" xmlns="" id="{DBBE47A0-84FE-4800-A118-88F289FBF2D8}"/>
               </a:ext>
             </a:extLst>
           </p:cNvPr>
@@ -8012,7 +9373,7 @@
           <p:cNvPr id="18" name="Group 17">
             <a:extLst>
               <a:ext uri="{FF2B5EF4-FFF2-40B4-BE49-F238E27FC236}">
-                <a16:creationId xmlns:a16="http://schemas.microsoft.com/office/drawing/2014/main" id="{0B7C0A45-A539-4F79-9E4F-6D5B7EFB087D}"/>
+                <a16:creationId xmlns:a16="http://schemas.microsoft.com/office/drawing/2014/main" xmlns="" id="{0B7C0A45-A539-4F79-9E4F-6D5B7EFB087D}"/>
               </a:ext>
             </a:extLst>
           </p:cNvPr>
@@ -8032,7 +9393,7 @@
             <p:cNvPr id="9" name="Straight Connector 8">
               <a:extLst>
                 <a:ext uri="{FF2B5EF4-FFF2-40B4-BE49-F238E27FC236}">
-                  <a16:creationId xmlns:a16="http://schemas.microsoft.com/office/drawing/2014/main" id="{772F457F-2CD8-476A-8424-D05E34F645EA}"/>
+                  <a16:creationId xmlns:a16="http://schemas.microsoft.com/office/drawing/2014/main" xmlns="" id="{772F457F-2CD8-476A-8424-D05E34F645EA}"/>
                 </a:ext>
               </a:extLst>
             </p:cNvPr>
@@ -8075,7 +9436,7 @@
             <p:cNvPr id="10" name="Straight Connector 9">
               <a:extLst>
                 <a:ext uri="{FF2B5EF4-FFF2-40B4-BE49-F238E27FC236}">
-                  <a16:creationId xmlns:a16="http://schemas.microsoft.com/office/drawing/2014/main" id="{1331DC01-A3DF-4AAD-8E5D-0B04E645B76D}"/>
+                  <a16:creationId xmlns:a16="http://schemas.microsoft.com/office/drawing/2014/main" xmlns="" id="{1331DC01-A3DF-4AAD-8E5D-0B04E645B76D}"/>
                 </a:ext>
               </a:extLst>
             </p:cNvPr>
@@ -8118,7 +9479,7 @@
             <p:cNvPr id="11" name="Straight Connector 10">
               <a:extLst>
                 <a:ext uri="{FF2B5EF4-FFF2-40B4-BE49-F238E27FC236}">
-                  <a16:creationId xmlns:a16="http://schemas.microsoft.com/office/drawing/2014/main" id="{34EF4646-5A37-421D-8915-C0779B77D28D}"/>
+                  <a16:creationId xmlns:a16="http://schemas.microsoft.com/office/drawing/2014/main" xmlns="" id="{34EF4646-5A37-421D-8915-C0779B77D28D}"/>
                 </a:ext>
               </a:extLst>
             </p:cNvPr>
@@ -8162,7 +9523,7 @@
           <p:cNvPr id="19" name="Rectangle 18">
             <a:extLst>
               <a:ext uri="{FF2B5EF4-FFF2-40B4-BE49-F238E27FC236}">
-                <a16:creationId xmlns:a16="http://schemas.microsoft.com/office/drawing/2014/main" id="{DB9117D8-A02D-448D-B41B-605B8FB6AE5C}"/>
+                <a16:creationId xmlns:a16="http://schemas.microsoft.com/office/drawing/2014/main" xmlns="" id="{DB9117D8-A02D-448D-B41B-605B8FB6AE5C}"/>
               </a:ext>
             </a:extLst>
           </p:cNvPr>
@@ -8218,7 +9579,7 @@
           <p:cNvPr id="20" name="Rectangle 19">
             <a:extLst>
               <a:ext uri="{FF2B5EF4-FFF2-40B4-BE49-F238E27FC236}">
-                <a16:creationId xmlns:a16="http://schemas.microsoft.com/office/drawing/2014/main" id="{276F49F9-89E0-419D-A66D-C38B602CBA0D}"/>
+                <a16:creationId xmlns:a16="http://schemas.microsoft.com/office/drawing/2014/main" xmlns="" id="{276F49F9-89E0-419D-A66D-C38B602CBA0D}"/>
               </a:ext>
             </a:extLst>
           </p:cNvPr>
@@ -8274,7 +9635,7 @@
           <p:cNvPr id="22" name="Rectangle 21">
             <a:extLst>
               <a:ext uri="{FF2B5EF4-FFF2-40B4-BE49-F238E27FC236}">
-                <a16:creationId xmlns:a16="http://schemas.microsoft.com/office/drawing/2014/main" id="{8303D623-0765-4677-BC05-1053A0916E84}"/>
+                <a16:creationId xmlns:a16="http://schemas.microsoft.com/office/drawing/2014/main" xmlns="" id="{8303D623-0765-4677-BC05-1053A0916E84}"/>
               </a:ext>
             </a:extLst>
           </p:cNvPr>
@@ -8331,7 +9692,7 @@
           <p:cNvPr id="23" name="Rectangle 22">
             <a:extLst>
               <a:ext uri="{FF2B5EF4-FFF2-40B4-BE49-F238E27FC236}">
-                <a16:creationId xmlns:a16="http://schemas.microsoft.com/office/drawing/2014/main" id="{50C454EE-A1C1-404F-BB42-00A26AB50BDC}"/>
+                <a16:creationId xmlns:a16="http://schemas.microsoft.com/office/drawing/2014/main" xmlns="" id="{50C454EE-A1C1-404F-BB42-00A26AB50BDC}"/>
               </a:ext>
             </a:extLst>
           </p:cNvPr>
@@ -8388,7 +9749,7 @@
           <p:cNvPr id="24" name="Rectangle 23">
             <a:extLst>
               <a:ext uri="{FF2B5EF4-FFF2-40B4-BE49-F238E27FC236}">
-                <a16:creationId xmlns:a16="http://schemas.microsoft.com/office/drawing/2014/main" id="{39B03324-C868-48DC-8DEB-76085DA3E4C1}"/>
+                <a16:creationId xmlns:a16="http://schemas.microsoft.com/office/drawing/2014/main" xmlns="" id="{39B03324-C868-48DC-8DEB-76085DA3E4C1}"/>
               </a:ext>
             </a:extLst>
           </p:cNvPr>
@@ -8445,7 +9806,7 @@
           <p:cNvPr id="25" name="Rectangle 24">
             <a:extLst>
               <a:ext uri="{FF2B5EF4-FFF2-40B4-BE49-F238E27FC236}">
-                <a16:creationId xmlns:a16="http://schemas.microsoft.com/office/drawing/2014/main" id="{C3D61909-D7AE-45A7-9D8E-A42BA972DE6C}"/>
+                <a16:creationId xmlns:a16="http://schemas.microsoft.com/office/drawing/2014/main" xmlns="" id="{C3D61909-D7AE-45A7-9D8E-A42BA972DE6C}"/>
               </a:ext>
             </a:extLst>
           </p:cNvPr>
@@ -8502,7 +9863,7 @@
           <p:cNvPr id="17" name="Rectangle 16">
             <a:extLst>
               <a:ext uri="{FF2B5EF4-FFF2-40B4-BE49-F238E27FC236}">
-                <a16:creationId xmlns:a16="http://schemas.microsoft.com/office/drawing/2014/main" id="{50275464-30AB-44E3-AD80-A498F20EE3A8}"/>
+                <a16:creationId xmlns:a16="http://schemas.microsoft.com/office/drawing/2014/main" xmlns="" id="{50275464-30AB-44E3-AD80-A498F20EE3A8}"/>
               </a:ext>
             </a:extLst>
           </p:cNvPr>
@@ -8558,7 +9919,7 @@
           <p:cNvPr id="21" name="Rectangle 20">
             <a:extLst>
               <a:ext uri="{FF2B5EF4-FFF2-40B4-BE49-F238E27FC236}">
-                <a16:creationId xmlns:a16="http://schemas.microsoft.com/office/drawing/2014/main" id="{8B828D1B-AE69-4B86-B544-8B4CAA864E6F}"/>
+                <a16:creationId xmlns:a16="http://schemas.microsoft.com/office/drawing/2014/main" xmlns="" id="{8B828D1B-AE69-4B86-B544-8B4CAA864E6F}"/>
               </a:ext>
             </a:extLst>
           </p:cNvPr>
@@ -8614,7 +9975,7 @@
           <p:cNvPr id="27" name="Rectangle 26">
             <a:extLst>
               <a:ext uri="{FF2B5EF4-FFF2-40B4-BE49-F238E27FC236}">
-                <a16:creationId xmlns:a16="http://schemas.microsoft.com/office/drawing/2014/main" id="{6B424954-B662-45E7-B86D-352177D3A174}"/>
+                <a16:creationId xmlns:a16="http://schemas.microsoft.com/office/drawing/2014/main" xmlns="" id="{6B424954-B662-45E7-B86D-352177D3A174}"/>
               </a:ext>
             </a:extLst>
           </p:cNvPr>
@@ -8671,7 +10032,7 @@
           <p:cNvPr id="28" name="Rectangle 27">
             <a:extLst>
               <a:ext uri="{FF2B5EF4-FFF2-40B4-BE49-F238E27FC236}">
-                <a16:creationId xmlns:a16="http://schemas.microsoft.com/office/drawing/2014/main" id="{4148D546-FD79-4BE0-A0D9-D4A466509310}"/>
+                <a16:creationId xmlns:a16="http://schemas.microsoft.com/office/drawing/2014/main" xmlns="" id="{4148D546-FD79-4BE0-A0D9-D4A466509310}"/>
               </a:ext>
             </a:extLst>
           </p:cNvPr>
@@ -8728,7 +10089,7 @@
           <p:cNvPr id="29" name="Rectangle 28">
             <a:extLst>
               <a:ext uri="{FF2B5EF4-FFF2-40B4-BE49-F238E27FC236}">
-                <a16:creationId xmlns:a16="http://schemas.microsoft.com/office/drawing/2014/main" id="{735A0D5A-A4D4-4C2C-AE8B-4E99C1C33F20}"/>
+                <a16:creationId xmlns:a16="http://schemas.microsoft.com/office/drawing/2014/main" xmlns="" id="{735A0D5A-A4D4-4C2C-AE8B-4E99C1C33F20}"/>
               </a:ext>
             </a:extLst>
           </p:cNvPr>
@@ -8785,7 +10146,7 @@
           <p:cNvPr id="30" name="Rectangle 29">
             <a:extLst>
               <a:ext uri="{FF2B5EF4-FFF2-40B4-BE49-F238E27FC236}">
-                <a16:creationId xmlns:a16="http://schemas.microsoft.com/office/drawing/2014/main" id="{F1451594-050B-421D-824F-C59873DE860E}"/>
+                <a16:creationId xmlns:a16="http://schemas.microsoft.com/office/drawing/2014/main" xmlns="" id="{F1451594-050B-421D-824F-C59873DE860E}"/>
               </a:ext>
             </a:extLst>
           </p:cNvPr>
@@ -8842,7 +10203,7 @@
           <p:cNvPr id="32" name="Rectangle 31">
             <a:extLst>
               <a:ext uri="{FF2B5EF4-FFF2-40B4-BE49-F238E27FC236}">
-                <a16:creationId xmlns:a16="http://schemas.microsoft.com/office/drawing/2014/main" id="{ACDCEFCB-14D9-498E-9449-DC4E43126675}"/>
+                <a16:creationId xmlns:a16="http://schemas.microsoft.com/office/drawing/2014/main" xmlns="" id="{ACDCEFCB-14D9-498E-9449-DC4E43126675}"/>
               </a:ext>
             </a:extLst>
           </p:cNvPr>
@@ -8898,7 +10259,7 @@
           <p:cNvPr id="34" name="Rectangle 33">
             <a:extLst>
               <a:ext uri="{FF2B5EF4-FFF2-40B4-BE49-F238E27FC236}">
-                <a16:creationId xmlns:a16="http://schemas.microsoft.com/office/drawing/2014/main" id="{60D6513C-47A3-4941-8676-4CAFC2BB353B}"/>
+                <a16:creationId xmlns:a16="http://schemas.microsoft.com/office/drawing/2014/main" xmlns="" id="{60D6513C-47A3-4941-8676-4CAFC2BB353B}"/>
               </a:ext>
             </a:extLst>
           </p:cNvPr>
@@ -8955,7 +10316,7 @@
           <p:cNvPr id="36" name="Rectangle 35">
             <a:extLst>
               <a:ext uri="{FF2B5EF4-FFF2-40B4-BE49-F238E27FC236}">
-                <a16:creationId xmlns:a16="http://schemas.microsoft.com/office/drawing/2014/main" id="{3CC52EEE-8020-449B-9438-19BC9616C8DD}"/>
+                <a16:creationId xmlns:a16="http://schemas.microsoft.com/office/drawing/2014/main" xmlns="" id="{3CC52EEE-8020-449B-9438-19BC9616C8DD}"/>
               </a:ext>
             </a:extLst>
           </p:cNvPr>
@@ -9012,7 +10373,7 @@
           <p:cNvPr id="33" name="Rectangle 32">
             <a:extLst>
               <a:ext uri="{FF2B5EF4-FFF2-40B4-BE49-F238E27FC236}">
-                <a16:creationId xmlns:a16="http://schemas.microsoft.com/office/drawing/2014/main" id="{2ABD2676-E01B-44A4-B14A-64FC33CEE46B}"/>
+                <a16:creationId xmlns:a16="http://schemas.microsoft.com/office/drawing/2014/main" xmlns="" id="{2ABD2676-E01B-44A4-B14A-64FC33CEE46B}"/>
               </a:ext>
             </a:extLst>
           </p:cNvPr>
@@ -9069,7 +10430,7 @@
           <p:cNvPr id="35" name="Rectangle: Rounded Corners 34">
             <a:extLst>
               <a:ext uri="{FF2B5EF4-FFF2-40B4-BE49-F238E27FC236}">
-                <a16:creationId xmlns:a16="http://schemas.microsoft.com/office/drawing/2014/main" id="{0321D54F-13A3-4BA0-9948-ED71D68FCE87}"/>
+                <a16:creationId xmlns:a16="http://schemas.microsoft.com/office/drawing/2014/main" xmlns="" id="{0321D54F-13A3-4BA0-9948-ED71D68FCE87}"/>
               </a:ext>
             </a:extLst>
           </p:cNvPr>
@@ -9144,7 +10505,7 @@
           <p:cNvPr id="31" name="Rectangle 30">
             <a:extLst>
               <a:ext uri="{FF2B5EF4-FFF2-40B4-BE49-F238E27FC236}">
-                <a16:creationId xmlns:a16="http://schemas.microsoft.com/office/drawing/2014/main" id="{2B2B29DE-0AB7-40E1-861B-6BE77FBF8536}"/>
+                <a16:creationId xmlns:a16="http://schemas.microsoft.com/office/drawing/2014/main" xmlns="" id="{2B2B29DE-0AB7-40E1-861B-6BE77FBF8536}"/>
               </a:ext>
             </a:extLst>
           </p:cNvPr>
@@ -9201,7 +10562,7 @@
           <p:cNvPr id="37" name="Rectangle 36">
             <a:extLst>
               <a:ext uri="{FF2B5EF4-FFF2-40B4-BE49-F238E27FC236}">
-                <a16:creationId xmlns:a16="http://schemas.microsoft.com/office/drawing/2014/main" id="{B329C5B0-91D4-4ACF-A6C3-65374D9201F2}"/>
+                <a16:creationId xmlns:a16="http://schemas.microsoft.com/office/drawing/2014/main" xmlns="" id="{B329C5B0-91D4-4ACF-A6C3-65374D9201F2}"/>
               </a:ext>
             </a:extLst>
           </p:cNvPr>
@@ -9257,7 +10618,7 @@
           <p:cNvPr id="7" name="Rectangle 6">
             <a:extLst>
               <a:ext uri="{FF2B5EF4-FFF2-40B4-BE49-F238E27FC236}">
-                <a16:creationId xmlns:a16="http://schemas.microsoft.com/office/drawing/2014/main" id="{77752883-936E-4BA6-B348-104CF8573C99}"/>
+                <a16:creationId xmlns:a16="http://schemas.microsoft.com/office/drawing/2014/main" xmlns="" id="{77752883-936E-4BA6-B348-104CF8573C99}"/>
               </a:ext>
             </a:extLst>
           </p:cNvPr>
@@ -9314,7 +10675,7 @@
 </p:sld>
 </file>
 
-<file path=ppt/slides/slide6.xml><?xml version="1.0" encoding="utf-8"?>
+<file path=ppt/slides/slide7.xml><?xml version="1.0" encoding="utf-8"?>
 <p:sld xmlns:a="http://schemas.openxmlformats.org/drawingml/2006/main" xmlns:r="http://schemas.openxmlformats.org/officeDocument/2006/relationships" xmlns:p="http://schemas.openxmlformats.org/presentationml/2006/main">
   <p:cSld>
     <p:spTree>
@@ -9336,7 +10697,7 @@
           <p:cNvPr id="2" name="Title 1">
             <a:extLst>
               <a:ext uri="{FF2B5EF4-FFF2-40B4-BE49-F238E27FC236}">
-                <a16:creationId xmlns:a16="http://schemas.microsoft.com/office/drawing/2014/main" id="{F12CE08C-0AA0-4A42-BE04-D13BAAC19269}"/>
+                <a16:creationId xmlns:a16="http://schemas.microsoft.com/office/drawing/2014/main" xmlns="" id="{F12CE08C-0AA0-4A42-BE04-D13BAAC19269}"/>
               </a:ext>
             </a:extLst>
           </p:cNvPr>
@@ -9364,7 +10725,7 @@
           <p:cNvPr id="11" name="Group 10">
             <a:extLst>
               <a:ext uri="{FF2B5EF4-FFF2-40B4-BE49-F238E27FC236}">
-                <a16:creationId xmlns:a16="http://schemas.microsoft.com/office/drawing/2014/main" id="{A08E9ACB-2BEA-40D1-94CB-B386EB1ED3E4}"/>
+                <a16:creationId xmlns:a16="http://schemas.microsoft.com/office/drawing/2014/main" xmlns="" id="{A08E9ACB-2BEA-40D1-94CB-B386EB1ED3E4}"/>
               </a:ext>
             </a:extLst>
           </p:cNvPr>
@@ -9384,7 +10745,7 @@
             <p:cNvPr id="4" name="Rectangle 3">
               <a:extLst>
                 <a:ext uri="{FF2B5EF4-FFF2-40B4-BE49-F238E27FC236}">
-                  <a16:creationId xmlns:a16="http://schemas.microsoft.com/office/drawing/2014/main" id="{F81115D8-C884-42C5-AB30-CF69CB99CC38}"/>
+                  <a16:creationId xmlns:a16="http://schemas.microsoft.com/office/drawing/2014/main" xmlns="" id="{F81115D8-C884-42C5-AB30-CF69CB99CC38}"/>
                 </a:ext>
               </a:extLst>
             </p:cNvPr>
@@ -9431,7 +10792,7 @@
             <p:cNvPr id="5" name="Rectangle 4">
               <a:extLst>
                 <a:ext uri="{FF2B5EF4-FFF2-40B4-BE49-F238E27FC236}">
-                  <a16:creationId xmlns:a16="http://schemas.microsoft.com/office/drawing/2014/main" id="{DC538892-E849-421C-8596-CCB01F7C86BC}"/>
+                  <a16:creationId xmlns:a16="http://schemas.microsoft.com/office/drawing/2014/main" xmlns="" id="{DC538892-E849-421C-8596-CCB01F7C86BC}"/>
                 </a:ext>
               </a:extLst>
             </p:cNvPr>
@@ -9477,7 +10838,7 @@
             <p:cNvPr id="6" name="Rectangle 5">
               <a:extLst>
                 <a:ext uri="{FF2B5EF4-FFF2-40B4-BE49-F238E27FC236}">
-                  <a16:creationId xmlns:a16="http://schemas.microsoft.com/office/drawing/2014/main" id="{695F2FE2-6B0D-43FE-B45C-DB02FDB1F099}"/>
+                  <a16:creationId xmlns:a16="http://schemas.microsoft.com/office/drawing/2014/main" xmlns="" id="{695F2FE2-6B0D-43FE-B45C-DB02FDB1F099}"/>
                 </a:ext>
               </a:extLst>
             </p:cNvPr>
@@ -9534,7 +10895,7 @@
             <p:cNvPr id="7" name="Group 6">
               <a:extLst>
                 <a:ext uri="{FF2B5EF4-FFF2-40B4-BE49-F238E27FC236}">
-                  <a16:creationId xmlns:a16="http://schemas.microsoft.com/office/drawing/2014/main" id="{A6C42604-6BE5-425D-867B-B3542ADBCAFF}"/>
+                  <a16:creationId xmlns:a16="http://schemas.microsoft.com/office/drawing/2014/main" xmlns="" id="{A6C42604-6BE5-425D-867B-B3542ADBCAFF}"/>
                 </a:ext>
               </a:extLst>
             </p:cNvPr>
@@ -9554,7 +10915,7 @@
               <p:cNvPr id="8" name="Straight Connector 7">
                 <a:extLst>
                   <a:ext uri="{FF2B5EF4-FFF2-40B4-BE49-F238E27FC236}">
-                    <a16:creationId xmlns:a16="http://schemas.microsoft.com/office/drawing/2014/main" id="{8E311B42-EB76-4CBD-874F-33053E4AC19F}"/>
+                    <a16:creationId xmlns:a16="http://schemas.microsoft.com/office/drawing/2014/main" xmlns="" id="{8E311B42-EB76-4CBD-874F-33053E4AC19F}"/>
                   </a:ext>
                 </a:extLst>
               </p:cNvPr>
@@ -9597,7 +10958,7 @@
               <p:cNvPr id="9" name="Straight Connector 8">
                 <a:extLst>
                   <a:ext uri="{FF2B5EF4-FFF2-40B4-BE49-F238E27FC236}">
-                    <a16:creationId xmlns:a16="http://schemas.microsoft.com/office/drawing/2014/main" id="{AF68EAD9-C95D-465F-AD03-46779C89D8FA}"/>
+                    <a16:creationId xmlns:a16="http://schemas.microsoft.com/office/drawing/2014/main" xmlns="" id="{AF68EAD9-C95D-465F-AD03-46779C89D8FA}"/>
                   </a:ext>
                 </a:extLst>
               </p:cNvPr>
@@ -9640,7 +11001,7 @@
               <p:cNvPr id="10" name="Straight Connector 9">
                 <a:extLst>
                   <a:ext uri="{FF2B5EF4-FFF2-40B4-BE49-F238E27FC236}">
-                    <a16:creationId xmlns:a16="http://schemas.microsoft.com/office/drawing/2014/main" id="{368AEAA7-6CED-453F-A19F-20ED5174FC3F}"/>
+                    <a16:creationId xmlns:a16="http://schemas.microsoft.com/office/drawing/2014/main" xmlns="" id="{368AEAA7-6CED-453F-A19F-20ED5174FC3F}"/>
                   </a:ext>
                 </a:extLst>
               </p:cNvPr>
@@ -9685,7 +11046,7 @@
           <p:cNvPr id="12" name="Picture 11">
             <a:extLst>
               <a:ext uri="{FF2B5EF4-FFF2-40B4-BE49-F238E27FC236}">
-                <a16:creationId xmlns:a16="http://schemas.microsoft.com/office/drawing/2014/main" id="{E3ABF03C-54F8-4BEA-A222-6E11516260FA}"/>
+                <a16:creationId xmlns:a16="http://schemas.microsoft.com/office/drawing/2014/main" xmlns="" id="{E3ABF03C-54F8-4BEA-A222-6E11516260FA}"/>
               </a:ext>
             </a:extLst>
           </p:cNvPr>
@@ -9719,7 +11080,7 @@
           <p:cNvPr id="13" name="Rectangle 12">
             <a:extLst>
               <a:ext uri="{FF2B5EF4-FFF2-40B4-BE49-F238E27FC236}">
-                <a16:creationId xmlns:a16="http://schemas.microsoft.com/office/drawing/2014/main" id="{A65CB216-4164-4289-8783-2430974DF319}"/>
+                <a16:creationId xmlns:a16="http://schemas.microsoft.com/office/drawing/2014/main" xmlns="" id="{A65CB216-4164-4289-8783-2430974DF319}"/>
               </a:ext>
             </a:extLst>
           </p:cNvPr>
@@ -9776,7 +11137,7 @@
           <p:cNvPr id="14" name="Rectangle 13">
             <a:extLst>
               <a:ext uri="{FF2B5EF4-FFF2-40B4-BE49-F238E27FC236}">
-                <a16:creationId xmlns:a16="http://schemas.microsoft.com/office/drawing/2014/main" id="{892D9718-76CF-4467-B589-55EF78A1FCCC}"/>
+                <a16:creationId xmlns:a16="http://schemas.microsoft.com/office/drawing/2014/main" xmlns="" id="{892D9718-76CF-4467-B589-55EF78A1FCCC}"/>
               </a:ext>
             </a:extLst>
           </p:cNvPr>
@@ -9828,7 +11189,7 @@
           <p:cNvPr id="15" name="Rectangle 14">
             <a:extLst>
               <a:ext uri="{FF2B5EF4-FFF2-40B4-BE49-F238E27FC236}">
-                <a16:creationId xmlns:a16="http://schemas.microsoft.com/office/drawing/2014/main" id="{7B5C1618-819D-4CA8-85A4-55EE6FA717D3}"/>
+                <a16:creationId xmlns:a16="http://schemas.microsoft.com/office/drawing/2014/main" xmlns="" id="{7B5C1618-819D-4CA8-85A4-55EE6FA717D3}"/>
               </a:ext>
             </a:extLst>
           </p:cNvPr>
@@ -9877,7 +11238,7 @@
           <p:cNvPr id="16" name="Rectangle: Rounded Corners 15">
             <a:extLst>
               <a:ext uri="{FF2B5EF4-FFF2-40B4-BE49-F238E27FC236}">
-                <a16:creationId xmlns:a16="http://schemas.microsoft.com/office/drawing/2014/main" id="{75F2FE7C-3FFB-46DE-9A48-12A3B83204FD}"/>
+                <a16:creationId xmlns:a16="http://schemas.microsoft.com/office/drawing/2014/main" xmlns="" id="{75F2FE7C-3FFB-46DE-9A48-12A3B83204FD}"/>
               </a:ext>
             </a:extLst>
           </p:cNvPr>
@@ -9951,6 +11312,203 @@
     <p:extLst>
       <p:ext uri="{BB962C8B-B14F-4D97-AF65-F5344CB8AC3E}">
         <p14:creationId xmlns:p14="http://schemas.microsoft.com/office/powerpoint/2010/main" val="3069667123"/>
+      </p:ext>
+    </p:extLst>
+  </p:cSld>
+  <p:clrMapOvr>
+    <a:masterClrMapping/>
+  </p:clrMapOvr>
+</p:sld>
+</file>
+
+<file path=ppt/slides/slide8.xml><?xml version="1.0" encoding="utf-8"?>
+<p:sld xmlns:a="http://schemas.openxmlformats.org/drawingml/2006/main" xmlns:r="http://schemas.openxmlformats.org/officeDocument/2006/relationships" xmlns:p="http://schemas.openxmlformats.org/presentationml/2006/main">
+  <p:cSld>
+    <p:spTree>
+      <p:nvGrpSpPr>
+        <p:cNvPr id="1" name=""/>
+        <p:cNvGrpSpPr/>
+        <p:nvPr/>
+      </p:nvGrpSpPr>
+      <p:grpSpPr>
+        <a:xfrm>
+          <a:off x="0" y="0"/>
+          <a:ext cx="0" cy="0"/>
+          <a:chOff x="0" y="0"/>
+          <a:chExt cx="0" cy="0"/>
+        </a:xfrm>
+      </p:grpSpPr>
+      <p:sp>
+        <p:nvSpPr>
+          <p:cNvPr id="2" name="Title 1"/>
+          <p:cNvSpPr>
+            <a:spLocks noGrp="1"/>
+          </p:cNvSpPr>
+          <p:nvPr>
+            <p:ph type="title"/>
+          </p:nvPr>
+        </p:nvSpPr>
+        <p:spPr/>
+        <p:txBody>
+          <a:bodyPr/>
+          <a:lstStyle/>
+          <a:p>
+            <a:r>
+              <a:rPr lang="id-ID" dirty="0" smtClean="0"/>
+              <a:t>Reporting</a:t>
+            </a:r>
+            <a:endParaRPr lang="id-ID" dirty="0"/>
+          </a:p>
+        </p:txBody>
+      </p:sp>
+      <p:sp>
+        <p:nvSpPr>
+          <p:cNvPr id="3" name="Content Placeholder 2"/>
+          <p:cNvSpPr>
+            <a:spLocks noGrp="1"/>
+          </p:cNvSpPr>
+          <p:nvPr>
+            <p:ph idx="1"/>
+          </p:nvPr>
+        </p:nvSpPr>
+        <p:spPr/>
+        <p:txBody>
+          <a:bodyPr/>
+          <a:lstStyle/>
+          <a:p>
+            <a:r>
+              <a:rPr lang="id-ID" dirty="0" smtClean="0"/>
+              <a:t>Menu report terdiri dari dua submenu yaitu :</a:t>
+            </a:r>
+          </a:p>
+          <a:p>
+            <a:pPr marL="514350" indent="-514350">
+              <a:buAutoNum type="alphaLcPeriod"/>
+            </a:pPr>
+            <a:r>
+              <a:rPr lang="id-ID" dirty="0" smtClean="0"/>
+              <a:t>Report by progress</a:t>
+            </a:r>
+          </a:p>
+          <a:p>
+            <a:pPr marL="514350" indent="-514350">
+              <a:buAutoNum type="alphaLcPeriod"/>
+            </a:pPr>
+            <a:r>
+              <a:rPr lang="id-ID" dirty="0" smtClean="0"/>
+              <a:t>Report by entity</a:t>
+            </a:r>
+            <a:endParaRPr lang="id-ID" dirty="0"/>
+          </a:p>
+        </p:txBody>
+      </p:sp>
+    </p:spTree>
+    <p:extLst>
+      <p:ext uri="{BB962C8B-B14F-4D97-AF65-F5344CB8AC3E}">
+        <p14:creationId xmlns:p14="http://schemas.microsoft.com/office/powerpoint/2010/main" val="2560899196"/>
+      </p:ext>
+    </p:extLst>
+  </p:cSld>
+  <p:clrMapOvr>
+    <a:masterClrMapping/>
+  </p:clrMapOvr>
+</p:sld>
+</file>
+
+<file path=ppt/slides/slide9.xml><?xml version="1.0" encoding="utf-8"?>
+<p:sld xmlns:a="http://schemas.openxmlformats.org/drawingml/2006/main" xmlns:r="http://schemas.openxmlformats.org/officeDocument/2006/relationships" xmlns:p="http://schemas.openxmlformats.org/presentationml/2006/main">
+  <p:cSld>
+    <p:spTree>
+      <p:nvGrpSpPr>
+        <p:cNvPr id="1" name=""/>
+        <p:cNvGrpSpPr/>
+        <p:nvPr/>
+      </p:nvGrpSpPr>
+      <p:grpSpPr>
+        <a:xfrm>
+          <a:off x="0" y="0"/>
+          <a:ext cx="0" cy="0"/>
+          <a:chOff x="0" y="0"/>
+          <a:chExt cx="0" cy="0"/>
+        </a:xfrm>
+      </p:grpSpPr>
+      <p:sp>
+        <p:nvSpPr>
+          <p:cNvPr id="2" name="Title 1"/>
+          <p:cNvSpPr>
+            <a:spLocks noGrp="1"/>
+          </p:cNvSpPr>
+          <p:nvPr>
+            <p:ph type="title"/>
+          </p:nvPr>
+        </p:nvSpPr>
+        <p:spPr/>
+        <p:txBody>
+          <a:bodyPr/>
+          <a:lstStyle/>
+          <a:p>
+            <a:r>
+              <a:rPr lang="id-ID" dirty="0" smtClean="0"/>
+              <a:t>Report by Progress</a:t>
+            </a:r>
+            <a:endParaRPr lang="id-ID" dirty="0"/>
+          </a:p>
+        </p:txBody>
+      </p:sp>
+      <p:sp>
+        <p:nvSpPr>
+          <p:cNvPr id="3" name="Content Placeholder 2"/>
+          <p:cNvSpPr>
+            <a:spLocks noGrp="1"/>
+          </p:cNvSpPr>
+          <p:nvPr>
+            <p:ph idx="1"/>
+          </p:nvPr>
+        </p:nvSpPr>
+        <p:spPr/>
+        <p:txBody>
+          <a:bodyPr/>
+          <a:lstStyle/>
+          <a:p>
+            <a:r>
+              <a:rPr lang="id-ID" dirty="0" smtClean="0"/>
+              <a:t>Pada dasarnya report ini menampilkan progress keseluruhan hibah BMN yang terbagi menjadi beberapa kategori yaitu :</a:t>
+            </a:r>
+          </a:p>
+          <a:p>
+            <a:pPr marL="514350" indent="-514350">
+              <a:buAutoNum type="alphaLcPeriod"/>
+            </a:pPr>
+            <a:r>
+              <a:rPr lang="id-ID" dirty="0" smtClean="0"/>
+              <a:t>Sudah diserah terimakan</a:t>
+            </a:r>
+          </a:p>
+          <a:p>
+            <a:pPr marL="514350" indent="-514350">
+              <a:buAutoNum type="alphaLcPeriod"/>
+            </a:pPr>
+            <a:r>
+              <a:rPr lang="id-ID" dirty="0" smtClean="0"/>
+              <a:t>Sudah terbit persetujuan</a:t>
+            </a:r>
+          </a:p>
+          <a:p>
+            <a:pPr marL="514350" indent="-514350">
+              <a:buAutoNum type="alphaLcPeriod"/>
+            </a:pPr>
+            <a:r>
+              <a:rPr lang="id-ID" dirty="0" smtClean="0"/>
+              <a:t>Sedang dalam proses</a:t>
+            </a:r>
+            <a:endParaRPr lang="id-ID" dirty="0"/>
+          </a:p>
+        </p:txBody>
+      </p:sp>
+    </p:spTree>
+    <p:extLst>
+      <p:ext uri="{BB962C8B-B14F-4D97-AF65-F5344CB8AC3E}">
+        <p14:creationId xmlns:p14="http://schemas.microsoft.com/office/powerpoint/2010/main" val="1486995876"/>
       </p:ext>
     </p:extLst>
   </p:cSld>
